--- a/Nexus.pptx
+++ b/Nexus.pptx
@@ -16,9 +16,16 @@
     <p:sldId id="264" r:id="rId10"/>
     <p:sldId id="265" r:id="rId11"/>
     <p:sldId id="266" r:id="rId12"/>
-    <p:sldId id="268" r:id="rId13"/>
-    <p:sldId id="270" r:id="rId14"/>
-    <p:sldId id="269" r:id="rId15"/>
+    <p:sldId id="278" r:id="rId13"/>
+    <p:sldId id="271" r:id="rId14"/>
+    <p:sldId id="272" r:id="rId15"/>
+    <p:sldId id="273" r:id="rId16"/>
+    <p:sldId id="274" r:id="rId17"/>
+    <p:sldId id="275" r:id="rId18"/>
+    <p:sldId id="277" r:id="rId19"/>
+    <p:sldId id="268" r:id="rId20"/>
+    <p:sldId id="270" r:id="rId21"/>
+    <p:sldId id="269" r:id="rId22"/>
   </p:sldIdLst>
   <p:sldSz cx="12192000" cy="6858000"/>
   <p:notesSz cx="6858000" cy="9144000"/>
@@ -117,6 +124,11 @@
       </a:defRPr>
     </a:lvl9pPr>
   </p:defaultTextStyle>
+  <p:extLst>
+    <p:ext uri="{EFAFB233-063F-42B5-8137-9DF3F51BA10A}">
+      <p15:sldGuideLst xmlns:p15="http://schemas.microsoft.com/office/powerpoint/2012/main"/>
+    </p:ext>
+  </p:extLst>
 </p:presentation>
 </file>
 
@@ -251,7 +263,7 @@
           <a:p>
             <a:fld id="{7C0984F3-6E2B-4665-BEE2-EC51EE13021B}" type="datetimeFigureOut">
               <a:rPr lang="ko-KR" altLang="en-US" smtClean="0"/>
-              <a:t>2016-01-02</a:t>
+              <a:t>2016-01-03</a:t>
             </a:fld>
             <a:endParaRPr lang="ko-KR" altLang="en-US"/>
           </a:p>
@@ -421,7 +433,7 @@
           <a:p>
             <a:fld id="{7C0984F3-6E2B-4665-BEE2-EC51EE13021B}" type="datetimeFigureOut">
               <a:rPr lang="ko-KR" altLang="en-US" smtClean="0"/>
-              <a:t>2016-01-02</a:t>
+              <a:t>2016-01-03</a:t>
             </a:fld>
             <a:endParaRPr lang="ko-KR" altLang="en-US"/>
           </a:p>
@@ -601,7 +613,7 @@
           <a:p>
             <a:fld id="{7C0984F3-6E2B-4665-BEE2-EC51EE13021B}" type="datetimeFigureOut">
               <a:rPr lang="ko-KR" altLang="en-US" smtClean="0"/>
-              <a:t>2016-01-02</a:t>
+              <a:t>2016-01-03</a:t>
             </a:fld>
             <a:endParaRPr lang="ko-KR" altLang="en-US"/>
           </a:p>
@@ -771,7 +783,7 @@
           <a:p>
             <a:fld id="{7C0984F3-6E2B-4665-BEE2-EC51EE13021B}" type="datetimeFigureOut">
               <a:rPr lang="ko-KR" altLang="en-US" smtClean="0"/>
-              <a:t>2016-01-02</a:t>
+              <a:t>2016-01-03</a:t>
             </a:fld>
             <a:endParaRPr lang="ko-KR" altLang="en-US"/>
           </a:p>
@@ -1017,7 +1029,7 @@
           <a:p>
             <a:fld id="{7C0984F3-6E2B-4665-BEE2-EC51EE13021B}" type="datetimeFigureOut">
               <a:rPr lang="ko-KR" altLang="en-US" smtClean="0"/>
-              <a:t>2016-01-02</a:t>
+              <a:t>2016-01-03</a:t>
             </a:fld>
             <a:endParaRPr lang="ko-KR" altLang="en-US"/>
           </a:p>
@@ -1249,7 +1261,7 @@
           <a:p>
             <a:fld id="{7C0984F3-6E2B-4665-BEE2-EC51EE13021B}" type="datetimeFigureOut">
               <a:rPr lang="ko-KR" altLang="en-US" smtClean="0"/>
-              <a:t>2016-01-02</a:t>
+              <a:t>2016-01-03</a:t>
             </a:fld>
             <a:endParaRPr lang="ko-KR" altLang="en-US"/>
           </a:p>
@@ -1616,7 +1628,7 @@
           <a:p>
             <a:fld id="{7C0984F3-6E2B-4665-BEE2-EC51EE13021B}" type="datetimeFigureOut">
               <a:rPr lang="ko-KR" altLang="en-US" smtClean="0"/>
-              <a:t>2016-01-02</a:t>
+              <a:t>2016-01-03</a:t>
             </a:fld>
             <a:endParaRPr lang="ko-KR" altLang="en-US"/>
           </a:p>
@@ -1734,7 +1746,7 @@
           <a:p>
             <a:fld id="{7C0984F3-6E2B-4665-BEE2-EC51EE13021B}" type="datetimeFigureOut">
               <a:rPr lang="ko-KR" altLang="en-US" smtClean="0"/>
-              <a:t>2016-01-02</a:t>
+              <a:t>2016-01-03</a:t>
             </a:fld>
             <a:endParaRPr lang="ko-KR" altLang="en-US"/>
           </a:p>
@@ -1829,7 +1841,7 @@
           <a:p>
             <a:fld id="{7C0984F3-6E2B-4665-BEE2-EC51EE13021B}" type="datetimeFigureOut">
               <a:rPr lang="ko-KR" altLang="en-US" smtClean="0"/>
-              <a:t>2016-01-02</a:t>
+              <a:t>2016-01-03</a:t>
             </a:fld>
             <a:endParaRPr lang="ko-KR" altLang="en-US"/>
           </a:p>
@@ -2106,7 +2118,7 @@
           <a:p>
             <a:fld id="{7C0984F3-6E2B-4665-BEE2-EC51EE13021B}" type="datetimeFigureOut">
               <a:rPr lang="ko-KR" altLang="en-US" smtClean="0"/>
-              <a:t>2016-01-02</a:t>
+              <a:t>2016-01-03</a:t>
             </a:fld>
             <a:endParaRPr lang="ko-KR" altLang="en-US"/>
           </a:p>
@@ -2359,7 +2371,7 @@
           <a:p>
             <a:fld id="{7C0984F3-6E2B-4665-BEE2-EC51EE13021B}" type="datetimeFigureOut">
               <a:rPr lang="ko-KR" altLang="en-US" smtClean="0"/>
-              <a:t>2016-01-02</a:t>
+              <a:t>2016-01-03</a:t>
             </a:fld>
             <a:endParaRPr lang="ko-KR" altLang="en-US"/>
           </a:p>
@@ -2572,7 +2584,7 @@
           <a:p>
             <a:fld id="{7C0984F3-6E2B-4665-BEE2-EC51EE13021B}" type="datetimeFigureOut">
               <a:rPr lang="ko-KR" altLang="en-US" smtClean="0"/>
-              <a:t>2016-01-02</a:t>
+              <a:t>2016-01-03</a:t>
             </a:fld>
             <a:endParaRPr lang="ko-KR" altLang="en-US"/>
           </a:p>
@@ -3651,7 +3663,14 @@
                 <a:latin typeface="Yoon 윤고딕 530_TT" panose="02090603020101020101" pitchFamily="18" charset="-127"/>
                 <a:ea typeface="Yoon 윤고딕 530_TT" panose="02090603020101020101" pitchFamily="18" charset="-127"/>
               </a:rPr>
-              <a:t>② 권한 관리</a:t>
+              <a:t>① </a:t>
+            </a:r>
+            <a:r>
+              <a:rPr lang="ko-KR" altLang="en-US" sz="2000" dirty="0" smtClean="0">
+                <a:latin typeface="Yoon 윤고딕 530_TT" panose="02090603020101020101" pitchFamily="18" charset="-127"/>
+                <a:ea typeface="Yoon 윤고딕 530_TT" panose="02090603020101020101" pitchFamily="18" charset="-127"/>
+              </a:rPr>
+              <a:t>강의 상세 페이지에서 참여신청</a:t>
             </a:r>
             <a:endParaRPr lang="ko-KR" altLang="en-US" sz="2000" dirty="0">
               <a:latin typeface="Yoon 윤고딕 530_TT" panose="02090603020101020101" pitchFamily="18" charset="-127"/>
@@ -3662,7 +3681,7 @@
       </p:sp>
       <p:pic>
         <p:nvPicPr>
-          <p:cNvPr id="2" name="그림 1"/>
+          <p:cNvPr id="3" name="그림 2"/>
           <p:cNvPicPr>
             <a:picLocks noChangeAspect="1"/>
           </p:cNvPicPr>
@@ -3676,31 +3695,53 @@
         </p:blipFill>
         <p:spPr>
           <a:xfrm>
-            <a:off x="342233" y="1964317"/>
-            <a:ext cx="6543675" cy="4791075"/>
+            <a:off x="451626" y="2060686"/>
+            <a:ext cx="5366922" cy="3306961"/>
           </a:xfrm>
           <a:prstGeom prst="rect">
             <a:avLst/>
           </a:prstGeom>
         </p:spPr>
       </p:pic>
-      <p:sp>
-        <p:nvSpPr>
-          <p:cNvPr id="10" name="TextBox 9"/>
+      <p:pic>
+        <p:nvPicPr>
+          <p:cNvPr id="7" name="그림 6"/>
+          <p:cNvPicPr>
+            <a:picLocks noChangeAspect="1"/>
+          </p:cNvPicPr>
+          <p:nvPr/>
+        </p:nvPicPr>
+        <p:blipFill>
+          <a:blip r:embed="rId3"/>
+          <a:stretch>
+            <a:fillRect/>
+          </a:stretch>
+        </p:blipFill>
+        <p:spPr>
+          <a:xfrm>
+            <a:off x="6270171" y="2320577"/>
+            <a:ext cx="4573015" cy="2393927"/>
+          </a:xfrm>
+          <a:prstGeom prst="rect">
+            <a:avLst/>
+          </a:prstGeom>
+        </p:spPr>
+      </p:pic>
+      <p:sp>
+        <p:nvSpPr>
+          <p:cNvPr id="13" name="TextBox 12"/>
           <p:cNvSpPr txBox="1"/>
           <p:nvPr/>
         </p:nvSpPr>
         <p:spPr>
           <a:xfrm>
-            <a:off x="1703034" y="2880222"/>
-            <a:ext cx="2817263" cy="415498"/>
-          </a:xfrm>
-          <a:prstGeom prst="rect">
-            <a:avLst/>
-          </a:prstGeom>
-          <a:solidFill>
-            <a:schemeClr val="bg1"/>
-          </a:solidFill>
+            <a:off x="6052285" y="1564207"/>
+            <a:ext cx="4348520" cy="400110"/>
+          </a:xfrm>
+          <a:prstGeom prst="rect">
+            <a:avLst/>
+          </a:prstGeom>
+          <a:noFill/>
         </p:spPr>
         <p:txBody>
           <a:bodyPr wrap="square" rtlCol="0">
@@ -3709,142 +3750,13 @@
           <a:lstStyle/>
           <a:p>
             <a:r>
-              <a:rPr lang="en-US" altLang="ko-KR" sz="1050" dirty="0" smtClean="0">
-                <a:latin typeface="Yoon 윤고딕 530_TT" panose="02090603020101020101" pitchFamily="18" charset="-127"/>
-                <a:ea typeface="Yoon 윤고딕 530_TT" panose="02090603020101020101" pitchFamily="18" charset="-127"/>
-              </a:rPr>
-              <a:t>Y</a:t>
-            </a:r>
-            <a:r>
-              <a:rPr lang="ko-KR" altLang="en-US" sz="1050" dirty="0" smtClean="0">
-                <a:latin typeface="Yoon 윤고딕 530_TT" panose="02090603020101020101" pitchFamily="18" charset="-127"/>
-                <a:ea typeface="Yoon 윤고딕 530_TT" panose="02090603020101020101" pitchFamily="18" charset="-127"/>
-              </a:rPr>
-              <a:t>축에 </a:t>
-            </a:r>
-            <a:r>
-              <a:rPr lang="ko-KR" altLang="en-US" sz="1050" dirty="0" err="1" smtClean="0">
-                <a:latin typeface="Yoon 윤고딕 530_TT" panose="02090603020101020101" pitchFamily="18" charset="-127"/>
-                <a:ea typeface="Yoon 윤고딕 530_TT" panose="02090603020101020101" pitchFamily="18" charset="-127"/>
-              </a:rPr>
-              <a:t>컨텐츠</a:t>
-            </a:r>
-            <a:r>
-              <a:rPr lang="ko-KR" altLang="en-US" sz="1050" dirty="0" smtClean="0">
-                <a:latin typeface="Yoon 윤고딕 530_TT" panose="02090603020101020101" pitchFamily="18" charset="-127"/>
-                <a:ea typeface="Yoon 윤고딕 530_TT" panose="02090603020101020101" pitchFamily="18" charset="-127"/>
-              </a:rPr>
-              <a:t> 유형</a:t>
-            </a:r>
-            <a:r>
-              <a:rPr lang="en-US" altLang="ko-KR" sz="1050" dirty="0" smtClean="0">
-                <a:latin typeface="Yoon 윤고딕 530_TT" panose="02090603020101020101" pitchFamily="18" charset="-127"/>
-                <a:ea typeface="Yoon 윤고딕 530_TT" panose="02090603020101020101" pitchFamily="18" charset="-127"/>
-              </a:rPr>
-              <a:t>, X</a:t>
-            </a:r>
-            <a:r>
-              <a:rPr lang="ko-KR" altLang="en-US" sz="1050" dirty="0" smtClean="0">
-                <a:latin typeface="Yoon 윤고딕 530_TT" panose="02090603020101020101" pitchFamily="18" charset="-127"/>
-                <a:ea typeface="Yoon 윤고딕 530_TT" panose="02090603020101020101" pitchFamily="18" charset="-127"/>
-              </a:rPr>
-              <a:t>축에 사용자 그룹이 표시된다</a:t>
-            </a:r>
-            <a:r>
-              <a:rPr lang="en-US" altLang="ko-KR" sz="1050" dirty="0" smtClean="0">
-                <a:latin typeface="Yoon 윤고딕 530_TT" panose="02090603020101020101" pitchFamily="18" charset="-127"/>
-                <a:ea typeface="Yoon 윤고딕 530_TT" panose="02090603020101020101" pitchFamily="18" charset="-127"/>
-              </a:rPr>
-              <a:t>. </a:t>
-            </a:r>
-            <a:r>
-              <a:rPr lang="ko-KR" altLang="en-US" sz="1050" dirty="0" smtClean="0">
-                <a:latin typeface="Yoon 윤고딕 530_TT" panose="02090603020101020101" pitchFamily="18" charset="-127"/>
-                <a:ea typeface="Yoon 윤고딕 530_TT" panose="02090603020101020101" pitchFamily="18" charset="-127"/>
-              </a:rPr>
-              <a:t>각 사용자 그룹에 권한을 설정할 수 있다</a:t>
-            </a:r>
-            <a:r>
-              <a:rPr lang="en-US" altLang="ko-KR" sz="1050" dirty="0" smtClean="0">
-                <a:latin typeface="Yoon 윤고딕 530_TT" panose="02090603020101020101" pitchFamily="18" charset="-127"/>
-                <a:ea typeface="Yoon 윤고딕 530_TT" panose="02090603020101020101" pitchFamily="18" charset="-127"/>
-              </a:rPr>
-              <a:t>.</a:t>
-            </a:r>
-            <a:endParaRPr lang="ko-KR" altLang="en-US" sz="1050" dirty="0">
-              <a:latin typeface="Yoon 윤고딕 530_TT" panose="02090603020101020101" pitchFamily="18" charset="-127"/>
-              <a:ea typeface="Yoon 윤고딕 530_TT" panose="02090603020101020101" pitchFamily="18" charset="-127"/>
-            </a:endParaRPr>
-          </a:p>
-        </p:txBody>
-      </p:sp>
-      <p:sp>
-        <p:nvSpPr>
-          <p:cNvPr id="12" name="TextBox 11"/>
-          <p:cNvSpPr txBox="1"/>
-          <p:nvPr/>
-        </p:nvSpPr>
-        <p:spPr>
-          <a:xfrm>
-            <a:off x="5477276" y="5193931"/>
-            <a:ext cx="3334215" cy="415498"/>
-          </a:xfrm>
-          <a:prstGeom prst="rect">
-            <a:avLst/>
-          </a:prstGeom>
-          <a:solidFill>
-            <a:schemeClr val="bg1"/>
-          </a:solidFill>
-        </p:spPr>
-        <p:txBody>
-          <a:bodyPr wrap="square" rtlCol="0">
-            <a:spAutoFit/>
-          </a:bodyPr>
-          <a:lstStyle/>
-          <a:p>
-            <a:r>
-              <a:rPr lang="ko-KR" altLang="en-US" sz="1050" dirty="0" smtClean="0">
-                <a:latin typeface="Yoon 윤고딕 530_TT" panose="02090603020101020101" pitchFamily="18" charset="-127"/>
-                <a:ea typeface="Yoon 윤고딕 530_TT" panose="02090603020101020101" pitchFamily="18" charset="-127"/>
-              </a:rPr>
-              <a:t>제출유형이면서</a:t>
-            </a:r>
-            <a:r>
-              <a:rPr lang="en-US" altLang="ko-KR" sz="1050" dirty="0" smtClean="0">
-                <a:latin typeface="Yoon 윤고딕 530_TT" panose="02090603020101020101" pitchFamily="18" charset="-127"/>
-                <a:ea typeface="Yoon 윤고딕 530_TT" panose="02090603020101020101" pitchFamily="18" charset="-127"/>
-              </a:rPr>
-              <a:t>, </a:t>
-            </a:r>
-            <a:r>
-              <a:rPr lang="ko-KR" altLang="en-US" sz="1050" dirty="0" smtClean="0">
-                <a:latin typeface="Yoon 윤고딕 530_TT" panose="02090603020101020101" pitchFamily="18" charset="-127"/>
-                <a:ea typeface="Yoon 윤고딕 530_TT" panose="02090603020101020101" pitchFamily="18" charset="-127"/>
-              </a:rPr>
-              <a:t>제출내용 공개를 선택하지 않았을 경우</a:t>
-            </a:r>
-            <a:r>
-              <a:rPr lang="en-US" altLang="ko-KR" sz="1050" dirty="0" smtClean="0">
-                <a:latin typeface="Yoon 윤고딕 530_TT" panose="02090603020101020101" pitchFamily="18" charset="-127"/>
-                <a:ea typeface="Yoon 윤고딕 530_TT" panose="02090603020101020101" pitchFamily="18" charset="-127"/>
-              </a:rPr>
-              <a:t>, </a:t>
-            </a:r>
-            <a:r>
-              <a:rPr lang="ko-KR" altLang="en-US" sz="1050" dirty="0" smtClean="0">
-                <a:latin typeface="Yoon 윤고딕 530_TT" panose="02090603020101020101" pitchFamily="18" charset="-127"/>
-                <a:ea typeface="Yoon 윤고딕 530_TT" panose="02090603020101020101" pitchFamily="18" charset="-127"/>
-              </a:rPr>
-              <a:t>제출 내용 열람 권한을 가지는 그룹을 선택할 수 있다</a:t>
-            </a:r>
-            <a:r>
-              <a:rPr lang="en-US" altLang="ko-KR" sz="1050" dirty="0" smtClean="0">
-                <a:latin typeface="Yoon 윤고딕 530_TT" panose="02090603020101020101" pitchFamily="18" charset="-127"/>
-                <a:ea typeface="Yoon 윤고딕 530_TT" panose="02090603020101020101" pitchFamily="18" charset="-127"/>
-              </a:rPr>
-              <a:t>.</a:t>
-            </a:r>
-            <a:endParaRPr lang="ko-KR" altLang="en-US" sz="1050" dirty="0">
+              <a:rPr lang="ko-KR" altLang="en-US" sz="2000" dirty="0" smtClean="0">
+                <a:latin typeface="Yoon 윤고딕 530_TT" panose="02090603020101020101" pitchFamily="18" charset="-127"/>
+                <a:ea typeface="Yoon 윤고딕 530_TT" panose="02090603020101020101" pitchFamily="18" charset="-127"/>
+              </a:rPr>
+              <a:t>② 참여자 탭에서 승인</a:t>
+            </a:r>
+            <a:endParaRPr lang="ko-KR" altLang="en-US" sz="2000" dirty="0">
               <a:latin typeface="Yoon 윤고딕 530_TT" panose="02090603020101020101" pitchFamily="18" charset="-127"/>
               <a:ea typeface="Yoon 윤고딕 530_TT" panose="02090603020101020101" pitchFamily="18" charset="-127"/>
             </a:endParaRPr>
@@ -3881,108 +3793,6 @@
           <a:chExt cx="0" cy="0"/>
         </a:xfrm>
       </p:grpSpPr>
-      <p:sp>
-        <p:nvSpPr>
-          <p:cNvPr id="38" name="TextBox 37"/>
-          <p:cNvSpPr txBox="1"/>
-          <p:nvPr/>
-        </p:nvSpPr>
-        <p:spPr>
-          <a:xfrm>
-            <a:off x="659078" y="4275572"/>
-            <a:ext cx="9553701" cy="2029231"/>
-          </a:xfrm>
-          <a:prstGeom prst="rect">
-            <a:avLst/>
-          </a:prstGeom>
-          <a:noFill/>
-          <a:ln>
-            <a:solidFill>
-              <a:schemeClr val="bg1">
-                <a:lumMod val="85000"/>
-              </a:schemeClr>
-            </a:solidFill>
-            <a:prstDash val="sysDot"/>
-          </a:ln>
-        </p:spPr>
-        <p:txBody>
-          <a:bodyPr wrap="square" rtlCol="0">
-            <a:spAutoFit/>
-          </a:bodyPr>
-          <a:lstStyle/>
-          <a:p>
-            <a:endParaRPr lang="ko-KR" altLang="en-US" dirty="0"/>
-          </a:p>
-        </p:txBody>
-      </p:sp>
-      <p:sp>
-        <p:nvSpPr>
-          <p:cNvPr id="37" name="TextBox 36"/>
-          <p:cNvSpPr txBox="1"/>
-          <p:nvPr/>
-        </p:nvSpPr>
-        <p:spPr>
-          <a:xfrm>
-            <a:off x="659078" y="1996260"/>
-            <a:ext cx="9553701" cy="2029231"/>
-          </a:xfrm>
-          <a:prstGeom prst="rect">
-            <a:avLst/>
-          </a:prstGeom>
-          <a:noFill/>
-          <a:ln>
-            <a:solidFill>
-              <a:schemeClr val="bg1">
-                <a:lumMod val="85000"/>
-              </a:schemeClr>
-            </a:solidFill>
-            <a:prstDash val="sysDot"/>
-          </a:ln>
-        </p:spPr>
-        <p:txBody>
-          <a:bodyPr wrap="square" rtlCol="0">
-            <a:spAutoFit/>
-          </a:bodyPr>
-          <a:lstStyle/>
-          <a:p>
-            <a:endParaRPr lang="ko-KR" altLang="en-US" dirty="0"/>
-          </a:p>
-        </p:txBody>
-      </p:sp>
-      <p:cxnSp>
-        <p:nvCxnSpPr>
-          <p:cNvPr id="7" name="직선 화살표 연결선 6"/>
-          <p:cNvCxnSpPr/>
-          <p:nvPr/>
-        </p:nvCxnSpPr>
-        <p:spPr>
-          <a:xfrm>
-            <a:off x="9393382" y="3230088"/>
-            <a:ext cx="0" cy="1555668"/>
-          </a:xfrm>
-          <a:prstGeom prst="straightConnector1">
-            <a:avLst/>
-          </a:prstGeom>
-          <a:ln>
-            <a:headEnd type="triangle" w="med" len="med"/>
-            <a:tailEnd type="triangle" w="med" len="med"/>
-          </a:ln>
-        </p:spPr>
-        <p:style>
-          <a:lnRef idx="1">
-            <a:schemeClr val="accent1"/>
-          </a:lnRef>
-          <a:fillRef idx="0">
-            <a:schemeClr val="accent1"/>
-          </a:fillRef>
-          <a:effectRef idx="0">
-            <a:schemeClr val="accent1"/>
-          </a:effectRef>
-          <a:fontRef idx="minor">
-            <a:schemeClr val="tx1"/>
-          </a:fontRef>
-        </p:style>
-      </p:cxnSp>
       <p:grpSp>
         <p:nvGrpSpPr>
           <p:cNvPr id="6" name="그룹 5"/>
@@ -4095,18 +3905,18 @@
           <a:lstStyle/>
           <a:p>
             <a:r>
-              <a:rPr lang="en-US" altLang="ko-KR" sz="3200" dirty="0">
-                <a:latin typeface="Yoon 윤고딕 530_TT" panose="02090603020101020101" pitchFamily="18" charset="-127"/>
-                <a:ea typeface="Yoon 윤고딕 530_TT" panose="02090603020101020101" pitchFamily="18" charset="-127"/>
-              </a:rPr>
-              <a:t>1</a:t>
-            </a:r>
-            <a:r>
               <a:rPr lang="en-US" altLang="ko-KR" sz="3200" dirty="0" smtClean="0">
                 <a:latin typeface="Yoon 윤고딕 530_TT" panose="02090603020101020101" pitchFamily="18" charset="-127"/>
                 <a:ea typeface="Yoon 윤고딕 530_TT" panose="02090603020101020101" pitchFamily="18" charset="-127"/>
               </a:rPr>
-              <a:t>. Server</a:t>
+              <a:t>3. </a:t>
+            </a:r>
+            <a:r>
+              <a:rPr lang="ko-KR" altLang="en-US" sz="3200" dirty="0" smtClean="0">
+                <a:latin typeface="Yoon 윤고딕 530_TT" panose="02090603020101020101" pitchFamily="18" charset="-127"/>
+                <a:ea typeface="Yoon 윤고딕 530_TT" panose="02090603020101020101" pitchFamily="18" charset="-127"/>
+              </a:rPr>
+              <a:t>내 강의 관리</a:t>
             </a:r>
             <a:endParaRPr lang="ko-KR" altLang="en-US" sz="3200" dirty="0">
               <a:latin typeface="Yoon 윤고딕 530_TT" panose="02090603020101020101" pitchFamily="18" charset="-127"/>
@@ -4115,16 +3925,40 @@
           </a:p>
         </p:txBody>
       </p:sp>
-      <p:sp>
-        <p:nvSpPr>
-          <p:cNvPr id="13" name="TextBox 12"/>
+      <p:pic>
+        <p:nvPicPr>
+          <p:cNvPr id="2" name="그림 1"/>
+          <p:cNvPicPr>
+            <a:picLocks noChangeAspect="1"/>
+          </p:cNvPicPr>
+          <p:nvPr/>
+        </p:nvPicPr>
+        <p:blipFill>
+          <a:blip r:embed="rId2"/>
+          <a:stretch>
+            <a:fillRect/>
+          </a:stretch>
+        </p:blipFill>
+        <p:spPr>
+          <a:xfrm>
+            <a:off x="439386" y="2158958"/>
+            <a:ext cx="6958940" cy="4085271"/>
+          </a:xfrm>
+          <a:prstGeom prst="rect">
+            <a:avLst/>
+          </a:prstGeom>
+        </p:spPr>
+      </p:pic>
+      <p:sp>
+        <p:nvSpPr>
+          <p:cNvPr id="12" name="TextBox 11"/>
           <p:cNvSpPr txBox="1"/>
           <p:nvPr/>
         </p:nvSpPr>
         <p:spPr>
           <a:xfrm>
-            <a:off x="1481358" y="2504496"/>
-            <a:ext cx="1509412" cy="584775"/>
+            <a:off x="342233" y="1564207"/>
+            <a:ext cx="4348520" cy="400110"/>
           </a:xfrm>
           <a:prstGeom prst="rect">
             <a:avLst/>
@@ -4138,61 +3972,11 @@
           <a:lstStyle/>
           <a:p>
             <a:r>
-              <a:rPr lang="en-US" altLang="ko-KR" sz="3200" dirty="0" err="1" smtClean="0">
-                <a:latin typeface="Yoon 윤고딕 530_TT" panose="02090603020101020101" pitchFamily="18" charset="-127"/>
-                <a:ea typeface="Yoon 윤고딕 530_TT" panose="02090603020101020101" pitchFamily="18" charset="-127"/>
-              </a:rPr>
-              <a:t>nGinx</a:t>
-            </a:r>
-            <a:endParaRPr lang="ko-KR" altLang="en-US" sz="3200" dirty="0">
-              <a:latin typeface="Yoon 윤고딕 530_TT" panose="02090603020101020101" pitchFamily="18" charset="-127"/>
-              <a:ea typeface="Yoon 윤고딕 530_TT" panose="02090603020101020101" pitchFamily="18" charset="-127"/>
-            </a:endParaRPr>
-          </a:p>
-        </p:txBody>
-      </p:sp>
-      <p:sp>
-        <p:nvSpPr>
-          <p:cNvPr id="14" name="TextBox 13"/>
-          <p:cNvSpPr txBox="1"/>
-          <p:nvPr/>
-        </p:nvSpPr>
-        <p:spPr>
-          <a:xfrm>
-            <a:off x="3916085" y="3635586"/>
-            <a:ext cx="2804726" cy="400110"/>
-          </a:xfrm>
-          <a:prstGeom prst="rect">
-            <a:avLst/>
-          </a:prstGeom>
-          <a:noFill/>
-        </p:spPr>
-        <p:txBody>
-          <a:bodyPr wrap="square" rtlCol="0">
-            <a:spAutoFit/>
-          </a:bodyPr>
-          <a:lstStyle/>
-          <a:p>
-            <a:r>
-              <a:rPr lang="en-US" altLang="ko-KR" sz="2000" dirty="0" smtClean="0">
-                <a:latin typeface="Yoon 윤고딕 530_TT" panose="02090603020101020101" pitchFamily="18" charset="-127"/>
-                <a:ea typeface="Yoon 윤고딕 530_TT" panose="02090603020101020101" pitchFamily="18" charset="-127"/>
-              </a:rPr>
-              <a:t>Spring-boot </a:t>
-            </a:r>
-            <a:r>
-              <a:rPr lang="en-US" altLang="ko-KR" sz="2000" dirty="0" err="1" smtClean="0">
-                <a:latin typeface="Yoon 윤고딕 530_TT" panose="02090603020101020101" pitchFamily="18" charset="-127"/>
-                <a:ea typeface="Yoon 윤고딕 530_TT" panose="02090603020101020101" pitchFamily="18" charset="-127"/>
-              </a:rPr>
-              <a:t>Api</a:t>
-            </a:r>
-            <a:r>
-              <a:rPr lang="en-US" altLang="ko-KR" sz="2000" dirty="0" smtClean="0">
-                <a:latin typeface="Yoon 윤고딕 530_TT" panose="02090603020101020101" pitchFamily="18" charset="-127"/>
-                <a:ea typeface="Yoon 윤고딕 530_TT" panose="02090603020101020101" pitchFamily="18" charset="-127"/>
-              </a:rPr>
-              <a:t> Server</a:t>
+              <a:rPr lang="ko-KR" altLang="en-US" sz="2000" dirty="0" smtClean="0">
+                <a:latin typeface="Yoon 윤고딕 530_TT" panose="02090603020101020101" pitchFamily="18" charset="-127"/>
+                <a:ea typeface="Yoon 윤고딕 530_TT" panose="02090603020101020101" pitchFamily="18" charset="-127"/>
+              </a:rPr>
+              <a:t>① 내강의 페이지에서 리스트 확인</a:t>
             </a:r>
             <a:endParaRPr lang="ko-KR" altLang="en-US" sz="2000" dirty="0">
               <a:latin typeface="Yoon 윤고딕 530_TT" panose="02090603020101020101" pitchFamily="18" charset="-127"/>
@@ -4203,19 +3987,21 @@
       </p:sp>
       <p:sp>
         <p:nvSpPr>
-          <p:cNvPr id="16" name="TextBox 15"/>
+          <p:cNvPr id="14" name="TextBox 13"/>
           <p:cNvSpPr txBox="1"/>
           <p:nvPr/>
         </p:nvSpPr>
         <p:spPr>
           <a:xfrm>
-            <a:off x="9029201" y="2584954"/>
-            <a:ext cx="2903688" cy="400110"/>
-          </a:xfrm>
-          <a:prstGeom prst="rect">
-            <a:avLst/>
-          </a:prstGeom>
-          <a:noFill/>
+            <a:off x="2356177" y="3786095"/>
+            <a:ext cx="2817263" cy="253916"/>
+          </a:xfrm>
+          <a:prstGeom prst="rect">
+            <a:avLst/>
+          </a:prstGeom>
+          <a:solidFill>
+            <a:schemeClr val="bg1"/>
+          </a:solidFill>
         </p:spPr>
         <p:txBody>
           <a:bodyPr wrap="square" rtlCol="0">
@@ -4224,519 +4010,58 @@
           <a:lstStyle/>
           <a:p>
             <a:r>
-              <a:rPr lang="en-US" altLang="ko-KR" sz="2000" dirty="0" err="1" smtClean="0">
-                <a:latin typeface="Yoon 윤고딕 530_TT" panose="02090603020101020101" pitchFamily="18" charset="-127"/>
-                <a:ea typeface="Yoon 윤고딕 530_TT" panose="02090603020101020101" pitchFamily="18" charset="-127"/>
-              </a:rPr>
-              <a:t>Mysql</a:t>
-            </a:r>
-            <a:r>
-              <a:rPr lang="en-US" altLang="ko-KR" sz="2000" dirty="0" smtClean="0">
-                <a:latin typeface="Yoon 윤고딕 530_TT" panose="02090603020101020101" pitchFamily="18" charset="-127"/>
-                <a:ea typeface="Yoon 윤고딕 530_TT" panose="02090603020101020101" pitchFamily="18" charset="-127"/>
-              </a:rPr>
-              <a:t> DB</a:t>
-            </a:r>
-            <a:endParaRPr lang="ko-KR" altLang="en-US" sz="2000" dirty="0">
+              <a:rPr lang="en-US" altLang="ko-KR" sz="1050" dirty="0" smtClean="0">
+                <a:latin typeface="Yoon 윤고딕 530_TT" panose="02090603020101020101" pitchFamily="18" charset="-127"/>
+                <a:ea typeface="Yoon 윤고딕 530_TT" panose="02090603020101020101" pitchFamily="18" charset="-127"/>
+              </a:rPr>
+              <a:t>[</a:t>
+            </a:r>
+            <a:r>
+              <a:rPr lang="ko-KR" altLang="en-US" sz="1050" dirty="0" err="1" smtClean="0">
+                <a:latin typeface="Yoon 윤고딕 530_TT" panose="02090603020101020101" pitchFamily="18" charset="-127"/>
+                <a:ea typeface="Yoon 윤고딕 530_TT" panose="02090603020101020101" pitchFamily="18" charset="-127"/>
+              </a:rPr>
+              <a:t>즐겨찾기</a:t>
+            </a:r>
+            <a:r>
+              <a:rPr lang="ko-KR" altLang="en-US" sz="1050" dirty="0" smtClean="0">
+                <a:latin typeface="Yoon 윤고딕 530_TT" panose="02090603020101020101" pitchFamily="18" charset="-127"/>
+                <a:ea typeface="Yoon 윤고딕 530_TT" panose="02090603020101020101" pitchFamily="18" charset="-127"/>
+              </a:rPr>
+              <a:t> 켜진 강의는 </a:t>
+            </a:r>
+            <a:r>
+              <a:rPr lang="ko-KR" altLang="en-US" sz="1050" dirty="0" err="1" smtClean="0">
+                <a:latin typeface="Yoon 윤고딕 530_TT" panose="02090603020101020101" pitchFamily="18" charset="-127"/>
+                <a:ea typeface="Yoon 윤고딕 530_TT" panose="02090603020101020101" pitchFamily="18" charset="-127"/>
+              </a:rPr>
+              <a:t>왼쪽바에</a:t>
+            </a:r>
+            <a:r>
+              <a:rPr lang="ko-KR" altLang="en-US" sz="1050" dirty="0" smtClean="0">
+                <a:latin typeface="Yoon 윤고딕 530_TT" panose="02090603020101020101" pitchFamily="18" charset="-127"/>
+                <a:ea typeface="Yoon 윤고딕 530_TT" panose="02090603020101020101" pitchFamily="18" charset="-127"/>
+              </a:rPr>
+              <a:t> 등록된다</a:t>
+            </a:r>
+            <a:r>
+              <a:rPr lang="en-US" altLang="ko-KR" sz="1050" dirty="0" smtClean="0">
+                <a:latin typeface="Yoon 윤고딕 530_TT" panose="02090603020101020101" pitchFamily="18" charset="-127"/>
+                <a:ea typeface="Yoon 윤고딕 530_TT" panose="02090603020101020101" pitchFamily="18" charset="-127"/>
+              </a:rPr>
+              <a:t>]</a:t>
+            </a:r>
+            <a:endParaRPr lang="ko-KR" altLang="en-US" sz="1050" dirty="0">
               <a:latin typeface="Yoon 윤고딕 530_TT" panose="02090603020101020101" pitchFamily="18" charset="-127"/>
               <a:ea typeface="Yoon 윤고딕 530_TT" panose="02090603020101020101" pitchFamily="18" charset="-127"/>
             </a:endParaRPr>
           </a:p>
         </p:txBody>
       </p:sp>
-      <p:sp>
-        <p:nvSpPr>
-          <p:cNvPr id="19" name="TextBox 18"/>
-          <p:cNvSpPr txBox="1"/>
-          <p:nvPr/>
-        </p:nvSpPr>
-        <p:spPr>
-          <a:xfrm>
-            <a:off x="7213804" y="3610365"/>
-            <a:ext cx="1815397" cy="646331"/>
-          </a:xfrm>
-          <a:prstGeom prst="rect">
-            <a:avLst/>
-          </a:prstGeom>
-          <a:noFill/>
-        </p:spPr>
-        <p:txBody>
-          <a:bodyPr wrap="square" rtlCol="0">
-            <a:spAutoFit/>
-          </a:bodyPr>
-          <a:lstStyle/>
-          <a:p>
-            <a:r>
-              <a:rPr lang="en-US" altLang="ko-KR" dirty="0" smtClean="0">
-                <a:latin typeface="Yoon 윤고딕 530_TT" panose="02090603020101020101" pitchFamily="18" charset="-127"/>
-                <a:ea typeface="Yoon 윤고딕 530_TT" panose="02090603020101020101" pitchFamily="18" charset="-127"/>
-              </a:rPr>
-              <a:t>JPA(Hibernate)</a:t>
-            </a:r>
-          </a:p>
-          <a:p>
-            <a:r>
-              <a:rPr lang="en-US" altLang="ko-KR" dirty="0" err="1" smtClean="0">
-                <a:latin typeface="Yoon 윤고딕 530_TT" panose="02090603020101020101" pitchFamily="18" charset="-127"/>
-                <a:ea typeface="Yoon 윤고딕 530_TT" panose="02090603020101020101" pitchFamily="18" charset="-127"/>
-              </a:rPr>
-              <a:t>EhCache</a:t>
-            </a:r>
-            <a:endParaRPr lang="ko-KR" altLang="en-US" dirty="0">
-              <a:latin typeface="Yoon 윤고딕 530_TT" panose="02090603020101020101" pitchFamily="18" charset="-127"/>
-              <a:ea typeface="Yoon 윤고딕 530_TT" panose="02090603020101020101" pitchFamily="18" charset="-127"/>
-            </a:endParaRPr>
-          </a:p>
-        </p:txBody>
-      </p:sp>
-      <p:sp>
-        <p:nvSpPr>
-          <p:cNvPr id="22" name="TextBox 21"/>
-          <p:cNvSpPr txBox="1"/>
-          <p:nvPr/>
-        </p:nvSpPr>
-        <p:spPr>
-          <a:xfrm>
-            <a:off x="9052951" y="4881998"/>
-            <a:ext cx="2903688" cy="400110"/>
-          </a:xfrm>
-          <a:prstGeom prst="rect">
-            <a:avLst/>
-          </a:prstGeom>
-          <a:noFill/>
-        </p:spPr>
-        <p:txBody>
-          <a:bodyPr wrap="square" rtlCol="0">
-            <a:spAutoFit/>
-          </a:bodyPr>
-          <a:lstStyle/>
-          <a:p>
-            <a:r>
-              <a:rPr lang="en-US" altLang="ko-KR" sz="2000" dirty="0" smtClean="0">
-                <a:latin typeface="Yoon 윤고딕 530_TT" panose="02090603020101020101" pitchFamily="18" charset="-127"/>
-                <a:ea typeface="Yoon 윤고딕 530_TT" panose="02090603020101020101" pitchFamily="18" charset="-127"/>
-              </a:rPr>
-              <a:t>H2 DB</a:t>
-            </a:r>
-            <a:endParaRPr lang="ko-KR" altLang="en-US" sz="2000" dirty="0">
-              <a:latin typeface="Yoon 윤고딕 530_TT" panose="02090603020101020101" pitchFamily="18" charset="-127"/>
-              <a:ea typeface="Yoon 윤고딕 530_TT" panose="02090603020101020101" pitchFamily="18" charset="-127"/>
-            </a:endParaRPr>
-          </a:p>
-        </p:txBody>
-      </p:sp>
-      <p:sp>
-        <p:nvSpPr>
-          <p:cNvPr id="23" name="TextBox 22"/>
-          <p:cNvSpPr txBox="1"/>
-          <p:nvPr/>
-        </p:nvSpPr>
-        <p:spPr>
-          <a:xfrm>
-            <a:off x="1464896" y="4671852"/>
-            <a:ext cx="1914985" cy="338554"/>
-          </a:xfrm>
-          <a:prstGeom prst="rect">
-            <a:avLst/>
-          </a:prstGeom>
-          <a:noFill/>
-        </p:spPr>
-        <p:txBody>
-          <a:bodyPr wrap="square" rtlCol="0">
-            <a:spAutoFit/>
-          </a:bodyPr>
-          <a:lstStyle/>
-          <a:p>
-            <a:r>
-              <a:rPr lang="en-US" altLang="ko-KR" sz="1600" dirty="0" smtClean="0">
-                <a:latin typeface="Yoon 윤고딕 530_TT" panose="02090603020101020101" pitchFamily="18" charset="-127"/>
-                <a:ea typeface="Yoon 윤고딕 530_TT" panose="02090603020101020101" pitchFamily="18" charset="-127"/>
-              </a:rPr>
-              <a:t>Node-express</a:t>
-            </a:r>
-          </a:p>
-        </p:txBody>
-      </p:sp>
-      <p:sp>
-        <p:nvSpPr>
-          <p:cNvPr id="24" name="TextBox 23"/>
-          <p:cNvSpPr txBox="1"/>
-          <p:nvPr/>
-        </p:nvSpPr>
-        <p:spPr>
-          <a:xfrm>
-            <a:off x="342233" y="1786112"/>
-            <a:ext cx="2804726" cy="400110"/>
-          </a:xfrm>
-          <a:prstGeom prst="rect">
-            <a:avLst/>
-          </a:prstGeom>
-          <a:noFill/>
-        </p:spPr>
-        <p:txBody>
-          <a:bodyPr wrap="square" rtlCol="0">
-            <a:spAutoFit/>
-          </a:bodyPr>
-          <a:lstStyle/>
-          <a:p>
-            <a:r>
-              <a:rPr lang="ko-KR" altLang="en-US" sz="2000" dirty="0" smtClean="0">
-                <a:latin typeface="Yoon 윤고딕 530_TT" panose="02090603020101020101" pitchFamily="18" charset="-127"/>
-                <a:ea typeface="Yoon 윤고딕 530_TT" panose="02090603020101020101" pitchFamily="18" charset="-127"/>
-              </a:rPr>
-              <a:t>배포환경</a:t>
-            </a:r>
-            <a:endParaRPr lang="ko-KR" altLang="en-US" sz="2000" dirty="0">
-              <a:latin typeface="Yoon 윤고딕 530_TT" panose="02090603020101020101" pitchFamily="18" charset="-127"/>
-              <a:ea typeface="Yoon 윤고딕 530_TT" panose="02090603020101020101" pitchFamily="18" charset="-127"/>
-            </a:endParaRPr>
-          </a:p>
-        </p:txBody>
-      </p:sp>
-      <p:sp>
-        <p:nvSpPr>
-          <p:cNvPr id="25" name="TextBox 24"/>
-          <p:cNvSpPr txBox="1"/>
-          <p:nvPr/>
-        </p:nvSpPr>
-        <p:spPr>
-          <a:xfrm>
-            <a:off x="186044" y="5787143"/>
-            <a:ext cx="2804726" cy="400110"/>
-          </a:xfrm>
-          <a:prstGeom prst="rect">
-            <a:avLst/>
-          </a:prstGeom>
-          <a:noFill/>
-        </p:spPr>
-        <p:txBody>
-          <a:bodyPr wrap="square" rtlCol="0">
-            <a:spAutoFit/>
-          </a:bodyPr>
-          <a:lstStyle/>
-          <a:p>
-            <a:r>
-              <a:rPr lang="ko-KR" altLang="en-US" sz="2000" dirty="0" smtClean="0">
-                <a:latin typeface="Yoon 윤고딕 530_TT" panose="02090603020101020101" pitchFamily="18" charset="-127"/>
-                <a:ea typeface="Yoon 윤고딕 530_TT" panose="02090603020101020101" pitchFamily="18" charset="-127"/>
-              </a:rPr>
-              <a:t>개발환경</a:t>
-            </a:r>
-            <a:endParaRPr lang="ko-KR" altLang="en-US" sz="2000" dirty="0">
-              <a:latin typeface="Yoon 윤고딕 530_TT" panose="02090603020101020101" pitchFamily="18" charset="-127"/>
-              <a:ea typeface="Yoon 윤고딕 530_TT" panose="02090603020101020101" pitchFamily="18" charset="-127"/>
-            </a:endParaRPr>
-          </a:p>
-        </p:txBody>
-      </p:sp>
-      <p:sp>
-        <p:nvSpPr>
-          <p:cNvPr id="26" name="TextBox 25"/>
-          <p:cNvSpPr txBox="1"/>
-          <p:nvPr/>
-        </p:nvSpPr>
-        <p:spPr>
-          <a:xfrm>
-            <a:off x="9506030" y="3746312"/>
-            <a:ext cx="2804726" cy="523220"/>
-          </a:xfrm>
-          <a:prstGeom prst="rect">
-            <a:avLst/>
-          </a:prstGeom>
-          <a:noFill/>
-        </p:spPr>
-        <p:txBody>
-          <a:bodyPr wrap="square" rtlCol="0">
-            <a:spAutoFit/>
-          </a:bodyPr>
-          <a:lstStyle/>
-          <a:p>
-            <a:r>
-              <a:rPr lang="en-US" altLang="ko-KR" sz="1400" dirty="0" err="1" smtClean="0">
-                <a:latin typeface="Yoon 윤고딕 530_TT" panose="02090603020101020101" pitchFamily="18" charset="-127"/>
-                <a:ea typeface="Yoon 윤고딕 530_TT" panose="02090603020101020101" pitchFamily="18" charset="-127"/>
-              </a:rPr>
-              <a:t>Next.Dbdump</a:t>
-            </a:r>
-            <a:r>
-              <a:rPr lang="en-US" altLang="ko-KR" sz="1400" dirty="0" smtClean="0">
-                <a:latin typeface="Yoon 윤고딕 530_TT" panose="02090603020101020101" pitchFamily="18" charset="-127"/>
-                <a:ea typeface="Yoon 윤고딕 530_TT" panose="02090603020101020101" pitchFamily="18" charset="-127"/>
-              </a:rPr>
-              <a:t> (</a:t>
-            </a:r>
-            <a:r>
-              <a:rPr lang="ko-KR" altLang="en-US" sz="1400" dirty="0" smtClean="0">
-                <a:latin typeface="Yoon 윤고딕 530_TT" panose="02090603020101020101" pitchFamily="18" charset="-127"/>
-                <a:ea typeface="Yoon 윤고딕 530_TT" panose="02090603020101020101" pitchFamily="18" charset="-127"/>
-              </a:rPr>
-              <a:t>자체제작</a:t>
-            </a:r>
-            <a:r>
-              <a:rPr lang="en-US" altLang="ko-KR" sz="1400" dirty="0" smtClean="0">
-                <a:latin typeface="Yoon 윤고딕 530_TT" panose="02090603020101020101" pitchFamily="18" charset="-127"/>
-                <a:ea typeface="Yoon 윤고딕 530_TT" panose="02090603020101020101" pitchFamily="18" charset="-127"/>
-              </a:rPr>
-              <a:t>)</a:t>
-            </a:r>
-          </a:p>
-          <a:p>
-            <a:r>
-              <a:rPr lang="en-US" altLang="ko-KR" sz="1400" dirty="0" smtClean="0">
-                <a:latin typeface="Yoon 윤고딕 530_TT" panose="02090603020101020101" pitchFamily="18" charset="-127"/>
-                <a:ea typeface="Yoon 윤고딕 530_TT" panose="02090603020101020101" pitchFamily="18" charset="-127"/>
-              </a:rPr>
-              <a:t>Csv </a:t>
-            </a:r>
-            <a:r>
-              <a:rPr lang="ko-KR" altLang="en-US" sz="1400" dirty="0" smtClean="0">
-                <a:latin typeface="Yoon 윤고딕 530_TT" panose="02090603020101020101" pitchFamily="18" charset="-127"/>
-                <a:ea typeface="Yoon 윤고딕 530_TT" panose="02090603020101020101" pitchFamily="18" charset="-127"/>
-              </a:rPr>
-              <a:t>데이터 공유</a:t>
-            </a:r>
-            <a:endParaRPr lang="ko-KR" altLang="en-US" sz="1400" dirty="0">
-              <a:latin typeface="Yoon 윤고딕 530_TT" panose="02090603020101020101" pitchFamily="18" charset="-127"/>
-              <a:ea typeface="Yoon 윤고딕 530_TT" panose="02090603020101020101" pitchFamily="18" charset="-127"/>
-            </a:endParaRPr>
-          </a:p>
-        </p:txBody>
-      </p:sp>
-      <p:sp>
-        <p:nvSpPr>
-          <p:cNvPr id="27" name="TextBox 26"/>
-          <p:cNvSpPr txBox="1"/>
-          <p:nvPr/>
-        </p:nvSpPr>
-        <p:spPr>
-          <a:xfrm>
-            <a:off x="186044" y="6267729"/>
-            <a:ext cx="3193837" cy="369332"/>
-          </a:xfrm>
-          <a:prstGeom prst="rect">
-            <a:avLst/>
-          </a:prstGeom>
-          <a:noFill/>
-        </p:spPr>
-        <p:txBody>
-          <a:bodyPr wrap="square" rtlCol="0">
-            <a:spAutoFit/>
-          </a:bodyPr>
-          <a:lstStyle/>
-          <a:p>
-            <a:r>
-              <a:rPr lang="ko-KR" altLang="en-US" dirty="0" smtClean="0">
-                <a:latin typeface="Yoon 윤고딕 530_TT" panose="02090603020101020101" pitchFamily="18" charset="-127"/>
-                <a:ea typeface="Yoon 윤고딕 530_TT" panose="02090603020101020101" pitchFamily="18" charset="-127"/>
-              </a:rPr>
-              <a:t>버전관리 </a:t>
-            </a:r>
-            <a:r>
-              <a:rPr lang="en-US" altLang="ko-KR" dirty="0" smtClean="0">
-                <a:latin typeface="Yoon 윤고딕 530_TT" panose="02090603020101020101" pitchFamily="18" charset="-127"/>
-                <a:ea typeface="Yoon 윤고딕 530_TT" panose="02090603020101020101" pitchFamily="18" charset="-127"/>
-              </a:rPr>
-              <a:t>: GIT (</a:t>
-            </a:r>
-            <a:r>
-              <a:rPr lang="en-US" altLang="ko-KR" dirty="0" err="1" smtClean="0">
-                <a:latin typeface="Yoon 윤고딕 530_TT" panose="02090603020101020101" pitchFamily="18" charset="-127"/>
-                <a:ea typeface="Yoon 윤고딕 530_TT" panose="02090603020101020101" pitchFamily="18" charset="-127"/>
-              </a:rPr>
-              <a:t>GitHUB</a:t>
-            </a:r>
-            <a:r>
-              <a:rPr lang="en-US" altLang="ko-KR" dirty="0" smtClean="0">
-                <a:latin typeface="Yoon 윤고딕 530_TT" panose="02090603020101020101" pitchFamily="18" charset="-127"/>
-                <a:ea typeface="Yoon 윤고딕 530_TT" panose="02090603020101020101" pitchFamily="18" charset="-127"/>
-              </a:rPr>
-              <a:t>)</a:t>
-            </a:r>
-            <a:endParaRPr lang="ko-KR" altLang="en-US" dirty="0">
-              <a:latin typeface="Yoon 윤고딕 530_TT" panose="02090603020101020101" pitchFamily="18" charset="-127"/>
-              <a:ea typeface="Yoon 윤고딕 530_TT" panose="02090603020101020101" pitchFamily="18" charset="-127"/>
-            </a:endParaRPr>
-          </a:p>
-        </p:txBody>
-      </p:sp>
-      <p:sp>
-        <p:nvSpPr>
-          <p:cNvPr id="28" name="TextBox 27"/>
-          <p:cNvSpPr txBox="1"/>
-          <p:nvPr/>
-        </p:nvSpPr>
-        <p:spPr>
-          <a:xfrm>
-            <a:off x="623453" y="2186222"/>
-            <a:ext cx="1815397" cy="369332"/>
-          </a:xfrm>
-          <a:prstGeom prst="rect">
-            <a:avLst/>
-          </a:prstGeom>
-          <a:noFill/>
-        </p:spPr>
-        <p:txBody>
-          <a:bodyPr wrap="square" rtlCol="0">
-            <a:spAutoFit/>
-          </a:bodyPr>
-          <a:lstStyle/>
-          <a:p>
-            <a:r>
-              <a:rPr lang="en-US" altLang="ko-KR" dirty="0" smtClean="0">
-                <a:latin typeface="Yoon 윤고딕 530_TT" panose="02090603020101020101" pitchFamily="18" charset="-127"/>
-                <a:ea typeface="Yoon 윤고딕 530_TT" panose="02090603020101020101" pitchFamily="18" charset="-127"/>
-              </a:rPr>
-              <a:t>JENKINS</a:t>
-            </a:r>
-            <a:endParaRPr lang="ko-KR" altLang="en-US" dirty="0">
-              <a:latin typeface="Yoon 윤고딕 530_TT" panose="02090603020101020101" pitchFamily="18" charset="-127"/>
-              <a:ea typeface="Yoon 윤고딕 530_TT" panose="02090603020101020101" pitchFamily="18" charset="-127"/>
-            </a:endParaRPr>
-          </a:p>
-        </p:txBody>
-      </p:sp>
-      <p:cxnSp>
-        <p:nvCxnSpPr>
-          <p:cNvPr id="29" name="직선 화살표 연결선 28"/>
-          <p:cNvCxnSpPr/>
-          <p:nvPr/>
-        </p:nvCxnSpPr>
-        <p:spPr>
-          <a:xfrm>
-            <a:off x="1738660" y="2370888"/>
-            <a:ext cx="8022857" cy="0"/>
-          </a:xfrm>
-          <a:prstGeom prst="straightConnector1">
-            <a:avLst/>
-          </a:prstGeom>
-          <a:ln>
-            <a:tailEnd type="triangle"/>
-          </a:ln>
-        </p:spPr>
-        <p:style>
-          <a:lnRef idx="1">
-            <a:schemeClr val="accent1"/>
-          </a:lnRef>
-          <a:fillRef idx="0">
-            <a:schemeClr val="accent1"/>
-          </a:fillRef>
-          <a:effectRef idx="0">
-            <a:schemeClr val="accent1"/>
-          </a:effectRef>
-          <a:fontRef idx="minor">
-            <a:schemeClr val="tx1"/>
-          </a:fontRef>
-        </p:style>
-      </p:cxnSp>
-      <p:sp>
-        <p:nvSpPr>
-          <p:cNvPr id="31" name="TextBox 30"/>
-          <p:cNvSpPr txBox="1"/>
-          <p:nvPr/>
-        </p:nvSpPr>
-        <p:spPr>
-          <a:xfrm>
-            <a:off x="606992" y="5314136"/>
-            <a:ext cx="1815397" cy="369332"/>
-          </a:xfrm>
-          <a:prstGeom prst="rect">
-            <a:avLst/>
-          </a:prstGeom>
-          <a:noFill/>
-        </p:spPr>
-        <p:txBody>
-          <a:bodyPr wrap="square" rtlCol="0">
-            <a:spAutoFit/>
-          </a:bodyPr>
-          <a:lstStyle/>
-          <a:p>
-            <a:r>
-              <a:rPr lang="en-US" altLang="ko-KR" dirty="0" smtClean="0">
-                <a:latin typeface="Yoon 윤고딕 530_TT" panose="02090603020101020101" pitchFamily="18" charset="-127"/>
-                <a:ea typeface="Yoon 윤고딕 530_TT" panose="02090603020101020101" pitchFamily="18" charset="-127"/>
-              </a:rPr>
-              <a:t>Grunt</a:t>
-            </a:r>
-            <a:endParaRPr lang="ko-KR" altLang="en-US" dirty="0">
-              <a:latin typeface="Yoon 윤고딕 530_TT" panose="02090603020101020101" pitchFamily="18" charset="-127"/>
-              <a:ea typeface="Yoon 윤고딕 530_TT" panose="02090603020101020101" pitchFamily="18" charset="-127"/>
-            </a:endParaRPr>
-          </a:p>
-        </p:txBody>
-      </p:sp>
-      <p:cxnSp>
-        <p:nvCxnSpPr>
-          <p:cNvPr id="32" name="직선 화살표 연결선 31"/>
-          <p:cNvCxnSpPr/>
-          <p:nvPr/>
-        </p:nvCxnSpPr>
-        <p:spPr>
-          <a:xfrm>
-            <a:off x="1722199" y="5498802"/>
-            <a:ext cx="8022857" cy="0"/>
-          </a:xfrm>
-          <a:prstGeom prst="straightConnector1">
-            <a:avLst/>
-          </a:prstGeom>
-          <a:ln>
-            <a:tailEnd type="triangle"/>
-          </a:ln>
-        </p:spPr>
-        <p:style>
-          <a:lnRef idx="1">
-            <a:schemeClr val="accent1"/>
-          </a:lnRef>
-          <a:fillRef idx="0">
-            <a:schemeClr val="accent1"/>
-          </a:fillRef>
-          <a:effectRef idx="0">
-            <a:schemeClr val="accent1"/>
-          </a:effectRef>
-          <a:fontRef idx="minor">
-            <a:schemeClr val="tx1"/>
-          </a:fontRef>
-        </p:style>
-      </p:cxnSp>
-      <p:sp>
-        <p:nvSpPr>
-          <p:cNvPr id="34" name="TextBox 33"/>
-          <p:cNvSpPr txBox="1"/>
-          <p:nvPr/>
-        </p:nvSpPr>
-        <p:spPr>
-          <a:xfrm>
-            <a:off x="4434385" y="4049241"/>
-            <a:ext cx="1815397" cy="369332"/>
-          </a:xfrm>
-          <a:prstGeom prst="rect">
-            <a:avLst/>
-          </a:prstGeom>
-          <a:noFill/>
-        </p:spPr>
-        <p:txBody>
-          <a:bodyPr wrap="square" rtlCol="0">
-            <a:spAutoFit/>
-          </a:bodyPr>
-          <a:lstStyle/>
-          <a:p>
-            <a:r>
-              <a:rPr lang="en-US" altLang="ko-KR" dirty="0" smtClean="0">
-                <a:latin typeface="Yoon 윤고딕 530_TT" panose="02090603020101020101" pitchFamily="18" charset="-127"/>
-                <a:ea typeface="Yoon 윤고딕 530_TT" panose="02090603020101020101" pitchFamily="18" charset="-127"/>
-              </a:rPr>
-              <a:t>Build by Maven</a:t>
-            </a:r>
-            <a:endParaRPr lang="ko-KR" altLang="en-US" dirty="0">
-              <a:latin typeface="Yoon 윤고딕 530_TT" panose="02090603020101020101" pitchFamily="18" charset="-127"/>
-              <a:ea typeface="Yoon 윤고딕 530_TT" panose="02090603020101020101" pitchFamily="18" charset="-127"/>
-            </a:endParaRPr>
-          </a:p>
-        </p:txBody>
-      </p:sp>
     </p:spTree>
     <p:extLst>
       <p:ext uri="{BB962C8B-B14F-4D97-AF65-F5344CB8AC3E}">
-        <p14:creationId xmlns:p14="http://schemas.microsoft.com/office/powerpoint/2010/main" val="802386695"/>
+        <p14:creationId xmlns:p14="http://schemas.microsoft.com/office/powerpoint/2010/main" val="557772296"/>
       </p:ext>
     </p:extLst>
   </p:cSld>
@@ -4763,6 +4088,29 @@
           <a:chExt cx="0" cy="0"/>
         </a:xfrm>
       </p:grpSpPr>
+      <p:pic>
+        <p:nvPicPr>
+          <p:cNvPr id="3" name="그림 2"/>
+          <p:cNvPicPr>
+            <a:picLocks noChangeAspect="1"/>
+          </p:cNvPicPr>
+          <p:nvPr/>
+        </p:nvPicPr>
+        <p:blipFill rotWithShape="1">
+          <a:blip r:embed="rId2"/>
+          <a:srcRect b="25666"/>
+          <a:stretch/>
+        </p:blipFill>
+        <p:spPr>
+          <a:xfrm>
+            <a:off x="342233" y="2060686"/>
+            <a:ext cx="6336104" cy="4530119"/>
+          </a:xfrm>
+          <a:prstGeom prst="rect">
+            <a:avLst/>
+          </a:prstGeom>
+        </p:spPr>
+      </p:pic>
       <p:grpSp>
         <p:nvGrpSpPr>
           <p:cNvPr id="6" name="그룹 5"/>
@@ -4854,14 +4202,14 @@
       </p:grpSp>
       <p:sp>
         <p:nvSpPr>
-          <p:cNvPr id="24" name="TextBox 23"/>
+          <p:cNvPr id="8" name="TextBox 7"/>
           <p:cNvSpPr txBox="1"/>
           <p:nvPr/>
         </p:nvSpPr>
         <p:spPr>
           <a:xfrm>
-            <a:off x="773877" y="1805929"/>
-            <a:ext cx="2804726" cy="400110"/>
+            <a:off x="342233" y="883063"/>
+            <a:ext cx="2792854" cy="584775"/>
           </a:xfrm>
           <a:prstGeom prst="rect">
             <a:avLst/>
@@ -4875,47 +4223,25 @@
           <a:lstStyle/>
           <a:p>
             <a:r>
-              <a:rPr lang="en-US" altLang="ko-KR" sz="2000" dirty="0" err="1" smtClean="0">
-                <a:latin typeface="Yoon 윤고딕 530_TT" panose="02090603020101020101" pitchFamily="18" charset="-127"/>
-                <a:ea typeface="Yoon 윤고딕 530_TT" panose="02090603020101020101" pitchFamily="18" charset="-127"/>
-              </a:rPr>
-              <a:t>SinglePageApplication</a:t>
-            </a:r>
-            <a:endParaRPr lang="ko-KR" altLang="en-US" sz="2000" dirty="0">
-              <a:latin typeface="Yoon 윤고딕 530_TT" panose="02090603020101020101" pitchFamily="18" charset="-127"/>
-              <a:ea typeface="Yoon 윤고딕 530_TT" panose="02090603020101020101" pitchFamily="18" charset="-127"/>
-            </a:endParaRPr>
-          </a:p>
-        </p:txBody>
-      </p:sp>
-      <p:sp>
-        <p:nvSpPr>
-          <p:cNvPr id="30" name="TextBox 29"/>
-          <p:cNvSpPr txBox="1"/>
-          <p:nvPr/>
-        </p:nvSpPr>
-        <p:spPr>
-          <a:xfrm>
-            <a:off x="342233" y="883063"/>
-            <a:ext cx="2792854" cy="584775"/>
-          </a:xfrm>
-          <a:prstGeom prst="rect">
-            <a:avLst/>
-          </a:prstGeom>
-          <a:noFill/>
-        </p:spPr>
-        <p:txBody>
-          <a:bodyPr wrap="square" rtlCol="0">
-            <a:spAutoFit/>
-          </a:bodyPr>
-          <a:lstStyle/>
-          <a:p>
-            <a:r>
               <a:rPr lang="en-US" altLang="ko-KR" sz="3200" dirty="0" smtClean="0">
                 <a:latin typeface="Yoon 윤고딕 530_TT" panose="02090603020101020101" pitchFamily="18" charset="-127"/>
                 <a:ea typeface="Yoon 윤고딕 530_TT" panose="02090603020101020101" pitchFamily="18" charset="-127"/>
               </a:rPr>
-              <a:t>2. Client</a:t>
+              <a:t>4. </a:t>
+            </a:r>
+            <a:r>
+              <a:rPr lang="ko-KR" altLang="en-US" sz="3200" dirty="0" smtClean="0">
+                <a:latin typeface="Yoon 윤고딕 530_TT" panose="02090603020101020101" pitchFamily="18" charset="-127"/>
+                <a:ea typeface="Yoon 윤고딕 530_TT" panose="02090603020101020101" pitchFamily="18" charset="-127"/>
+              </a:rPr>
+              <a:t>강의 </a:t>
+            </a:r>
+            <a:r>
+              <a:rPr lang="ko-KR" altLang="en-US" sz="3200" dirty="0" smtClean="0">
+                <a:latin typeface="Yoon 윤고딕 530_TT" panose="02090603020101020101" pitchFamily="18" charset="-127"/>
+                <a:ea typeface="Yoon 윤고딕 530_TT" panose="02090603020101020101" pitchFamily="18" charset="-127"/>
+              </a:rPr>
+              <a:t>페이지</a:t>
             </a:r>
             <a:endParaRPr lang="ko-KR" altLang="en-US" sz="3200" dirty="0">
               <a:latin typeface="Yoon 윤고딕 530_TT" panose="02090603020101020101" pitchFamily="18" charset="-127"/>
@@ -4924,261 +4250,196 @@
           </a:p>
         </p:txBody>
       </p:sp>
-      <p:sp>
-        <p:nvSpPr>
-          <p:cNvPr id="33" name="TextBox 32"/>
-          <p:cNvSpPr txBox="1"/>
-          <p:nvPr/>
-        </p:nvSpPr>
-        <p:spPr>
-          <a:xfrm>
-            <a:off x="4010161" y="1805929"/>
-            <a:ext cx="1357918" cy="400110"/>
-          </a:xfrm>
-          <a:prstGeom prst="rect">
-            <a:avLst/>
-          </a:prstGeom>
-          <a:noFill/>
-        </p:spPr>
-        <p:txBody>
-          <a:bodyPr wrap="square" rtlCol="0">
-            <a:spAutoFit/>
-          </a:bodyPr>
-          <a:lstStyle/>
-          <a:p>
-            <a:r>
-              <a:rPr lang="en-US" altLang="ko-KR" sz="2000" dirty="0" err="1" smtClean="0">
-                <a:latin typeface="Yoon 윤고딕 530_TT" panose="02090603020101020101" pitchFamily="18" charset="-127"/>
-                <a:ea typeface="Yoon 윤고딕 530_TT" panose="02090603020101020101" pitchFamily="18" charset="-127"/>
-              </a:rPr>
-              <a:t>AngularJs</a:t>
-            </a:r>
-            <a:endParaRPr lang="ko-KR" altLang="en-US" sz="2000" dirty="0">
-              <a:latin typeface="Yoon 윤고딕 530_TT" panose="02090603020101020101" pitchFamily="18" charset="-127"/>
-              <a:ea typeface="Yoon 윤고딕 530_TT" panose="02090603020101020101" pitchFamily="18" charset="-127"/>
-            </a:endParaRPr>
-          </a:p>
-        </p:txBody>
-      </p:sp>
-      <p:sp>
-        <p:nvSpPr>
-          <p:cNvPr id="37" name="TextBox 36"/>
-          <p:cNvSpPr txBox="1"/>
-          <p:nvPr/>
-        </p:nvSpPr>
-        <p:spPr>
-          <a:xfrm>
-            <a:off x="5585535" y="1586591"/>
-            <a:ext cx="1357918" cy="400110"/>
-          </a:xfrm>
-          <a:prstGeom prst="rect">
-            <a:avLst/>
-          </a:prstGeom>
-          <a:noFill/>
-        </p:spPr>
-        <p:txBody>
-          <a:bodyPr wrap="square" rtlCol="0">
-            <a:spAutoFit/>
-          </a:bodyPr>
-          <a:lstStyle/>
-          <a:p>
-            <a:r>
-              <a:rPr lang="en-US" altLang="ko-KR" sz="2000" dirty="0" smtClean="0">
-                <a:latin typeface="Yoon 윤고딕 530_TT" panose="02090603020101020101" pitchFamily="18" charset="-127"/>
-                <a:ea typeface="Yoon 윤고딕 530_TT" panose="02090603020101020101" pitchFamily="18" charset="-127"/>
-              </a:rPr>
-              <a:t>UI-Router</a:t>
-            </a:r>
-            <a:endParaRPr lang="ko-KR" altLang="en-US" sz="2000" dirty="0">
-              <a:latin typeface="Yoon 윤고딕 530_TT" panose="02090603020101020101" pitchFamily="18" charset="-127"/>
-              <a:ea typeface="Yoon 윤고딕 530_TT" panose="02090603020101020101" pitchFamily="18" charset="-127"/>
-            </a:endParaRPr>
-          </a:p>
-        </p:txBody>
-      </p:sp>
-      <p:sp>
-        <p:nvSpPr>
-          <p:cNvPr id="38" name="TextBox 37"/>
-          <p:cNvSpPr txBox="1"/>
-          <p:nvPr/>
-        </p:nvSpPr>
-        <p:spPr>
-          <a:xfrm>
-            <a:off x="5585535" y="2005984"/>
-            <a:ext cx="2375065" cy="400110"/>
-          </a:xfrm>
-          <a:prstGeom prst="rect">
-            <a:avLst/>
-          </a:prstGeom>
-          <a:noFill/>
-        </p:spPr>
-        <p:txBody>
-          <a:bodyPr wrap="square" rtlCol="0">
-            <a:spAutoFit/>
-          </a:bodyPr>
-          <a:lstStyle/>
-          <a:p>
-            <a:r>
-              <a:rPr lang="en-US" altLang="ko-KR" sz="2000" dirty="0" smtClean="0">
-                <a:latin typeface="Yoon 윤고딕 530_TT" panose="02090603020101020101" pitchFamily="18" charset="-127"/>
-                <a:ea typeface="Yoon 윤고딕 530_TT" panose="02090603020101020101" pitchFamily="18" charset="-127"/>
-              </a:rPr>
-              <a:t>Angular </a:t>
-            </a:r>
-            <a:r>
-              <a:rPr lang="en-US" altLang="ko-KR" sz="2000" dirty="0" err="1" smtClean="0">
-                <a:latin typeface="Yoon 윤고딕 530_TT" panose="02090603020101020101" pitchFamily="18" charset="-127"/>
-                <a:ea typeface="Yoon 윤고딕 530_TT" panose="02090603020101020101" pitchFamily="18" charset="-127"/>
-              </a:rPr>
-              <a:t>Meterial</a:t>
-            </a:r>
-            <a:endParaRPr lang="ko-KR" altLang="en-US" sz="2000" dirty="0">
-              <a:latin typeface="Yoon 윤고딕 530_TT" panose="02090603020101020101" pitchFamily="18" charset="-127"/>
-              <a:ea typeface="Yoon 윤고딕 530_TT" panose="02090603020101020101" pitchFamily="18" charset="-127"/>
-            </a:endParaRPr>
-          </a:p>
-        </p:txBody>
-      </p:sp>
-      <p:sp>
-        <p:nvSpPr>
-          <p:cNvPr id="39" name="TextBox 38"/>
-          <p:cNvSpPr txBox="1"/>
-          <p:nvPr/>
-        </p:nvSpPr>
-        <p:spPr>
-          <a:xfrm>
-            <a:off x="3436100" y="2544130"/>
-            <a:ext cx="5882418" cy="400110"/>
-          </a:xfrm>
-          <a:prstGeom prst="rect">
-            <a:avLst/>
-          </a:prstGeom>
-          <a:noFill/>
-        </p:spPr>
-        <p:txBody>
-          <a:bodyPr wrap="square" rtlCol="0">
-            <a:spAutoFit/>
-          </a:bodyPr>
-          <a:lstStyle/>
-          <a:p>
-            <a:r>
-              <a:rPr lang="ko-KR" altLang="en-US" sz="2000" dirty="0" err="1" smtClean="0">
-                <a:latin typeface="Yoon 윤고딕 530_TT" panose="02090603020101020101" pitchFamily="18" charset="-127"/>
-                <a:ea typeface="Yoon 윤고딕 530_TT" panose="02090603020101020101" pitchFamily="18" charset="-127"/>
-              </a:rPr>
-              <a:t>빌드도구</a:t>
-            </a:r>
-            <a:r>
-              <a:rPr lang="ko-KR" altLang="en-US" sz="2000" dirty="0" smtClean="0">
-                <a:latin typeface="Yoon 윤고딕 530_TT" panose="02090603020101020101" pitchFamily="18" charset="-127"/>
-                <a:ea typeface="Yoon 윤고딕 530_TT" panose="02090603020101020101" pitchFamily="18" charset="-127"/>
-              </a:rPr>
-              <a:t> </a:t>
-            </a:r>
-            <a:r>
-              <a:rPr lang="en-US" altLang="ko-KR" sz="2000" dirty="0" smtClean="0">
-                <a:latin typeface="Yoon 윤고딕 530_TT" panose="02090603020101020101" pitchFamily="18" charset="-127"/>
-                <a:ea typeface="Yoon 윤고딕 530_TT" panose="02090603020101020101" pitchFamily="18" charset="-127"/>
-              </a:rPr>
-              <a:t>: Grunt (</a:t>
-            </a:r>
-            <a:r>
-              <a:rPr lang="en-US" altLang="ko-KR" sz="2000" dirty="0" err="1" smtClean="0">
-                <a:latin typeface="Yoon 윤고딕 530_TT" panose="02090603020101020101" pitchFamily="18" charset="-127"/>
-                <a:ea typeface="Yoon 윤고딕 530_TT" panose="02090603020101020101" pitchFamily="18" charset="-127"/>
-              </a:rPr>
-              <a:t>Yoman</a:t>
-            </a:r>
-            <a:r>
-              <a:rPr lang="en-US" altLang="ko-KR" sz="2000" dirty="0" smtClean="0">
-                <a:latin typeface="Yoon 윤고딕 530_TT" panose="02090603020101020101" pitchFamily="18" charset="-127"/>
-                <a:ea typeface="Yoon 윤고딕 530_TT" panose="02090603020101020101" pitchFamily="18" charset="-127"/>
-              </a:rPr>
-              <a:t> + custom setting)</a:t>
-            </a:r>
-            <a:endParaRPr lang="ko-KR" altLang="en-US" sz="2000" dirty="0">
-              <a:latin typeface="Yoon 윤고딕 530_TT" panose="02090603020101020101" pitchFamily="18" charset="-127"/>
-              <a:ea typeface="Yoon 윤고딕 530_TT" panose="02090603020101020101" pitchFamily="18" charset="-127"/>
-            </a:endParaRPr>
-          </a:p>
-        </p:txBody>
-      </p:sp>
-      <p:sp>
-        <p:nvSpPr>
-          <p:cNvPr id="40" name="TextBox 39"/>
-          <p:cNvSpPr txBox="1"/>
-          <p:nvPr/>
-        </p:nvSpPr>
-        <p:spPr>
-          <a:xfrm>
-            <a:off x="7960600" y="1953425"/>
-            <a:ext cx="1357918" cy="400110"/>
-          </a:xfrm>
-          <a:prstGeom prst="rect">
-            <a:avLst/>
-          </a:prstGeom>
-          <a:noFill/>
-        </p:spPr>
-        <p:txBody>
-          <a:bodyPr wrap="square" rtlCol="0">
-            <a:spAutoFit/>
-          </a:bodyPr>
-          <a:lstStyle/>
-          <a:p>
-            <a:r>
-              <a:rPr lang="en-US" altLang="ko-KR" sz="2000" dirty="0" smtClean="0">
-                <a:latin typeface="Yoon 윤고딕 530_TT" panose="02090603020101020101" pitchFamily="18" charset="-127"/>
-                <a:ea typeface="Yoon 윤고딕 530_TT" panose="02090603020101020101" pitchFamily="18" charset="-127"/>
-              </a:rPr>
-              <a:t>Less</a:t>
-            </a:r>
-            <a:endParaRPr lang="ko-KR" altLang="en-US" sz="2000" dirty="0">
-              <a:latin typeface="Yoon 윤고딕 530_TT" panose="02090603020101020101" pitchFamily="18" charset="-127"/>
-              <a:ea typeface="Yoon 윤고딕 530_TT" panose="02090603020101020101" pitchFamily="18" charset="-127"/>
-            </a:endParaRPr>
-          </a:p>
-        </p:txBody>
-      </p:sp>
-      <p:sp>
-        <p:nvSpPr>
-          <p:cNvPr id="42" name="TextBox 41"/>
-          <p:cNvSpPr txBox="1"/>
-          <p:nvPr/>
-        </p:nvSpPr>
-        <p:spPr>
-          <a:xfrm>
-            <a:off x="583871" y="2860401"/>
-            <a:ext cx="1411183" cy="400110"/>
-          </a:xfrm>
-          <a:prstGeom prst="rect">
-            <a:avLst/>
-          </a:prstGeom>
-          <a:noFill/>
-        </p:spPr>
-        <p:txBody>
-          <a:bodyPr wrap="square" rtlCol="0">
-            <a:spAutoFit/>
-          </a:bodyPr>
-          <a:lstStyle/>
-          <a:p>
-            <a:r>
-              <a:rPr lang="ko-KR" altLang="en-US" sz="2000" smtClean="0">
-                <a:latin typeface="Yoon 윤고딕 530_TT" panose="02090603020101020101" pitchFamily="18" charset="-127"/>
-                <a:ea typeface="Yoon 윤고딕 530_TT" panose="02090603020101020101" pitchFamily="18" charset="-127"/>
-              </a:rPr>
-              <a:t>반응형</a:t>
-            </a:r>
-            <a:endParaRPr lang="ko-KR" altLang="en-US" sz="2000" dirty="0">
-              <a:latin typeface="Yoon 윤고딕 530_TT" panose="02090603020101020101" pitchFamily="18" charset="-127"/>
-              <a:ea typeface="Yoon 윤고딕 530_TT" panose="02090603020101020101" pitchFamily="18" charset="-127"/>
-            </a:endParaRPr>
-          </a:p>
-        </p:txBody>
-      </p:sp>
+      <p:pic>
+        <p:nvPicPr>
+          <p:cNvPr id="7" name="그림 6"/>
+          <p:cNvPicPr>
+            <a:picLocks noChangeAspect="1"/>
+          </p:cNvPicPr>
+          <p:nvPr/>
+        </p:nvPicPr>
+        <p:blipFill>
+          <a:blip r:embed="rId3"/>
+          <a:stretch>
+            <a:fillRect/>
+          </a:stretch>
+        </p:blipFill>
+        <p:spPr>
+          <a:xfrm>
+            <a:off x="3348842" y="290104"/>
+            <a:ext cx="5230524" cy="2355468"/>
+          </a:xfrm>
+          <a:prstGeom prst="rect">
+            <a:avLst/>
+          </a:prstGeom>
+          <a:ln>
+            <a:solidFill>
+              <a:schemeClr val="accent1"/>
+            </a:solidFill>
+          </a:ln>
+        </p:spPr>
+      </p:pic>
+      <p:cxnSp>
+        <p:nvCxnSpPr>
+          <p:cNvPr id="16" name="직선 화살표 연결선 15"/>
+          <p:cNvCxnSpPr/>
+          <p:nvPr/>
+        </p:nvCxnSpPr>
+        <p:spPr>
+          <a:xfrm flipV="1">
+            <a:off x="1199408" y="2060686"/>
+            <a:ext cx="2149434" cy="947014"/>
+          </a:xfrm>
+          <a:prstGeom prst="straightConnector1">
+            <a:avLst/>
+          </a:prstGeom>
+          <a:ln>
+            <a:tailEnd type="triangle"/>
+          </a:ln>
+        </p:spPr>
+        <p:style>
+          <a:lnRef idx="1">
+            <a:schemeClr val="accent1"/>
+          </a:lnRef>
+          <a:fillRef idx="0">
+            <a:schemeClr val="accent1"/>
+          </a:fillRef>
+          <a:effectRef idx="0">
+            <a:schemeClr val="accent1"/>
+          </a:effectRef>
+          <a:fontRef idx="minor">
+            <a:schemeClr val="tx1"/>
+          </a:fontRef>
+        </p:style>
+      </p:cxnSp>
+      <p:cxnSp>
+        <p:nvCxnSpPr>
+          <p:cNvPr id="18" name="직선 화살표 연결선 17"/>
+          <p:cNvCxnSpPr/>
+          <p:nvPr/>
+        </p:nvCxnSpPr>
+        <p:spPr>
+          <a:xfrm>
+            <a:off x="1708069" y="3145742"/>
+            <a:ext cx="962892" cy="727199"/>
+          </a:xfrm>
+          <a:prstGeom prst="straightConnector1">
+            <a:avLst/>
+          </a:prstGeom>
+          <a:ln>
+            <a:tailEnd type="triangle"/>
+          </a:ln>
+        </p:spPr>
+        <p:style>
+          <a:lnRef idx="1">
+            <a:schemeClr val="accent1"/>
+          </a:lnRef>
+          <a:fillRef idx="0">
+            <a:schemeClr val="accent1"/>
+          </a:fillRef>
+          <a:effectRef idx="0">
+            <a:schemeClr val="accent1"/>
+          </a:effectRef>
+          <a:fontRef idx="minor">
+            <a:schemeClr val="tx1"/>
+          </a:fontRef>
+        </p:style>
+      </p:cxnSp>
+      <p:pic>
+        <p:nvPicPr>
+          <p:cNvPr id="21" name="그림 20"/>
+          <p:cNvPicPr>
+            <a:picLocks noChangeAspect="1"/>
+          </p:cNvPicPr>
+          <p:nvPr/>
+        </p:nvPicPr>
+        <p:blipFill>
+          <a:blip r:embed="rId4"/>
+          <a:stretch>
+            <a:fillRect/>
+          </a:stretch>
+        </p:blipFill>
+        <p:spPr>
+          <a:xfrm>
+            <a:off x="2274125" y="3872941"/>
+            <a:ext cx="4156362" cy="2144683"/>
+          </a:xfrm>
+          <a:prstGeom prst="rect">
+            <a:avLst/>
+          </a:prstGeom>
+          <a:ln>
+            <a:solidFill>
+              <a:schemeClr val="accent1"/>
+            </a:solidFill>
+          </a:ln>
+        </p:spPr>
+      </p:pic>
+      <p:cxnSp>
+        <p:nvCxnSpPr>
+          <p:cNvPr id="23" name="직선 화살표 연결선 22"/>
+          <p:cNvCxnSpPr/>
+          <p:nvPr/>
+        </p:nvCxnSpPr>
+        <p:spPr>
+          <a:xfrm>
+            <a:off x="2171209" y="3145742"/>
+            <a:ext cx="4625882" cy="486797"/>
+          </a:xfrm>
+          <a:prstGeom prst="straightConnector1">
+            <a:avLst/>
+          </a:prstGeom>
+          <a:ln>
+            <a:tailEnd type="triangle"/>
+          </a:ln>
+        </p:spPr>
+        <p:style>
+          <a:lnRef idx="1">
+            <a:schemeClr val="accent1"/>
+          </a:lnRef>
+          <a:fillRef idx="0">
+            <a:schemeClr val="accent1"/>
+          </a:fillRef>
+          <a:effectRef idx="0">
+            <a:schemeClr val="accent1"/>
+          </a:effectRef>
+          <a:fontRef idx="minor">
+            <a:schemeClr val="tx1"/>
+          </a:fontRef>
+        </p:style>
+      </p:cxnSp>
+      <p:pic>
+        <p:nvPicPr>
+          <p:cNvPr id="26" name="그림 25"/>
+          <p:cNvPicPr>
+            <a:picLocks noChangeAspect="1"/>
+          </p:cNvPicPr>
+          <p:nvPr/>
+        </p:nvPicPr>
+        <p:blipFill>
+          <a:blip r:embed="rId5"/>
+          <a:stretch>
+            <a:fillRect/>
+          </a:stretch>
+        </p:blipFill>
+        <p:spPr>
+          <a:xfrm>
+            <a:off x="6797091" y="3609229"/>
+            <a:ext cx="4435236" cy="3004887"/>
+          </a:xfrm>
+          <a:prstGeom prst="rect">
+            <a:avLst/>
+          </a:prstGeom>
+          <a:ln>
+            <a:solidFill>
+              <a:schemeClr val="accent1"/>
+            </a:solidFill>
+          </a:ln>
+        </p:spPr>
+      </p:pic>
     </p:spTree>
     <p:extLst>
       <p:ext uri="{BB962C8B-B14F-4D97-AF65-F5344CB8AC3E}">
-        <p14:creationId xmlns:p14="http://schemas.microsoft.com/office/powerpoint/2010/main" val="1160708875"/>
+        <p14:creationId xmlns:p14="http://schemas.microsoft.com/office/powerpoint/2010/main" val="2031078564"/>
       </p:ext>
     </p:extLst>
   </p:cSld>
@@ -5294,10 +4555,405 @@
           </p:txBody>
         </p:sp>
       </p:grpSp>
+      <p:sp>
+        <p:nvSpPr>
+          <p:cNvPr id="8" name="TextBox 7"/>
+          <p:cNvSpPr txBox="1"/>
+          <p:nvPr/>
+        </p:nvSpPr>
+        <p:spPr>
+          <a:xfrm>
+            <a:off x="342233" y="883063"/>
+            <a:ext cx="2792854" cy="584775"/>
+          </a:xfrm>
+          <a:prstGeom prst="rect">
+            <a:avLst/>
+          </a:prstGeom>
+          <a:noFill/>
+        </p:spPr>
+        <p:txBody>
+          <a:bodyPr wrap="square" rtlCol="0">
+            <a:spAutoFit/>
+          </a:bodyPr>
+          <a:lstStyle/>
+          <a:p>
+            <a:r>
+              <a:rPr lang="en-US" altLang="ko-KR" sz="3200" dirty="0" smtClean="0">
+                <a:latin typeface="Yoon 윤고딕 530_TT" panose="02090603020101020101" pitchFamily="18" charset="-127"/>
+                <a:ea typeface="Yoon 윤고딕 530_TT" panose="02090603020101020101" pitchFamily="18" charset="-127"/>
+              </a:rPr>
+              <a:t>4. </a:t>
+            </a:r>
+            <a:r>
+              <a:rPr lang="ko-KR" altLang="en-US" sz="3200" dirty="0" smtClean="0">
+                <a:latin typeface="Yoon 윤고딕 530_TT" panose="02090603020101020101" pitchFamily="18" charset="-127"/>
+                <a:ea typeface="Yoon 윤고딕 530_TT" panose="02090603020101020101" pitchFamily="18" charset="-127"/>
+              </a:rPr>
+              <a:t>게시물 작성</a:t>
+            </a:r>
+            <a:endParaRPr lang="ko-KR" altLang="en-US" sz="3200" dirty="0">
+              <a:latin typeface="Yoon 윤고딕 530_TT" panose="02090603020101020101" pitchFamily="18" charset="-127"/>
+              <a:ea typeface="Yoon 윤고딕 530_TT" panose="02090603020101020101" pitchFamily="18" charset="-127"/>
+            </a:endParaRPr>
+          </a:p>
+        </p:txBody>
+      </p:sp>
+      <p:sp>
+        <p:nvSpPr>
+          <p:cNvPr id="13" name="TextBox 12"/>
+          <p:cNvSpPr txBox="1"/>
+          <p:nvPr/>
+        </p:nvSpPr>
+        <p:spPr>
+          <a:xfrm>
+            <a:off x="342233" y="1564207"/>
+            <a:ext cx="4348520" cy="400110"/>
+          </a:xfrm>
+          <a:prstGeom prst="rect">
+            <a:avLst/>
+          </a:prstGeom>
+          <a:noFill/>
+        </p:spPr>
+        <p:txBody>
+          <a:bodyPr wrap="square" rtlCol="0">
+            <a:spAutoFit/>
+          </a:bodyPr>
+          <a:lstStyle/>
+          <a:p>
+            <a:r>
+              <a:rPr lang="ko-KR" altLang="en-US" sz="2000" dirty="0" smtClean="0">
+                <a:latin typeface="Yoon 윤고딕 530_TT" panose="02090603020101020101" pitchFamily="18" charset="-127"/>
+                <a:ea typeface="Yoon 윤고딕 530_TT" panose="02090603020101020101" pitchFamily="18" charset="-127"/>
+              </a:rPr>
+              <a:t>① 스케줄 유형 </a:t>
+            </a:r>
+            <a:endParaRPr lang="ko-KR" altLang="en-US" sz="2000" dirty="0">
+              <a:latin typeface="Yoon 윤고딕 530_TT" panose="02090603020101020101" pitchFamily="18" charset="-127"/>
+              <a:ea typeface="Yoon 윤고딕 530_TT" panose="02090603020101020101" pitchFamily="18" charset="-127"/>
+            </a:endParaRPr>
+          </a:p>
+        </p:txBody>
+      </p:sp>
+      <p:pic>
+        <p:nvPicPr>
+          <p:cNvPr id="2" name="그림 1"/>
+          <p:cNvPicPr>
+            <a:picLocks noChangeAspect="1"/>
+          </p:cNvPicPr>
+          <p:nvPr/>
+        </p:nvPicPr>
+        <p:blipFill rotWithShape="1">
+          <a:blip r:embed="rId2"/>
+          <a:srcRect t="32901"/>
+          <a:stretch/>
+        </p:blipFill>
+        <p:spPr>
+          <a:xfrm>
+            <a:off x="547910" y="2187644"/>
+            <a:ext cx="4438650" cy="907543"/>
+          </a:xfrm>
+          <a:prstGeom prst="rect">
+            <a:avLst/>
+          </a:prstGeom>
+        </p:spPr>
+      </p:pic>
+      <p:sp>
+        <p:nvSpPr>
+          <p:cNvPr id="15" name="TextBox 14"/>
+          <p:cNvSpPr txBox="1"/>
+          <p:nvPr/>
+        </p:nvSpPr>
+        <p:spPr>
+          <a:xfrm>
+            <a:off x="2587745" y="2968229"/>
+            <a:ext cx="2817263" cy="253916"/>
+          </a:xfrm>
+          <a:prstGeom prst="rect">
+            <a:avLst/>
+          </a:prstGeom>
+          <a:solidFill>
+            <a:schemeClr val="bg1"/>
+          </a:solidFill>
+        </p:spPr>
+        <p:txBody>
+          <a:bodyPr wrap="square" rtlCol="0">
+            <a:spAutoFit/>
+          </a:bodyPr>
+          <a:lstStyle/>
+          <a:p>
+            <a:r>
+              <a:rPr lang="ko-KR" altLang="en-US" sz="1050" dirty="0" smtClean="0">
+                <a:latin typeface="Yoon 윤고딕 530_TT" panose="02090603020101020101" pitchFamily="18" charset="-127"/>
+                <a:ea typeface="Yoon 윤고딕 530_TT" panose="02090603020101020101" pitchFamily="18" charset="-127"/>
+              </a:rPr>
+              <a:t>이벤트의 시작시간과 </a:t>
+            </a:r>
+            <a:r>
+              <a:rPr lang="ko-KR" altLang="en-US" sz="1050" dirty="0" err="1" smtClean="0">
+                <a:latin typeface="Yoon 윤고딕 530_TT" panose="02090603020101020101" pitchFamily="18" charset="-127"/>
+                <a:ea typeface="Yoon 윤고딕 530_TT" panose="02090603020101020101" pitchFamily="18" charset="-127"/>
+              </a:rPr>
+              <a:t>끝시간</a:t>
+            </a:r>
+            <a:r>
+              <a:rPr lang="ko-KR" altLang="en-US" sz="1050" dirty="0" err="1" smtClean="0">
+                <a:latin typeface="Yoon 윤고딕 530_TT" panose="02090603020101020101" pitchFamily="18" charset="-127"/>
+                <a:ea typeface="Yoon 윤고딕 530_TT" panose="02090603020101020101" pitchFamily="18" charset="-127"/>
+              </a:rPr>
+              <a:t>을</a:t>
+            </a:r>
+            <a:r>
+              <a:rPr lang="ko-KR" altLang="en-US" sz="1050" dirty="0" smtClean="0">
+                <a:latin typeface="Yoon 윤고딕 530_TT" panose="02090603020101020101" pitchFamily="18" charset="-127"/>
+                <a:ea typeface="Yoon 윤고딕 530_TT" panose="02090603020101020101" pitchFamily="18" charset="-127"/>
+              </a:rPr>
+              <a:t> 입력</a:t>
+            </a:r>
+            <a:endParaRPr lang="ko-KR" altLang="en-US" sz="1050" dirty="0">
+              <a:latin typeface="Yoon 윤고딕 530_TT" panose="02090603020101020101" pitchFamily="18" charset="-127"/>
+              <a:ea typeface="Yoon 윤고딕 530_TT" panose="02090603020101020101" pitchFamily="18" charset="-127"/>
+            </a:endParaRPr>
+          </a:p>
+        </p:txBody>
+      </p:sp>
+      <p:sp>
+        <p:nvSpPr>
+          <p:cNvPr id="17" name="TextBox 16"/>
+          <p:cNvSpPr txBox="1"/>
+          <p:nvPr/>
+        </p:nvSpPr>
+        <p:spPr>
+          <a:xfrm>
+            <a:off x="638040" y="2060686"/>
+            <a:ext cx="4348520" cy="400110"/>
+          </a:xfrm>
+          <a:prstGeom prst="rect">
+            <a:avLst/>
+          </a:prstGeom>
+          <a:noFill/>
+        </p:spPr>
+        <p:txBody>
+          <a:bodyPr wrap="square" rtlCol="0">
+            <a:spAutoFit/>
+          </a:bodyPr>
+          <a:lstStyle/>
+          <a:p>
+            <a:r>
+              <a:rPr lang="en-US" altLang="ko-KR" sz="2000" dirty="0" smtClean="0">
+                <a:latin typeface="Yoon 윤고딕 530_TT" panose="02090603020101020101" pitchFamily="18" charset="-127"/>
+                <a:ea typeface="Yoon 윤고딕 530_TT" panose="02090603020101020101" pitchFamily="18" charset="-127"/>
+              </a:rPr>
+              <a:t>[</a:t>
+            </a:r>
+            <a:r>
+              <a:rPr lang="ko-KR" altLang="en-US" sz="2000" dirty="0" smtClean="0">
+                <a:latin typeface="Yoon 윤고딕 530_TT" panose="02090603020101020101" pitchFamily="18" charset="-127"/>
+                <a:ea typeface="Yoon 윤고딕 530_TT" panose="02090603020101020101" pitchFamily="18" charset="-127"/>
+              </a:rPr>
+              <a:t>개별입력</a:t>
+            </a:r>
+            <a:r>
+              <a:rPr lang="en-US" altLang="ko-KR" sz="2000" dirty="0" smtClean="0">
+                <a:latin typeface="Yoon 윤고딕 530_TT" panose="02090603020101020101" pitchFamily="18" charset="-127"/>
+                <a:ea typeface="Yoon 윤고딕 530_TT" panose="02090603020101020101" pitchFamily="18" charset="-127"/>
+              </a:rPr>
+              <a:t>]</a:t>
+            </a:r>
+            <a:endParaRPr lang="ko-KR" altLang="en-US" sz="2000" dirty="0">
+              <a:latin typeface="Yoon 윤고딕 530_TT" panose="02090603020101020101" pitchFamily="18" charset="-127"/>
+              <a:ea typeface="Yoon 윤고딕 530_TT" panose="02090603020101020101" pitchFamily="18" charset="-127"/>
+            </a:endParaRPr>
+          </a:p>
+        </p:txBody>
+      </p:sp>
+      <p:sp>
+        <p:nvSpPr>
+          <p:cNvPr id="22" name="TextBox 21"/>
+          <p:cNvSpPr txBox="1"/>
+          <p:nvPr/>
+        </p:nvSpPr>
+        <p:spPr>
+          <a:xfrm>
+            <a:off x="5560534" y="2060686"/>
+            <a:ext cx="4348520" cy="400110"/>
+          </a:xfrm>
+          <a:prstGeom prst="rect">
+            <a:avLst/>
+          </a:prstGeom>
+          <a:noFill/>
+        </p:spPr>
+        <p:txBody>
+          <a:bodyPr wrap="square" rtlCol="0">
+            <a:spAutoFit/>
+          </a:bodyPr>
+          <a:lstStyle/>
+          <a:p>
+            <a:r>
+              <a:rPr lang="en-US" altLang="ko-KR" sz="2000" dirty="0" smtClean="0">
+                <a:latin typeface="Yoon 윤고딕 530_TT" panose="02090603020101020101" pitchFamily="18" charset="-127"/>
+                <a:ea typeface="Yoon 윤고딕 530_TT" panose="02090603020101020101" pitchFamily="18" charset="-127"/>
+              </a:rPr>
+              <a:t>[</a:t>
+            </a:r>
+            <a:r>
+              <a:rPr lang="ko-KR" altLang="en-US" sz="2000" dirty="0" smtClean="0">
+                <a:latin typeface="Yoon 윤고딕 530_TT" panose="02090603020101020101" pitchFamily="18" charset="-127"/>
+                <a:ea typeface="Yoon 윤고딕 530_TT" panose="02090603020101020101" pitchFamily="18" charset="-127"/>
+              </a:rPr>
+              <a:t>일괄입력</a:t>
+            </a:r>
+            <a:r>
+              <a:rPr lang="en-US" altLang="ko-KR" sz="2000" dirty="0" smtClean="0">
+                <a:latin typeface="Yoon 윤고딕 530_TT" panose="02090603020101020101" pitchFamily="18" charset="-127"/>
+                <a:ea typeface="Yoon 윤고딕 530_TT" panose="02090603020101020101" pitchFamily="18" charset="-127"/>
+              </a:rPr>
+              <a:t>]</a:t>
+            </a:r>
+            <a:endParaRPr lang="ko-KR" altLang="en-US" sz="2000" dirty="0">
+              <a:latin typeface="Yoon 윤고딕 530_TT" panose="02090603020101020101" pitchFamily="18" charset="-127"/>
+              <a:ea typeface="Yoon 윤고딕 530_TT" panose="02090603020101020101" pitchFamily="18" charset="-127"/>
+            </a:endParaRPr>
+          </a:p>
+        </p:txBody>
+      </p:sp>
+      <p:pic>
+        <p:nvPicPr>
+          <p:cNvPr id="9" name="그림 8"/>
+          <p:cNvPicPr>
+            <a:picLocks noChangeAspect="1"/>
+          </p:cNvPicPr>
+          <p:nvPr/>
+        </p:nvPicPr>
+        <p:blipFill>
+          <a:blip r:embed="rId3"/>
+          <a:stretch>
+            <a:fillRect/>
+          </a:stretch>
+        </p:blipFill>
+        <p:spPr>
+          <a:xfrm>
+            <a:off x="5653581" y="2460796"/>
+            <a:ext cx="4162425" cy="4162425"/>
+          </a:xfrm>
+          <a:prstGeom prst="rect">
+            <a:avLst/>
+          </a:prstGeom>
+        </p:spPr>
+      </p:pic>
+      <p:sp>
+        <p:nvSpPr>
+          <p:cNvPr id="20" name="TextBox 19"/>
+          <p:cNvSpPr txBox="1"/>
+          <p:nvPr/>
+        </p:nvSpPr>
+        <p:spPr>
+          <a:xfrm>
+            <a:off x="8453899" y="3014396"/>
+            <a:ext cx="2817263" cy="415498"/>
+          </a:xfrm>
+          <a:prstGeom prst="rect">
+            <a:avLst/>
+          </a:prstGeom>
+          <a:solidFill>
+            <a:schemeClr val="bg1"/>
+          </a:solidFill>
+        </p:spPr>
+        <p:txBody>
+          <a:bodyPr wrap="square" rtlCol="0">
+            <a:spAutoFit/>
+          </a:bodyPr>
+          <a:lstStyle/>
+          <a:p>
+            <a:r>
+              <a:rPr lang="ko-KR" altLang="en-US" sz="1050" dirty="0" smtClean="0">
+                <a:latin typeface="Yoon 윤고딕 530_TT" panose="02090603020101020101" pitchFamily="18" charset="-127"/>
+                <a:ea typeface="Yoon 윤고딕 530_TT" panose="02090603020101020101" pitchFamily="18" charset="-127"/>
+              </a:rPr>
+              <a:t>개별 이벤트의 시작날짜와 </a:t>
+            </a:r>
+            <a:r>
+              <a:rPr lang="ko-KR" altLang="en-US" sz="1050" dirty="0" err="1" smtClean="0">
+                <a:latin typeface="Yoon 윤고딕 530_TT" panose="02090603020101020101" pitchFamily="18" charset="-127"/>
+                <a:ea typeface="Yoon 윤고딕 530_TT" panose="02090603020101020101" pitchFamily="18" charset="-127"/>
+              </a:rPr>
+              <a:t>끝날짜</a:t>
+            </a:r>
+            <a:endParaRPr lang="en-US" altLang="ko-KR" sz="1050" dirty="0">
+              <a:latin typeface="Yoon 윤고딕 530_TT" panose="02090603020101020101" pitchFamily="18" charset="-127"/>
+              <a:ea typeface="Yoon 윤고딕 530_TT" panose="02090603020101020101" pitchFamily="18" charset="-127"/>
+            </a:endParaRPr>
+          </a:p>
+          <a:p>
+            <a:r>
+              <a:rPr lang="ko-KR" altLang="en-US" sz="1050" dirty="0" smtClean="0">
+                <a:latin typeface="Yoon 윤고딕 530_TT" panose="02090603020101020101" pitchFamily="18" charset="-127"/>
+                <a:ea typeface="Yoon 윤고딕 530_TT" panose="02090603020101020101" pitchFamily="18" charset="-127"/>
+              </a:rPr>
+              <a:t>시작 시간과 </a:t>
+            </a:r>
+            <a:r>
+              <a:rPr lang="ko-KR" altLang="en-US" sz="1050" dirty="0" err="1" smtClean="0">
+                <a:latin typeface="Yoon 윤고딕 530_TT" panose="02090603020101020101" pitchFamily="18" charset="-127"/>
+                <a:ea typeface="Yoon 윤고딕 530_TT" panose="02090603020101020101" pitchFamily="18" charset="-127"/>
+              </a:rPr>
+              <a:t>끝시간을</a:t>
+            </a:r>
+            <a:r>
+              <a:rPr lang="ko-KR" altLang="en-US" sz="1050" dirty="0" smtClean="0">
+                <a:latin typeface="Yoon 윤고딕 530_TT" panose="02090603020101020101" pitchFamily="18" charset="-127"/>
+                <a:ea typeface="Yoon 윤고딕 530_TT" panose="02090603020101020101" pitchFamily="18" charset="-127"/>
+              </a:rPr>
+              <a:t> 입력</a:t>
+            </a:r>
+            <a:endParaRPr lang="ko-KR" altLang="en-US" sz="1050" dirty="0">
+              <a:latin typeface="Yoon 윤고딕 530_TT" panose="02090603020101020101" pitchFamily="18" charset="-127"/>
+              <a:ea typeface="Yoon 윤고딕 530_TT" panose="02090603020101020101" pitchFamily="18" charset="-127"/>
+            </a:endParaRPr>
+          </a:p>
+        </p:txBody>
+      </p:sp>
+      <p:sp>
+        <p:nvSpPr>
+          <p:cNvPr id="24" name="TextBox 23"/>
+          <p:cNvSpPr txBox="1"/>
+          <p:nvPr/>
+        </p:nvSpPr>
+        <p:spPr>
+          <a:xfrm>
+            <a:off x="8190256" y="4592129"/>
+            <a:ext cx="2817263" cy="253916"/>
+          </a:xfrm>
+          <a:prstGeom prst="rect">
+            <a:avLst/>
+          </a:prstGeom>
+          <a:solidFill>
+            <a:schemeClr val="bg1"/>
+          </a:solidFill>
+        </p:spPr>
+        <p:txBody>
+          <a:bodyPr wrap="square" rtlCol="0">
+            <a:spAutoFit/>
+          </a:bodyPr>
+          <a:lstStyle/>
+          <a:p>
+            <a:r>
+              <a:rPr lang="ko-KR" altLang="en-US" sz="1050" dirty="0" smtClean="0">
+                <a:latin typeface="Yoon 윤고딕 530_TT" panose="02090603020101020101" pitchFamily="18" charset="-127"/>
+                <a:ea typeface="Yoon 윤고딕 530_TT" panose="02090603020101020101" pitchFamily="18" charset="-127"/>
+              </a:rPr>
+              <a:t>반복주기를 입력</a:t>
+            </a:r>
+            <a:endParaRPr lang="ko-KR" altLang="en-US" sz="1050" dirty="0">
+              <a:latin typeface="Yoon 윤고딕 530_TT" panose="02090603020101020101" pitchFamily="18" charset="-127"/>
+              <a:ea typeface="Yoon 윤고딕 530_TT" panose="02090603020101020101" pitchFamily="18" charset="-127"/>
+            </a:endParaRPr>
+          </a:p>
+        </p:txBody>
+      </p:sp>
     </p:spTree>
     <p:extLst>
       <p:ext uri="{BB962C8B-B14F-4D97-AF65-F5344CB8AC3E}">
-        <p14:creationId xmlns:p14="http://schemas.microsoft.com/office/powerpoint/2010/main" val="4235729800"/>
+        <p14:creationId xmlns:p14="http://schemas.microsoft.com/office/powerpoint/2010/main" val="70224444"/>
       </p:ext>
     </p:extLst>
   </p:cSld>
@@ -5307,7 +4963,7 @@
 </p:sld>
 </file>
 
-<file path=ppt/slides/slide2.xml><?xml version="1.0" encoding="utf-8"?>
+<file path=ppt/slides/slide15.xml><?xml version="1.0" encoding="utf-8"?>
 <p:sld xmlns:a="http://schemas.openxmlformats.org/drawingml/2006/main" xmlns:r="http://schemas.openxmlformats.org/officeDocument/2006/relationships" xmlns:p="http://schemas.openxmlformats.org/presentationml/2006/main">
   <p:cSld>
     <p:spTree>
@@ -5421,8 +5077,8 @@
         </p:nvSpPr>
         <p:spPr>
           <a:xfrm>
-            <a:off x="1434762" y="1821213"/>
-            <a:ext cx="2923481" cy="584775"/>
+            <a:off x="342233" y="883063"/>
+            <a:ext cx="2792854" cy="584775"/>
           </a:xfrm>
           <a:prstGeom prst="rect">
             <a:avLst/>
@@ -5440,14 +5096,14 @@
                 <a:latin typeface="Yoon 윤고딕 530_TT" panose="02090603020101020101" pitchFamily="18" charset="-127"/>
                 <a:ea typeface="Yoon 윤고딕 530_TT" panose="02090603020101020101" pitchFamily="18" charset="-127"/>
               </a:rPr>
-              <a:t>1. </a:t>
+              <a:t>4. </a:t>
             </a:r>
             <a:r>
               <a:rPr lang="ko-KR" altLang="en-US" sz="3200" dirty="0" smtClean="0">
                 <a:latin typeface="Yoon 윤고딕 530_TT" panose="02090603020101020101" pitchFamily="18" charset="-127"/>
                 <a:ea typeface="Yoon 윤고딕 530_TT" panose="02090603020101020101" pitchFamily="18" charset="-127"/>
               </a:rPr>
-              <a:t>소개</a:t>
+              <a:t>게시물 작성</a:t>
             </a:r>
             <a:endParaRPr lang="ko-KR" altLang="en-US" sz="3200" dirty="0">
               <a:latin typeface="Yoon 윤고딕 530_TT" panose="02090603020101020101" pitchFamily="18" charset="-127"/>
@@ -5458,14 +5114,14 @@
       </p:sp>
       <p:sp>
         <p:nvSpPr>
-          <p:cNvPr id="21" name="TextBox 20"/>
+          <p:cNvPr id="13" name="TextBox 12"/>
           <p:cNvSpPr txBox="1"/>
           <p:nvPr/>
         </p:nvSpPr>
         <p:spPr>
           <a:xfrm>
-            <a:off x="1434761" y="2899889"/>
-            <a:ext cx="5322299" cy="584775"/>
+            <a:off x="342233" y="1564207"/>
+            <a:ext cx="4348520" cy="400110"/>
           </a:xfrm>
           <a:prstGeom prst="rect">
             <a:avLst/>
@@ -5479,39 +5135,242 @@
           <a:lstStyle/>
           <a:p>
             <a:r>
+              <a:rPr lang="ko-KR" altLang="en-US" sz="2000" dirty="0" smtClean="0">
+                <a:latin typeface="Yoon 윤고딕 530_TT" panose="02090603020101020101" pitchFamily="18" charset="-127"/>
+                <a:ea typeface="Yoon 윤고딕 530_TT" panose="02090603020101020101" pitchFamily="18" charset="-127"/>
+              </a:rPr>
+              <a:t>②</a:t>
+            </a:r>
+            <a:r>
+              <a:rPr lang="ko-KR" altLang="en-US" sz="2000" dirty="0" smtClean="0">
+                <a:latin typeface="Yoon 윤고딕 530_TT" panose="02090603020101020101" pitchFamily="18" charset="-127"/>
+                <a:ea typeface="Yoon 윤고딕 530_TT" panose="02090603020101020101" pitchFamily="18" charset="-127"/>
+              </a:rPr>
+              <a:t> 과제 유형 </a:t>
+            </a:r>
+            <a:endParaRPr lang="ko-KR" altLang="en-US" sz="2000" dirty="0">
+              <a:latin typeface="Yoon 윤고딕 530_TT" panose="02090603020101020101" pitchFamily="18" charset="-127"/>
+              <a:ea typeface="Yoon 윤고딕 530_TT" panose="02090603020101020101" pitchFamily="18" charset="-127"/>
+            </a:endParaRPr>
+          </a:p>
+        </p:txBody>
+      </p:sp>
+      <p:pic>
+        <p:nvPicPr>
+          <p:cNvPr id="3" name="그림 2"/>
+          <p:cNvPicPr>
+            <a:picLocks noChangeAspect="1"/>
+          </p:cNvPicPr>
+          <p:nvPr/>
+        </p:nvPicPr>
+        <p:blipFill>
+          <a:blip r:embed="rId2"/>
+          <a:stretch>
+            <a:fillRect/>
+          </a:stretch>
+        </p:blipFill>
+        <p:spPr>
+          <a:xfrm>
+            <a:off x="595951" y="2112482"/>
+            <a:ext cx="6800850" cy="2219325"/>
+          </a:xfrm>
+          <a:prstGeom prst="rect">
+            <a:avLst/>
+          </a:prstGeom>
+        </p:spPr>
+      </p:pic>
+      <p:sp>
+        <p:nvSpPr>
+          <p:cNvPr id="15" name="TextBox 14"/>
+          <p:cNvSpPr txBox="1"/>
+          <p:nvPr/>
+        </p:nvSpPr>
+        <p:spPr>
+          <a:xfrm>
+            <a:off x="4131538" y="2421963"/>
+            <a:ext cx="2817263" cy="253916"/>
+          </a:xfrm>
+          <a:prstGeom prst="rect">
+            <a:avLst/>
+          </a:prstGeom>
+          <a:solidFill>
+            <a:schemeClr val="bg1"/>
+          </a:solidFill>
+        </p:spPr>
+        <p:txBody>
+          <a:bodyPr wrap="square" rtlCol="0">
+            <a:spAutoFit/>
+          </a:bodyPr>
+          <a:lstStyle/>
+          <a:p>
+            <a:r>
+              <a:rPr lang="ko-KR" altLang="en-US" sz="1050" smtClean="0">
+                <a:latin typeface="Yoon 윤고딕 530_TT" panose="02090603020101020101" pitchFamily="18" charset="-127"/>
+                <a:ea typeface="Yoon 윤고딕 530_TT" panose="02090603020101020101" pitchFamily="18" charset="-127"/>
+              </a:rPr>
+              <a:t>이벤트의 마감시간과 제출대상을 선택</a:t>
+            </a:r>
+            <a:endParaRPr lang="ko-KR" altLang="en-US" sz="1050" dirty="0">
+              <a:latin typeface="Yoon 윤고딕 530_TT" panose="02090603020101020101" pitchFamily="18" charset="-127"/>
+              <a:ea typeface="Yoon 윤고딕 530_TT" panose="02090603020101020101" pitchFamily="18" charset="-127"/>
+            </a:endParaRPr>
+          </a:p>
+        </p:txBody>
+      </p:sp>
+    </p:spTree>
+    <p:extLst>
+      <p:ext uri="{BB962C8B-B14F-4D97-AF65-F5344CB8AC3E}">
+        <p14:creationId xmlns:p14="http://schemas.microsoft.com/office/powerpoint/2010/main" val="3384216363"/>
+      </p:ext>
+    </p:extLst>
+  </p:cSld>
+  <p:clrMapOvr>
+    <a:masterClrMapping/>
+  </p:clrMapOvr>
+</p:sld>
+</file>
+
+<file path=ppt/slides/slide16.xml><?xml version="1.0" encoding="utf-8"?>
+<p:sld xmlns:a="http://schemas.openxmlformats.org/drawingml/2006/main" xmlns:r="http://schemas.openxmlformats.org/officeDocument/2006/relationships" xmlns:p="http://schemas.openxmlformats.org/presentationml/2006/main">
+  <p:cSld>
+    <p:spTree>
+      <p:nvGrpSpPr>
+        <p:cNvPr id="1" name=""/>
+        <p:cNvGrpSpPr/>
+        <p:nvPr/>
+      </p:nvGrpSpPr>
+      <p:grpSpPr>
+        <a:xfrm>
+          <a:off x="0" y="0"/>
+          <a:ext cx="0" cy="0"/>
+          <a:chOff x="0" y="0"/>
+          <a:chExt cx="0" cy="0"/>
+        </a:xfrm>
+      </p:grpSpPr>
+      <p:grpSp>
+        <p:nvGrpSpPr>
+          <p:cNvPr id="6" name="그룹 5"/>
+          <p:cNvGrpSpPr/>
+          <p:nvPr/>
+        </p:nvGrpSpPr>
+        <p:grpSpPr>
+          <a:xfrm>
+            <a:off x="10082150" y="226354"/>
+            <a:ext cx="1850739" cy="656709"/>
+            <a:chOff x="1556238" y="1972407"/>
+            <a:chExt cx="3859824" cy="899866"/>
+          </a:xfrm>
+        </p:grpSpPr>
+        <p:sp>
+          <p:nvSpPr>
+            <p:cNvPr id="4" name="TextBox 3"/>
+            <p:cNvSpPr txBox="1"/>
+            <p:nvPr/>
+          </p:nvSpPr>
+          <p:spPr>
+            <a:xfrm>
+              <a:off x="1556238" y="2555972"/>
+              <a:ext cx="3859824" cy="316301"/>
+            </a:xfrm>
+            <a:prstGeom prst="rect">
+              <a:avLst/>
+            </a:prstGeom>
+            <a:noFill/>
+          </p:spPr>
+          <p:txBody>
+            <a:bodyPr wrap="square" rtlCol="0">
+              <a:spAutoFit/>
+            </a:bodyPr>
+            <a:lstStyle/>
+            <a:p>
+              <a:pPr algn="dist"/>
+              <a:r>
+                <a:rPr lang="en-US" altLang="ko-KR" sz="900" dirty="0" smtClean="0">
+                  <a:latin typeface="Yoon 윤고딕 530_TT" panose="02090603020101020101" pitchFamily="18" charset="-127"/>
+                  <a:ea typeface="Yoon 윤고딕 530_TT" panose="02090603020101020101" pitchFamily="18" charset="-127"/>
+                </a:rPr>
+                <a:t>NEXT LECTURE MANAGER</a:t>
+              </a:r>
+              <a:endParaRPr lang="ko-KR" altLang="en-US" sz="900" dirty="0">
+                <a:latin typeface="Yoon 윤고딕 530_TT" panose="02090603020101020101" pitchFamily="18" charset="-127"/>
+                <a:ea typeface="Yoon 윤고딕 530_TT" panose="02090603020101020101" pitchFamily="18" charset="-127"/>
+              </a:endParaRPr>
+            </a:p>
+          </p:txBody>
+        </p:sp>
+        <p:sp>
+          <p:nvSpPr>
+            <p:cNvPr id="5" name="TextBox 4"/>
+            <p:cNvSpPr txBox="1"/>
+            <p:nvPr/>
+          </p:nvSpPr>
+          <p:spPr>
+            <a:xfrm>
+              <a:off x="1556238" y="1972407"/>
+              <a:ext cx="3859824" cy="632605"/>
+            </a:xfrm>
+            <a:prstGeom prst="rect">
+              <a:avLst/>
+            </a:prstGeom>
+            <a:noFill/>
+          </p:spPr>
+          <p:txBody>
+            <a:bodyPr wrap="square" rtlCol="0">
+              <a:spAutoFit/>
+            </a:bodyPr>
+            <a:lstStyle/>
+            <a:p>
+              <a:pPr algn="dist"/>
+              <a:r>
+                <a:rPr lang="en-US" altLang="ko-KR" sz="2400" dirty="0" smtClean="0">
+                  <a:latin typeface="Yoon 윤고딕 530_TT" panose="02090603020101020101" pitchFamily="18" charset="-127"/>
+                  <a:ea typeface="Yoon 윤고딕 530_TT" panose="02090603020101020101" pitchFamily="18" charset="-127"/>
+                </a:rPr>
+                <a:t>NEXUS</a:t>
+              </a:r>
+              <a:endParaRPr lang="ko-KR" altLang="en-US" sz="2400" dirty="0">
+                <a:latin typeface="Yoon 윤고딕 530_TT" panose="02090603020101020101" pitchFamily="18" charset="-127"/>
+                <a:ea typeface="Yoon 윤고딕 530_TT" panose="02090603020101020101" pitchFamily="18" charset="-127"/>
+              </a:endParaRPr>
+            </a:p>
+          </p:txBody>
+        </p:sp>
+      </p:grpSp>
+      <p:sp>
+        <p:nvSpPr>
+          <p:cNvPr id="8" name="TextBox 7"/>
+          <p:cNvSpPr txBox="1"/>
+          <p:nvPr/>
+        </p:nvSpPr>
+        <p:spPr>
+          <a:xfrm>
+            <a:off x="342233" y="883063"/>
+            <a:ext cx="2792854" cy="584775"/>
+          </a:xfrm>
+          <a:prstGeom prst="rect">
+            <a:avLst/>
+          </a:prstGeom>
+          <a:noFill/>
+        </p:spPr>
+        <p:txBody>
+          <a:bodyPr wrap="square" rtlCol="0">
+            <a:spAutoFit/>
+          </a:bodyPr>
+          <a:lstStyle/>
+          <a:p>
+            <a:r>
               <a:rPr lang="en-US" altLang="ko-KR" sz="3200" dirty="0" smtClean="0">
                 <a:latin typeface="Yoon 윤고딕 530_TT" panose="02090603020101020101" pitchFamily="18" charset="-127"/>
                 <a:ea typeface="Yoon 윤고딕 530_TT" panose="02090603020101020101" pitchFamily="18" charset="-127"/>
               </a:rPr>
-              <a:t>2. </a:t>
+              <a:t>4. </a:t>
             </a:r>
             <a:r>
               <a:rPr lang="ko-KR" altLang="en-US" sz="3200" dirty="0" smtClean="0">
                 <a:latin typeface="Yoon 윤고딕 530_TT" panose="02090603020101020101" pitchFamily="18" charset="-127"/>
                 <a:ea typeface="Yoon 윤고딕 530_TT" panose="02090603020101020101" pitchFamily="18" charset="-127"/>
               </a:rPr>
-              <a:t>서비스 사용 설명 </a:t>
-            </a:r>
-            <a:r>
-              <a:rPr lang="en-US" altLang="ko-KR" sz="3200" dirty="0" smtClean="0">
-                <a:latin typeface="Yoon 윤고딕 530_TT" panose="02090603020101020101" pitchFamily="18" charset="-127"/>
-                <a:ea typeface="Yoon 윤고딕 530_TT" panose="02090603020101020101" pitchFamily="18" charset="-127"/>
-              </a:rPr>
-              <a:t>(</a:t>
-            </a:r>
-            <a:r>
-              <a:rPr lang="ko-KR" altLang="en-US" sz="3200" dirty="0" smtClean="0">
-                <a:latin typeface="Yoon 윤고딕 530_TT" panose="02090603020101020101" pitchFamily="18" charset="-127"/>
-                <a:ea typeface="Yoon 윤고딕 530_TT" panose="02090603020101020101" pitchFamily="18" charset="-127"/>
-              </a:rPr>
-              <a:t>데모</a:t>
-            </a:r>
-            <a:r>
-              <a:rPr lang="en-US" altLang="ko-KR" sz="3200" dirty="0" smtClean="0">
-                <a:latin typeface="Yoon 윤고딕 530_TT" panose="02090603020101020101" pitchFamily="18" charset="-127"/>
-                <a:ea typeface="Yoon 윤고딕 530_TT" panose="02090603020101020101" pitchFamily="18" charset="-127"/>
-              </a:rPr>
-              <a:t>)</a:t>
+              <a:t>게시물 작성</a:t>
             </a:r>
             <a:endParaRPr lang="ko-KR" altLang="en-US" sz="3200" dirty="0">
               <a:latin typeface="Yoon 윤고딕 530_TT" panose="02090603020101020101" pitchFamily="18" charset="-127"/>
@@ -5522,14 +5381,14 @@
       </p:sp>
       <p:sp>
         <p:nvSpPr>
-          <p:cNvPr id="23" name="TextBox 22"/>
+          <p:cNvPr id="13" name="TextBox 12"/>
           <p:cNvSpPr txBox="1"/>
           <p:nvPr/>
         </p:nvSpPr>
         <p:spPr>
           <a:xfrm>
-            <a:off x="1434761" y="3978565"/>
-            <a:ext cx="5322299" cy="584775"/>
+            <a:off x="342233" y="1564207"/>
+            <a:ext cx="4348520" cy="400110"/>
           </a:xfrm>
           <a:prstGeom prst="rect">
             <a:avLst/>
@@ -5543,18 +5402,512 @@
           <a:lstStyle/>
           <a:p>
             <a:r>
+              <a:rPr lang="ko-KR" altLang="en-US" sz="2000" dirty="0" smtClean="0">
+                <a:latin typeface="Yoon 윤고딕 530_TT" panose="02090603020101020101" pitchFamily="18" charset="-127"/>
+                <a:ea typeface="Yoon 윤고딕 530_TT" panose="02090603020101020101" pitchFamily="18" charset="-127"/>
+              </a:rPr>
+              <a:t>③ 첨부</a:t>
+            </a:r>
+            <a:endParaRPr lang="ko-KR" altLang="en-US" sz="2000" dirty="0">
+              <a:latin typeface="Yoon 윤고딕 530_TT" panose="02090603020101020101" pitchFamily="18" charset="-127"/>
+              <a:ea typeface="Yoon 윤고딕 530_TT" panose="02090603020101020101" pitchFamily="18" charset="-127"/>
+            </a:endParaRPr>
+          </a:p>
+        </p:txBody>
+      </p:sp>
+      <p:pic>
+        <p:nvPicPr>
+          <p:cNvPr id="2" name="그림 1"/>
+          <p:cNvPicPr>
+            <a:picLocks noChangeAspect="1"/>
+          </p:cNvPicPr>
+          <p:nvPr/>
+        </p:nvPicPr>
+        <p:blipFill>
+          <a:blip r:embed="rId2"/>
+          <a:stretch>
+            <a:fillRect/>
+          </a:stretch>
+        </p:blipFill>
+        <p:spPr>
+          <a:xfrm>
+            <a:off x="389288" y="2286318"/>
+            <a:ext cx="4301465" cy="1668158"/>
+          </a:xfrm>
+          <a:prstGeom prst="rect">
+            <a:avLst/>
+          </a:prstGeom>
+        </p:spPr>
+      </p:pic>
+      <p:sp>
+        <p:nvSpPr>
+          <p:cNvPr id="11" name="TextBox 10"/>
+          <p:cNvSpPr txBox="1"/>
+          <p:nvPr/>
+        </p:nvSpPr>
+        <p:spPr>
+          <a:xfrm>
+            <a:off x="389288" y="2002668"/>
+            <a:ext cx="2817263" cy="253916"/>
+          </a:xfrm>
+          <a:prstGeom prst="rect">
+            <a:avLst/>
+          </a:prstGeom>
+          <a:solidFill>
+            <a:schemeClr val="bg1"/>
+          </a:solidFill>
+        </p:spPr>
+        <p:txBody>
+          <a:bodyPr wrap="square" rtlCol="0">
+            <a:spAutoFit/>
+          </a:bodyPr>
+          <a:lstStyle/>
+          <a:p>
+            <a:r>
+              <a:rPr lang="en-US" altLang="ko-KR" sz="1050" dirty="0" smtClean="0">
+                <a:latin typeface="Yoon 윤고딕 530_TT" panose="02090603020101020101" pitchFamily="18" charset="-127"/>
+                <a:ea typeface="Yoon 윤고딕 530_TT" panose="02090603020101020101" pitchFamily="18" charset="-127"/>
+              </a:rPr>
+              <a:t>[</a:t>
+            </a:r>
+            <a:r>
+              <a:rPr lang="ko-KR" altLang="en-US" sz="1050" dirty="0" smtClean="0">
+                <a:latin typeface="Yoon 윤고딕 530_TT" panose="02090603020101020101" pitchFamily="18" charset="-127"/>
+                <a:ea typeface="Yoon 윤고딕 530_TT" panose="02090603020101020101" pitchFamily="18" charset="-127"/>
+              </a:rPr>
+              <a:t>이미지 첨부</a:t>
+            </a:r>
+            <a:r>
+              <a:rPr lang="en-US" altLang="ko-KR" sz="1050" dirty="0" smtClean="0">
+                <a:latin typeface="Yoon 윤고딕 530_TT" panose="02090603020101020101" pitchFamily="18" charset="-127"/>
+                <a:ea typeface="Yoon 윤고딕 530_TT" panose="02090603020101020101" pitchFamily="18" charset="-127"/>
+              </a:rPr>
+              <a:t>]</a:t>
+            </a:r>
+            <a:endParaRPr lang="ko-KR" altLang="en-US" sz="1050" dirty="0">
+              <a:latin typeface="Yoon 윤고딕 530_TT" panose="02090603020101020101" pitchFamily="18" charset="-127"/>
+              <a:ea typeface="Yoon 윤고딕 530_TT" panose="02090603020101020101" pitchFamily="18" charset="-127"/>
+            </a:endParaRPr>
+          </a:p>
+        </p:txBody>
+      </p:sp>
+      <p:pic>
+        <p:nvPicPr>
+          <p:cNvPr id="10" name="그림 9"/>
+          <p:cNvPicPr>
+            <a:picLocks noChangeAspect="1"/>
+          </p:cNvPicPr>
+          <p:nvPr/>
+        </p:nvPicPr>
+        <p:blipFill>
+          <a:blip r:embed="rId3"/>
+          <a:stretch>
+            <a:fillRect/>
+          </a:stretch>
+        </p:blipFill>
+        <p:spPr>
+          <a:xfrm>
+            <a:off x="5037365" y="883063"/>
+            <a:ext cx="4177888" cy="3349312"/>
+          </a:xfrm>
+          <a:prstGeom prst="rect">
+            <a:avLst/>
+          </a:prstGeom>
+        </p:spPr>
+      </p:pic>
+      <p:sp>
+        <p:nvSpPr>
+          <p:cNvPr id="16" name="TextBox 15"/>
+          <p:cNvSpPr txBox="1"/>
+          <p:nvPr/>
+        </p:nvSpPr>
+        <p:spPr>
+          <a:xfrm>
+            <a:off x="5037365" y="525273"/>
+            <a:ext cx="2817263" cy="253916"/>
+          </a:xfrm>
+          <a:prstGeom prst="rect">
+            <a:avLst/>
+          </a:prstGeom>
+          <a:solidFill>
+            <a:schemeClr val="bg1"/>
+          </a:solidFill>
+        </p:spPr>
+        <p:txBody>
+          <a:bodyPr wrap="square" rtlCol="0">
+            <a:spAutoFit/>
+          </a:bodyPr>
+          <a:lstStyle/>
+          <a:p>
+            <a:r>
+              <a:rPr lang="en-US" altLang="ko-KR" sz="1050" dirty="0" smtClean="0">
+                <a:latin typeface="Yoon 윤고딕 530_TT" panose="02090603020101020101" pitchFamily="18" charset="-127"/>
+                <a:ea typeface="Yoon 윤고딕 530_TT" panose="02090603020101020101" pitchFamily="18" charset="-127"/>
+              </a:rPr>
+              <a:t>[</a:t>
+            </a:r>
+            <a:r>
+              <a:rPr lang="ko-KR" altLang="en-US" sz="1050" dirty="0" smtClean="0">
+                <a:latin typeface="Yoon 윤고딕 530_TT" panose="02090603020101020101" pitchFamily="18" charset="-127"/>
+                <a:ea typeface="Yoon 윤고딕 530_TT" panose="02090603020101020101" pitchFamily="18" charset="-127"/>
+              </a:rPr>
+              <a:t>동영상</a:t>
+            </a:r>
+            <a:r>
+              <a:rPr lang="ko-KR" altLang="en-US" sz="1050" dirty="0" smtClean="0">
+                <a:latin typeface="Yoon 윤고딕 530_TT" panose="02090603020101020101" pitchFamily="18" charset="-127"/>
+                <a:ea typeface="Yoon 윤고딕 530_TT" panose="02090603020101020101" pitchFamily="18" charset="-127"/>
+              </a:rPr>
+              <a:t> 첨부</a:t>
+            </a:r>
+            <a:r>
+              <a:rPr lang="en-US" altLang="ko-KR" sz="1050" dirty="0" smtClean="0">
+                <a:latin typeface="Yoon 윤고딕 530_TT" panose="02090603020101020101" pitchFamily="18" charset="-127"/>
+                <a:ea typeface="Yoon 윤고딕 530_TT" panose="02090603020101020101" pitchFamily="18" charset="-127"/>
+              </a:rPr>
+              <a:t>]</a:t>
+            </a:r>
+            <a:endParaRPr lang="ko-KR" altLang="en-US" sz="1050" dirty="0">
+              <a:latin typeface="Yoon 윤고딕 530_TT" panose="02090603020101020101" pitchFamily="18" charset="-127"/>
+              <a:ea typeface="Yoon 윤고딕 530_TT" panose="02090603020101020101" pitchFamily="18" charset="-127"/>
+            </a:endParaRPr>
+          </a:p>
+        </p:txBody>
+      </p:sp>
+      <p:pic>
+        <p:nvPicPr>
+          <p:cNvPr id="14" name="그림 13"/>
+          <p:cNvPicPr>
+            <a:picLocks noChangeAspect="1"/>
+          </p:cNvPicPr>
+          <p:nvPr/>
+        </p:nvPicPr>
+        <p:blipFill>
+          <a:blip r:embed="rId4"/>
+          <a:stretch>
+            <a:fillRect/>
+          </a:stretch>
+        </p:blipFill>
+        <p:spPr>
+          <a:xfrm>
+            <a:off x="342233" y="4977554"/>
+            <a:ext cx="5215419" cy="1414979"/>
+          </a:xfrm>
+          <a:prstGeom prst="rect">
+            <a:avLst/>
+          </a:prstGeom>
+        </p:spPr>
+      </p:pic>
+      <p:sp>
+        <p:nvSpPr>
+          <p:cNvPr id="17" name="TextBox 16"/>
+          <p:cNvSpPr txBox="1"/>
+          <p:nvPr/>
+        </p:nvSpPr>
+        <p:spPr>
+          <a:xfrm>
+            <a:off x="425282" y="4647245"/>
+            <a:ext cx="2817263" cy="253916"/>
+          </a:xfrm>
+          <a:prstGeom prst="rect">
+            <a:avLst/>
+          </a:prstGeom>
+          <a:solidFill>
+            <a:schemeClr val="bg1"/>
+          </a:solidFill>
+        </p:spPr>
+        <p:txBody>
+          <a:bodyPr wrap="square" rtlCol="0">
+            <a:spAutoFit/>
+          </a:bodyPr>
+          <a:lstStyle/>
+          <a:p>
+            <a:r>
+              <a:rPr lang="en-US" altLang="ko-KR" sz="1050" dirty="0" smtClean="0">
+                <a:latin typeface="Yoon 윤고딕 530_TT" panose="02090603020101020101" pitchFamily="18" charset="-127"/>
+                <a:ea typeface="Yoon 윤고딕 530_TT" panose="02090603020101020101" pitchFamily="18" charset="-127"/>
+              </a:rPr>
+              <a:t>[</a:t>
+            </a:r>
+            <a:r>
+              <a:rPr lang="ko-KR" altLang="en-US" sz="1050" dirty="0" smtClean="0">
+                <a:latin typeface="Yoon 윤고딕 530_TT" panose="02090603020101020101" pitchFamily="18" charset="-127"/>
+                <a:ea typeface="Yoon 윤고딕 530_TT" panose="02090603020101020101" pitchFamily="18" charset="-127"/>
+              </a:rPr>
+              <a:t>이미지 첨부</a:t>
+            </a:r>
+            <a:r>
+              <a:rPr lang="en-US" altLang="ko-KR" sz="1050" dirty="0" smtClean="0">
+                <a:latin typeface="Yoon 윤고딕 530_TT" panose="02090603020101020101" pitchFamily="18" charset="-127"/>
+                <a:ea typeface="Yoon 윤고딕 530_TT" panose="02090603020101020101" pitchFamily="18" charset="-127"/>
+              </a:rPr>
+              <a:t>]</a:t>
+            </a:r>
+            <a:endParaRPr lang="ko-KR" altLang="en-US" sz="1050" dirty="0">
+              <a:latin typeface="Yoon 윤고딕 530_TT" panose="02090603020101020101" pitchFamily="18" charset="-127"/>
+              <a:ea typeface="Yoon 윤고딕 530_TT" panose="02090603020101020101" pitchFamily="18" charset="-127"/>
+            </a:endParaRPr>
+          </a:p>
+        </p:txBody>
+      </p:sp>
+      <p:pic>
+        <p:nvPicPr>
+          <p:cNvPr id="18" name="그림 17"/>
+          <p:cNvPicPr>
+            <a:picLocks noChangeAspect="1"/>
+          </p:cNvPicPr>
+          <p:nvPr/>
+        </p:nvPicPr>
+        <p:blipFill>
+          <a:blip r:embed="rId5"/>
+          <a:stretch>
+            <a:fillRect/>
+          </a:stretch>
+        </p:blipFill>
+        <p:spPr>
+          <a:xfrm>
+            <a:off x="5557652" y="4646818"/>
+            <a:ext cx="1247775" cy="2076450"/>
+          </a:xfrm>
+          <a:prstGeom prst="rect">
+            <a:avLst/>
+          </a:prstGeom>
+        </p:spPr>
+      </p:pic>
+      <p:sp>
+        <p:nvSpPr>
+          <p:cNvPr id="19" name="TextBox 18"/>
+          <p:cNvSpPr txBox="1"/>
+          <p:nvPr/>
+        </p:nvSpPr>
+        <p:spPr>
+          <a:xfrm>
+            <a:off x="6644674" y="5865462"/>
+            <a:ext cx="2817263" cy="253916"/>
+          </a:xfrm>
+          <a:prstGeom prst="rect">
+            <a:avLst/>
+          </a:prstGeom>
+          <a:solidFill>
+            <a:schemeClr val="bg1"/>
+          </a:solidFill>
+        </p:spPr>
+        <p:txBody>
+          <a:bodyPr wrap="square" rtlCol="0">
+            <a:spAutoFit/>
+          </a:bodyPr>
+          <a:lstStyle/>
+          <a:p>
+            <a:r>
+              <a:rPr lang="en-US" altLang="ko-KR" sz="1050" dirty="0" smtClean="0">
+                <a:latin typeface="Yoon 윤고딕 530_TT" panose="02090603020101020101" pitchFamily="18" charset="-127"/>
+                <a:ea typeface="Yoon 윤고딕 530_TT" panose="02090603020101020101" pitchFamily="18" charset="-127"/>
+              </a:rPr>
+              <a:t>[pdf, </a:t>
+            </a:r>
+            <a:r>
+              <a:rPr lang="en-US" altLang="ko-KR" sz="1050" dirty="0" err="1" smtClean="0">
+                <a:latin typeface="Yoon 윤고딕 530_TT" panose="02090603020101020101" pitchFamily="18" charset="-127"/>
+                <a:ea typeface="Yoon 윤고딕 530_TT" panose="02090603020101020101" pitchFamily="18" charset="-127"/>
+              </a:rPr>
+              <a:t>ppt</a:t>
+            </a:r>
+            <a:r>
+              <a:rPr lang="en-US" altLang="ko-KR" sz="1050" dirty="0" smtClean="0">
+                <a:latin typeface="Yoon 윤고딕 530_TT" panose="02090603020101020101" pitchFamily="18" charset="-127"/>
+                <a:ea typeface="Yoon 윤고딕 530_TT" panose="02090603020101020101" pitchFamily="18" charset="-127"/>
+              </a:rPr>
+              <a:t>, word, excel</a:t>
+            </a:r>
+            <a:r>
+              <a:rPr lang="ko-KR" altLang="en-US" sz="1050" dirty="0" smtClean="0">
+                <a:latin typeface="Yoon 윤고딕 530_TT" panose="02090603020101020101" pitchFamily="18" charset="-127"/>
+                <a:ea typeface="Yoon 윤고딕 530_TT" panose="02090603020101020101" pitchFamily="18" charset="-127"/>
+              </a:rPr>
+              <a:t>유형 </a:t>
+            </a:r>
+            <a:r>
+              <a:rPr lang="ko-KR" altLang="en-US" sz="1050" dirty="0" err="1" smtClean="0">
+                <a:latin typeface="Yoon 윤고딕 530_TT" panose="02090603020101020101" pitchFamily="18" charset="-127"/>
+                <a:ea typeface="Yoon 윤고딕 530_TT" panose="02090603020101020101" pitchFamily="18" charset="-127"/>
+              </a:rPr>
+              <a:t>미리보기</a:t>
+            </a:r>
+            <a:r>
+              <a:rPr lang="ko-KR" altLang="en-US" sz="1050" dirty="0" smtClean="0">
+                <a:latin typeface="Yoon 윤고딕 530_TT" panose="02090603020101020101" pitchFamily="18" charset="-127"/>
+                <a:ea typeface="Yoon 윤고딕 530_TT" panose="02090603020101020101" pitchFamily="18" charset="-127"/>
+              </a:rPr>
+              <a:t> 첨부가능</a:t>
+            </a:r>
+            <a:r>
+              <a:rPr lang="en-US" altLang="ko-KR" sz="1050" dirty="0" smtClean="0">
+                <a:latin typeface="Yoon 윤고딕 530_TT" panose="02090603020101020101" pitchFamily="18" charset="-127"/>
+                <a:ea typeface="Yoon 윤고딕 530_TT" panose="02090603020101020101" pitchFamily="18" charset="-127"/>
+              </a:rPr>
+              <a:t>]</a:t>
+            </a:r>
+            <a:endParaRPr lang="ko-KR" altLang="en-US" sz="1050" dirty="0">
+              <a:latin typeface="Yoon 윤고딕 530_TT" panose="02090603020101020101" pitchFamily="18" charset="-127"/>
+              <a:ea typeface="Yoon 윤고딕 530_TT" panose="02090603020101020101" pitchFamily="18" charset="-127"/>
+            </a:endParaRPr>
+          </a:p>
+        </p:txBody>
+      </p:sp>
+    </p:spTree>
+    <p:extLst>
+      <p:ext uri="{BB962C8B-B14F-4D97-AF65-F5344CB8AC3E}">
+        <p14:creationId xmlns:p14="http://schemas.microsoft.com/office/powerpoint/2010/main" val="843608814"/>
+      </p:ext>
+    </p:extLst>
+  </p:cSld>
+  <p:clrMapOvr>
+    <a:masterClrMapping/>
+  </p:clrMapOvr>
+</p:sld>
+</file>
+
+<file path=ppt/slides/slide17.xml><?xml version="1.0" encoding="utf-8"?>
+<p:sld xmlns:a="http://schemas.openxmlformats.org/drawingml/2006/main" xmlns:r="http://schemas.openxmlformats.org/officeDocument/2006/relationships" xmlns:p="http://schemas.openxmlformats.org/presentationml/2006/main">
+  <p:cSld>
+    <p:spTree>
+      <p:nvGrpSpPr>
+        <p:cNvPr id="1" name=""/>
+        <p:cNvGrpSpPr/>
+        <p:nvPr/>
+      </p:nvGrpSpPr>
+      <p:grpSpPr>
+        <a:xfrm>
+          <a:off x="0" y="0"/>
+          <a:ext cx="0" cy="0"/>
+          <a:chOff x="0" y="0"/>
+          <a:chExt cx="0" cy="0"/>
+        </a:xfrm>
+      </p:grpSpPr>
+      <p:grpSp>
+        <p:nvGrpSpPr>
+          <p:cNvPr id="6" name="그룹 5"/>
+          <p:cNvGrpSpPr/>
+          <p:nvPr/>
+        </p:nvGrpSpPr>
+        <p:grpSpPr>
+          <a:xfrm>
+            <a:off x="10082150" y="226354"/>
+            <a:ext cx="1850739" cy="656709"/>
+            <a:chOff x="1556238" y="1972407"/>
+            <a:chExt cx="3859824" cy="899866"/>
+          </a:xfrm>
+        </p:grpSpPr>
+        <p:sp>
+          <p:nvSpPr>
+            <p:cNvPr id="4" name="TextBox 3"/>
+            <p:cNvSpPr txBox="1"/>
+            <p:nvPr/>
+          </p:nvSpPr>
+          <p:spPr>
+            <a:xfrm>
+              <a:off x="1556238" y="2555972"/>
+              <a:ext cx="3859824" cy="316301"/>
+            </a:xfrm>
+            <a:prstGeom prst="rect">
+              <a:avLst/>
+            </a:prstGeom>
+            <a:noFill/>
+          </p:spPr>
+          <p:txBody>
+            <a:bodyPr wrap="square" rtlCol="0">
+              <a:spAutoFit/>
+            </a:bodyPr>
+            <a:lstStyle/>
+            <a:p>
+              <a:pPr algn="dist"/>
+              <a:r>
+                <a:rPr lang="en-US" altLang="ko-KR" sz="900" dirty="0" smtClean="0">
+                  <a:latin typeface="Yoon 윤고딕 530_TT" panose="02090603020101020101" pitchFamily="18" charset="-127"/>
+                  <a:ea typeface="Yoon 윤고딕 530_TT" panose="02090603020101020101" pitchFamily="18" charset="-127"/>
+                </a:rPr>
+                <a:t>NEXT LECTURE MANAGER</a:t>
+              </a:r>
+              <a:endParaRPr lang="ko-KR" altLang="en-US" sz="900" dirty="0">
+                <a:latin typeface="Yoon 윤고딕 530_TT" panose="02090603020101020101" pitchFamily="18" charset="-127"/>
+                <a:ea typeface="Yoon 윤고딕 530_TT" panose="02090603020101020101" pitchFamily="18" charset="-127"/>
+              </a:endParaRPr>
+            </a:p>
+          </p:txBody>
+        </p:sp>
+        <p:sp>
+          <p:nvSpPr>
+            <p:cNvPr id="5" name="TextBox 4"/>
+            <p:cNvSpPr txBox="1"/>
+            <p:nvPr/>
+          </p:nvSpPr>
+          <p:spPr>
+            <a:xfrm>
+              <a:off x="1556238" y="1972407"/>
+              <a:ext cx="3859824" cy="632605"/>
+            </a:xfrm>
+            <a:prstGeom prst="rect">
+              <a:avLst/>
+            </a:prstGeom>
+            <a:noFill/>
+          </p:spPr>
+          <p:txBody>
+            <a:bodyPr wrap="square" rtlCol="0">
+              <a:spAutoFit/>
+            </a:bodyPr>
+            <a:lstStyle/>
+            <a:p>
+              <a:pPr algn="dist"/>
+              <a:r>
+                <a:rPr lang="en-US" altLang="ko-KR" sz="2400" dirty="0" smtClean="0">
+                  <a:latin typeface="Yoon 윤고딕 530_TT" panose="02090603020101020101" pitchFamily="18" charset="-127"/>
+                  <a:ea typeface="Yoon 윤고딕 530_TT" panose="02090603020101020101" pitchFamily="18" charset="-127"/>
+                </a:rPr>
+                <a:t>NEXUS</a:t>
+              </a:r>
+              <a:endParaRPr lang="ko-KR" altLang="en-US" sz="2400" dirty="0">
+                <a:latin typeface="Yoon 윤고딕 530_TT" panose="02090603020101020101" pitchFamily="18" charset="-127"/>
+                <a:ea typeface="Yoon 윤고딕 530_TT" panose="02090603020101020101" pitchFamily="18" charset="-127"/>
+              </a:endParaRPr>
+            </a:p>
+          </p:txBody>
+        </p:sp>
+      </p:grpSp>
+      <p:sp>
+        <p:nvSpPr>
+          <p:cNvPr id="8" name="TextBox 7"/>
+          <p:cNvSpPr txBox="1"/>
+          <p:nvPr/>
+        </p:nvSpPr>
+        <p:spPr>
+          <a:xfrm>
+            <a:off x="342233" y="883063"/>
+            <a:ext cx="2792854" cy="584775"/>
+          </a:xfrm>
+          <a:prstGeom prst="rect">
+            <a:avLst/>
+          </a:prstGeom>
+          <a:noFill/>
+        </p:spPr>
+        <p:txBody>
+          <a:bodyPr wrap="square" rtlCol="0">
+            <a:spAutoFit/>
+          </a:bodyPr>
+          <a:lstStyle/>
+          <a:p>
+            <a:r>
               <a:rPr lang="en-US" altLang="ko-KR" sz="3200" dirty="0" smtClean="0">
                 <a:latin typeface="Yoon 윤고딕 530_TT" panose="02090603020101020101" pitchFamily="18" charset="-127"/>
                 <a:ea typeface="Yoon 윤고딕 530_TT" panose="02090603020101020101" pitchFamily="18" charset="-127"/>
               </a:rPr>
-              <a:t>3. </a:t>
+              <a:t>4. </a:t>
             </a:r>
             <a:r>
               <a:rPr lang="ko-KR" altLang="en-US" sz="3200" dirty="0" smtClean="0">
                 <a:latin typeface="Yoon 윤고딕 530_TT" panose="02090603020101020101" pitchFamily="18" charset="-127"/>
                 <a:ea typeface="Yoon 윤고딕 530_TT" panose="02090603020101020101" pitchFamily="18" charset="-127"/>
               </a:rPr>
-              <a:t>사용된 기술</a:t>
+              <a:t>게시물 작성</a:t>
             </a:r>
             <a:endParaRPr lang="ko-KR" altLang="en-US" sz="3200" dirty="0">
               <a:latin typeface="Yoon 윤고딕 530_TT" panose="02090603020101020101" pitchFamily="18" charset="-127"/>
@@ -5563,10 +5916,2416 @@
           </a:p>
         </p:txBody>
       </p:sp>
+      <p:pic>
+        <p:nvPicPr>
+          <p:cNvPr id="3" name="그림 2"/>
+          <p:cNvPicPr>
+            <a:picLocks noChangeAspect="1"/>
+          </p:cNvPicPr>
+          <p:nvPr/>
+        </p:nvPicPr>
+        <p:blipFill rotWithShape="1">
+          <a:blip r:embed="rId2"/>
+          <a:srcRect t="6114"/>
+          <a:stretch/>
+        </p:blipFill>
+        <p:spPr>
+          <a:xfrm>
+            <a:off x="449110" y="2011817"/>
+            <a:ext cx="3143250" cy="1895844"/>
+          </a:xfrm>
+          <a:prstGeom prst="rect">
+            <a:avLst/>
+          </a:prstGeom>
+        </p:spPr>
+      </p:pic>
+      <p:sp>
+        <p:nvSpPr>
+          <p:cNvPr id="20" name="TextBox 19"/>
+          <p:cNvSpPr txBox="1"/>
+          <p:nvPr/>
+        </p:nvSpPr>
+        <p:spPr>
+          <a:xfrm>
+            <a:off x="2020735" y="3164164"/>
+            <a:ext cx="2817263" cy="253916"/>
+          </a:xfrm>
+          <a:prstGeom prst="rect">
+            <a:avLst/>
+          </a:prstGeom>
+          <a:solidFill>
+            <a:schemeClr val="bg1"/>
+          </a:solidFill>
+        </p:spPr>
+        <p:txBody>
+          <a:bodyPr wrap="square" rtlCol="0">
+            <a:spAutoFit/>
+          </a:bodyPr>
+          <a:lstStyle/>
+          <a:p>
+            <a:r>
+              <a:rPr lang="en-US" altLang="ko-KR" sz="1050" dirty="0" smtClean="0">
+                <a:latin typeface="Yoon 윤고딕 530_TT" panose="02090603020101020101" pitchFamily="18" charset="-127"/>
+                <a:ea typeface="Yoon 윤고딕 530_TT" panose="02090603020101020101" pitchFamily="18" charset="-127"/>
+              </a:rPr>
+              <a:t>[</a:t>
+            </a:r>
+            <a:r>
+              <a:rPr lang="ko-KR" altLang="en-US" sz="1050" dirty="0" smtClean="0">
+                <a:latin typeface="Yoon 윤고딕 530_TT" panose="02090603020101020101" pitchFamily="18" charset="-127"/>
+                <a:ea typeface="Yoon 윤고딕 530_TT" panose="02090603020101020101" pitchFamily="18" charset="-127"/>
+              </a:rPr>
+              <a:t>선택 시 태그 태그 업데이트 막힘</a:t>
+            </a:r>
+            <a:r>
+              <a:rPr lang="en-US" altLang="ko-KR" sz="1050" dirty="0" smtClean="0">
+                <a:latin typeface="Yoon 윤고딕 530_TT" panose="02090603020101020101" pitchFamily="18" charset="-127"/>
+                <a:ea typeface="Yoon 윤고딕 530_TT" panose="02090603020101020101" pitchFamily="18" charset="-127"/>
+              </a:rPr>
+              <a:t>]</a:t>
+            </a:r>
+            <a:endParaRPr lang="ko-KR" altLang="en-US" sz="1050" dirty="0">
+              <a:latin typeface="Yoon 윤고딕 530_TT" panose="02090603020101020101" pitchFamily="18" charset="-127"/>
+              <a:ea typeface="Yoon 윤고딕 530_TT" panose="02090603020101020101" pitchFamily="18" charset="-127"/>
+            </a:endParaRPr>
+          </a:p>
+        </p:txBody>
+      </p:sp>
+      <p:sp>
+        <p:nvSpPr>
+          <p:cNvPr id="21" name="TextBox 20"/>
+          <p:cNvSpPr txBox="1"/>
+          <p:nvPr/>
+        </p:nvSpPr>
+        <p:spPr>
+          <a:xfrm>
+            <a:off x="2806548" y="3535912"/>
+            <a:ext cx="2817263" cy="253916"/>
+          </a:xfrm>
+          <a:prstGeom prst="rect">
+            <a:avLst/>
+          </a:prstGeom>
+          <a:solidFill>
+            <a:schemeClr val="bg1"/>
+          </a:solidFill>
+        </p:spPr>
+        <p:txBody>
+          <a:bodyPr wrap="square" rtlCol="0">
+            <a:spAutoFit/>
+          </a:bodyPr>
+          <a:lstStyle/>
+          <a:p>
+            <a:r>
+              <a:rPr lang="en-US" altLang="ko-KR" sz="1050" dirty="0" smtClean="0">
+                <a:latin typeface="Yoon 윤고딕 530_TT" panose="02090603020101020101" pitchFamily="18" charset="-127"/>
+                <a:ea typeface="Yoon 윤고딕 530_TT" panose="02090603020101020101" pitchFamily="18" charset="-127"/>
+              </a:rPr>
+              <a:t>[</a:t>
+            </a:r>
+            <a:r>
+              <a:rPr lang="ko-KR" altLang="en-US" sz="1050" dirty="0" smtClean="0">
+                <a:latin typeface="Yoon 윤고딕 530_TT" panose="02090603020101020101" pitchFamily="18" charset="-127"/>
+                <a:ea typeface="Yoon 윤고딕 530_TT" panose="02090603020101020101" pitchFamily="18" charset="-127"/>
+              </a:rPr>
+              <a:t>선택 시 관계 설정 업데이트 막힘</a:t>
+            </a:r>
+            <a:r>
+              <a:rPr lang="en-US" altLang="ko-KR" sz="1050" dirty="0" smtClean="0">
+                <a:latin typeface="Yoon 윤고딕 530_TT" panose="02090603020101020101" pitchFamily="18" charset="-127"/>
+                <a:ea typeface="Yoon 윤고딕 530_TT" panose="02090603020101020101" pitchFamily="18" charset="-127"/>
+              </a:rPr>
+              <a:t>]</a:t>
+            </a:r>
+            <a:endParaRPr lang="ko-KR" altLang="en-US" sz="1050" dirty="0">
+              <a:latin typeface="Yoon 윤고딕 530_TT" panose="02090603020101020101" pitchFamily="18" charset="-127"/>
+              <a:ea typeface="Yoon 윤고딕 530_TT" panose="02090603020101020101" pitchFamily="18" charset="-127"/>
+            </a:endParaRPr>
+          </a:p>
+        </p:txBody>
+      </p:sp>
+      <p:sp>
+        <p:nvSpPr>
+          <p:cNvPr id="22" name="TextBox 21"/>
+          <p:cNvSpPr txBox="1"/>
+          <p:nvPr/>
+        </p:nvSpPr>
+        <p:spPr>
+          <a:xfrm>
+            <a:off x="342232" y="1564207"/>
+            <a:ext cx="11849767" cy="400110"/>
+          </a:xfrm>
+          <a:prstGeom prst="rect">
+            <a:avLst/>
+          </a:prstGeom>
+          <a:noFill/>
+        </p:spPr>
+        <p:txBody>
+          <a:bodyPr wrap="square" rtlCol="0">
+            <a:spAutoFit/>
+          </a:bodyPr>
+          <a:lstStyle/>
+          <a:p>
+            <a:r>
+              <a:rPr lang="ko-KR" altLang="en-US" sz="2000" dirty="0" smtClean="0">
+                <a:latin typeface="Yoon 윤고딕 530_TT" panose="02090603020101020101" pitchFamily="18" charset="-127"/>
+                <a:ea typeface="Yoon 윤고딕 530_TT" panose="02090603020101020101" pitchFamily="18" charset="-127"/>
+              </a:rPr>
+              <a:t>④ 연관게시물</a:t>
+            </a:r>
+            <a:r>
+              <a:rPr lang="en-US" altLang="ko-KR" sz="2000" dirty="0" smtClean="0">
+                <a:latin typeface="Yoon 윤고딕 530_TT" panose="02090603020101020101" pitchFamily="18" charset="-127"/>
+                <a:ea typeface="Yoon 윤고딕 530_TT" panose="02090603020101020101" pitchFamily="18" charset="-127"/>
+              </a:rPr>
+              <a:t> </a:t>
+            </a:r>
+            <a:r>
+              <a:rPr lang="ko-KR" altLang="en-US" sz="2000" dirty="0" smtClean="0">
+                <a:latin typeface="Yoon 윤고딕 530_TT" panose="02090603020101020101" pitchFamily="18" charset="-127"/>
+                <a:ea typeface="Yoon 윤고딕 530_TT" panose="02090603020101020101" pitchFamily="18" charset="-127"/>
+              </a:rPr>
+              <a:t>설정</a:t>
+            </a:r>
+            <a:endParaRPr lang="ko-KR" altLang="en-US" sz="1600" dirty="0">
+              <a:latin typeface="Yoon 윤고딕 530_TT" panose="02090603020101020101" pitchFamily="18" charset="-127"/>
+              <a:ea typeface="Yoon 윤고딕 530_TT" panose="02090603020101020101" pitchFamily="18" charset="-127"/>
+            </a:endParaRPr>
+          </a:p>
+        </p:txBody>
+      </p:sp>
+      <p:pic>
+        <p:nvPicPr>
+          <p:cNvPr id="7" name="그림 6"/>
+          <p:cNvPicPr>
+            <a:picLocks noChangeAspect="1"/>
+          </p:cNvPicPr>
+          <p:nvPr/>
+        </p:nvPicPr>
+        <p:blipFill>
+          <a:blip r:embed="rId3"/>
+          <a:stretch>
+            <a:fillRect/>
+          </a:stretch>
+        </p:blipFill>
+        <p:spPr>
+          <a:xfrm>
+            <a:off x="449110" y="4025493"/>
+            <a:ext cx="6248573" cy="2136818"/>
+          </a:xfrm>
+          <a:prstGeom prst="rect">
+            <a:avLst/>
+          </a:prstGeom>
+        </p:spPr>
+      </p:pic>
+      <p:sp>
+        <p:nvSpPr>
+          <p:cNvPr id="23" name="TextBox 22"/>
+          <p:cNvSpPr txBox="1"/>
+          <p:nvPr/>
+        </p:nvSpPr>
+        <p:spPr>
+          <a:xfrm>
+            <a:off x="449110" y="4287496"/>
+            <a:ext cx="4348520" cy="400110"/>
+          </a:xfrm>
+          <a:prstGeom prst="rect">
+            <a:avLst/>
+          </a:prstGeom>
+          <a:noFill/>
+        </p:spPr>
+        <p:txBody>
+          <a:bodyPr wrap="square" rtlCol="0">
+            <a:spAutoFit/>
+          </a:bodyPr>
+          <a:lstStyle/>
+          <a:p>
+            <a:r>
+              <a:rPr lang="ko-KR" altLang="en-US" sz="2000" dirty="0" err="1" smtClean="0">
+                <a:latin typeface="Yoon 윤고딕 530_TT" panose="02090603020101020101" pitchFamily="18" charset="-127"/>
+                <a:ea typeface="Yoon 윤고딕 530_TT" panose="02090603020101020101" pitchFamily="18" charset="-127"/>
+              </a:rPr>
+              <a:t>컨텐츠</a:t>
+            </a:r>
+            <a:r>
+              <a:rPr lang="ko-KR" altLang="en-US" sz="2000" dirty="0" smtClean="0">
+                <a:latin typeface="Yoon 윤고딕 530_TT" panose="02090603020101020101" pitchFamily="18" charset="-127"/>
+                <a:ea typeface="Yoon 윤고딕 530_TT" panose="02090603020101020101" pitchFamily="18" charset="-127"/>
+              </a:rPr>
+              <a:t> 연관 관계 설정</a:t>
+            </a:r>
+            <a:endParaRPr lang="ko-KR" altLang="en-US" sz="2000" dirty="0">
+              <a:latin typeface="Yoon 윤고딕 530_TT" panose="02090603020101020101" pitchFamily="18" charset="-127"/>
+              <a:ea typeface="Yoon 윤고딕 530_TT" panose="02090603020101020101" pitchFamily="18" charset="-127"/>
+            </a:endParaRPr>
+          </a:p>
+        </p:txBody>
+      </p:sp>
+      <p:sp>
+        <p:nvSpPr>
+          <p:cNvPr id="24" name="TextBox 23"/>
+          <p:cNvSpPr txBox="1"/>
+          <p:nvPr/>
+        </p:nvSpPr>
+        <p:spPr>
+          <a:xfrm>
+            <a:off x="739166" y="6090199"/>
+            <a:ext cx="5352876" cy="307777"/>
+          </a:xfrm>
+          <a:prstGeom prst="rect">
+            <a:avLst/>
+          </a:prstGeom>
+          <a:noFill/>
+        </p:spPr>
+        <p:txBody>
+          <a:bodyPr wrap="square" rtlCol="0">
+            <a:spAutoFit/>
+          </a:bodyPr>
+          <a:lstStyle/>
+          <a:p>
+            <a:r>
+              <a:rPr lang="en-US" altLang="ko-KR" sz="1400" dirty="0" smtClean="0">
+                <a:latin typeface="Yoon 윤고딕 530_TT" panose="02090603020101020101" pitchFamily="18" charset="-127"/>
+                <a:ea typeface="Yoon 윤고딕 530_TT" panose="02090603020101020101" pitchFamily="18" charset="-127"/>
+              </a:rPr>
+              <a:t>[</a:t>
+            </a:r>
+            <a:r>
+              <a:rPr lang="ko-KR" altLang="en-US" sz="1400" dirty="0" smtClean="0">
+                <a:latin typeface="Yoon 윤고딕 530_TT" panose="02090603020101020101" pitchFamily="18" charset="-127"/>
+                <a:ea typeface="Yoon 윤고딕 530_TT" panose="02090603020101020101" pitchFamily="18" charset="-127"/>
+              </a:rPr>
+              <a:t>같은 강의 내 </a:t>
+            </a:r>
+            <a:r>
+              <a:rPr lang="ko-KR" altLang="en-US" sz="1400" dirty="0" err="1" smtClean="0">
+                <a:latin typeface="Yoon 윤고딕 530_TT" panose="02090603020101020101" pitchFamily="18" charset="-127"/>
+                <a:ea typeface="Yoon 윤고딕 530_TT" panose="02090603020101020101" pitchFamily="18" charset="-127"/>
+              </a:rPr>
+              <a:t>컨텐츠</a:t>
+            </a:r>
+            <a:r>
+              <a:rPr lang="ko-KR" altLang="en-US" sz="1400" dirty="0" smtClean="0">
+                <a:latin typeface="Yoon 윤고딕 530_TT" panose="02090603020101020101" pitchFamily="18" charset="-127"/>
+                <a:ea typeface="Yoon 윤고딕 530_TT" panose="02090603020101020101" pitchFamily="18" charset="-127"/>
+              </a:rPr>
+              <a:t> 중 연관관계 설정 완료 되지 않은 게시물 검색</a:t>
+            </a:r>
+            <a:r>
+              <a:rPr lang="en-US" altLang="ko-KR" sz="1400" dirty="0" smtClean="0">
+                <a:latin typeface="Yoon 윤고딕 530_TT" panose="02090603020101020101" pitchFamily="18" charset="-127"/>
+                <a:ea typeface="Yoon 윤고딕 530_TT" panose="02090603020101020101" pitchFamily="18" charset="-127"/>
+              </a:rPr>
+              <a:t>]</a:t>
+            </a:r>
+            <a:endParaRPr lang="ko-KR" altLang="en-US" sz="1400" dirty="0">
+              <a:latin typeface="Yoon 윤고딕 530_TT" panose="02090603020101020101" pitchFamily="18" charset="-127"/>
+              <a:ea typeface="Yoon 윤고딕 530_TT" panose="02090603020101020101" pitchFamily="18" charset="-127"/>
+            </a:endParaRPr>
+          </a:p>
+        </p:txBody>
+      </p:sp>
+      <p:sp>
+        <p:nvSpPr>
+          <p:cNvPr id="26" name="TextBox 25"/>
+          <p:cNvSpPr txBox="1"/>
+          <p:nvPr/>
+        </p:nvSpPr>
+        <p:spPr>
+          <a:xfrm>
+            <a:off x="6092042" y="1564207"/>
+            <a:ext cx="2876887" cy="400110"/>
+          </a:xfrm>
+          <a:prstGeom prst="rect">
+            <a:avLst/>
+          </a:prstGeom>
+          <a:noFill/>
+        </p:spPr>
+        <p:txBody>
+          <a:bodyPr wrap="square" rtlCol="0">
+            <a:spAutoFit/>
+          </a:bodyPr>
+          <a:lstStyle/>
+          <a:p>
+            <a:r>
+              <a:rPr lang="ko-KR" altLang="en-US" sz="2000" dirty="0" smtClean="0">
+                <a:latin typeface="Yoon 윤고딕 530_TT" panose="02090603020101020101" pitchFamily="18" charset="-127"/>
+                <a:ea typeface="Yoon 윤고딕 530_TT" panose="02090603020101020101" pitchFamily="18" charset="-127"/>
+              </a:rPr>
+              <a:t>⑤ 태그 </a:t>
+            </a:r>
+            <a:r>
+              <a:rPr lang="ko-KR" altLang="en-US" sz="2000" dirty="0" smtClean="0">
+                <a:latin typeface="Yoon 윤고딕 530_TT" panose="02090603020101020101" pitchFamily="18" charset="-127"/>
+                <a:ea typeface="Yoon 윤고딕 530_TT" panose="02090603020101020101" pitchFamily="18" charset="-127"/>
+              </a:rPr>
+              <a:t>설정</a:t>
+            </a:r>
+            <a:endParaRPr lang="ko-KR" altLang="en-US" sz="1600" dirty="0">
+              <a:latin typeface="Yoon 윤고딕 530_TT" panose="02090603020101020101" pitchFamily="18" charset="-127"/>
+              <a:ea typeface="Yoon 윤고딕 530_TT" panose="02090603020101020101" pitchFamily="18" charset="-127"/>
+            </a:endParaRPr>
+          </a:p>
+        </p:txBody>
+      </p:sp>
+      <p:pic>
+        <p:nvPicPr>
+          <p:cNvPr id="27" name="그림 26"/>
+          <p:cNvPicPr>
+            <a:picLocks noChangeAspect="1"/>
+          </p:cNvPicPr>
+          <p:nvPr/>
+        </p:nvPicPr>
+        <p:blipFill>
+          <a:blip r:embed="rId4"/>
+          <a:stretch>
+            <a:fillRect/>
+          </a:stretch>
+        </p:blipFill>
+        <p:spPr>
+          <a:xfrm>
+            <a:off x="5806869" y="2099578"/>
+            <a:ext cx="5200650" cy="1524000"/>
+          </a:xfrm>
+          <a:prstGeom prst="rect">
+            <a:avLst/>
+          </a:prstGeom>
+        </p:spPr>
+      </p:pic>
+    </p:spTree>
+    <p:extLst>
+      <p:ext uri="{BB962C8B-B14F-4D97-AF65-F5344CB8AC3E}">
+        <p14:creationId xmlns:p14="http://schemas.microsoft.com/office/powerpoint/2010/main" val="1306456429"/>
+      </p:ext>
+    </p:extLst>
+  </p:cSld>
+  <p:clrMapOvr>
+    <a:masterClrMapping/>
+  </p:clrMapOvr>
+</p:sld>
+</file>
+
+<file path=ppt/slides/slide18.xml><?xml version="1.0" encoding="utf-8"?>
+<p:sld xmlns:a="http://schemas.openxmlformats.org/drawingml/2006/main" xmlns:r="http://schemas.openxmlformats.org/officeDocument/2006/relationships" xmlns:p="http://schemas.openxmlformats.org/presentationml/2006/main">
+  <p:cSld>
+    <p:spTree>
+      <p:nvGrpSpPr>
+        <p:cNvPr id="1" name=""/>
+        <p:cNvGrpSpPr/>
+        <p:nvPr/>
+      </p:nvGrpSpPr>
+      <p:grpSpPr>
+        <a:xfrm>
+          <a:off x="0" y="0"/>
+          <a:ext cx="0" cy="0"/>
+          <a:chOff x="0" y="0"/>
+          <a:chExt cx="0" cy="0"/>
+        </a:xfrm>
+      </p:grpSpPr>
+      <p:grpSp>
+        <p:nvGrpSpPr>
+          <p:cNvPr id="6" name="그룹 5"/>
+          <p:cNvGrpSpPr/>
+          <p:nvPr/>
+        </p:nvGrpSpPr>
+        <p:grpSpPr>
+          <a:xfrm>
+            <a:off x="10082150" y="226354"/>
+            <a:ext cx="1850739" cy="656709"/>
+            <a:chOff x="1556238" y="1972407"/>
+            <a:chExt cx="3859824" cy="899866"/>
+          </a:xfrm>
+        </p:grpSpPr>
+        <p:sp>
+          <p:nvSpPr>
+            <p:cNvPr id="4" name="TextBox 3"/>
+            <p:cNvSpPr txBox="1"/>
+            <p:nvPr/>
+          </p:nvSpPr>
+          <p:spPr>
+            <a:xfrm>
+              <a:off x="1556238" y="2555972"/>
+              <a:ext cx="3859824" cy="316301"/>
+            </a:xfrm>
+            <a:prstGeom prst="rect">
+              <a:avLst/>
+            </a:prstGeom>
+            <a:noFill/>
+          </p:spPr>
+          <p:txBody>
+            <a:bodyPr wrap="square" rtlCol="0">
+              <a:spAutoFit/>
+            </a:bodyPr>
+            <a:lstStyle/>
+            <a:p>
+              <a:pPr algn="dist"/>
+              <a:r>
+                <a:rPr lang="en-US" altLang="ko-KR" sz="900" dirty="0" smtClean="0">
+                  <a:latin typeface="Yoon 윤고딕 530_TT" panose="02090603020101020101" pitchFamily="18" charset="-127"/>
+                  <a:ea typeface="Yoon 윤고딕 530_TT" panose="02090603020101020101" pitchFamily="18" charset="-127"/>
+                </a:rPr>
+                <a:t>NEXT LECTURE MANAGER</a:t>
+              </a:r>
+              <a:endParaRPr lang="ko-KR" altLang="en-US" sz="900" dirty="0">
+                <a:latin typeface="Yoon 윤고딕 530_TT" panose="02090603020101020101" pitchFamily="18" charset="-127"/>
+                <a:ea typeface="Yoon 윤고딕 530_TT" panose="02090603020101020101" pitchFamily="18" charset="-127"/>
+              </a:endParaRPr>
+            </a:p>
+          </p:txBody>
+        </p:sp>
+        <p:sp>
+          <p:nvSpPr>
+            <p:cNvPr id="5" name="TextBox 4"/>
+            <p:cNvSpPr txBox="1"/>
+            <p:nvPr/>
+          </p:nvSpPr>
+          <p:spPr>
+            <a:xfrm>
+              <a:off x="1556238" y="1972407"/>
+              <a:ext cx="3859824" cy="632605"/>
+            </a:xfrm>
+            <a:prstGeom prst="rect">
+              <a:avLst/>
+            </a:prstGeom>
+            <a:noFill/>
+          </p:spPr>
+          <p:txBody>
+            <a:bodyPr wrap="square" rtlCol="0">
+              <a:spAutoFit/>
+            </a:bodyPr>
+            <a:lstStyle/>
+            <a:p>
+              <a:pPr algn="dist"/>
+              <a:r>
+                <a:rPr lang="en-US" altLang="ko-KR" sz="2400" dirty="0" smtClean="0">
+                  <a:latin typeface="Yoon 윤고딕 530_TT" panose="02090603020101020101" pitchFamily="18" charset="-127"/>
+                  <a:ea typeface="Yoon 윤고딕 530_TT" panose="02090603020101020101" pitchFamily="18" charset="-127"/>
+                </a:rPr>
+                <a:t>NEXUS</a:t>
+              </a:r>
+              <a:endParaRPr lang="ko-KR" altLang="en-US" sz="2400" dirty="0">
+                <a:latin typeface="Yoon 윤고딕 530_TT" panose="02090603020101020101" pitchFamily="18" charset="-127"/>
+                <a:ea typeface="Yoon 윤고딕 530_TT" panose="02090603020101020101" pitchFamily="18" charset="-127"/>
+              </a:endParaRPr>
+            </a:p>
+          </p:txBody>
+        </p:sp>
+      </p:grpSp>
+      <p:sp>
+        <p:nvSpPr>
+          <p:cNvPr id="8" name="TextBox 7"/>
+          <p:cNvSpPr txBox="1"/>
+          <p:nvPr/>
+        </p:nvSpPr>
+        <p:spPr>
+          <a:xfrm>
+            <a:off x="342233" y="883063"/>
+            <a:ext cx="3517248" cy="584775"/>
+          </a:xfrm>
+          <a:prstGeom prst="rect">
+            <a:avLst/>
+          </a:prstGeom>
+          <a:noFill/>
+        </p:spPr>
+        <p:txBody>
+          <a:bodyPr wrap="square" rtlCol="0">
+            <a:spAutoFit/>
+          </a:bodyPr>
+          <a:lstStyle/>
+          <a:p>
+            <a:r>
+              <a:rPr lang="en-US" altLang="ko-KR" sz="3200" dirty="0" smtClean="0">
+                <a:latin typeface="Yoon 윤고딕 530_TT" panose="02090603020101020101" pitchFamily="18" charset="-127"/>
+                <a:ea typeface="Yoon 윤고딕 530_TT" panose="02090603020101020101" pitchFamily="18" charset="-127"/>
+              </a:rPr>
+              <a:t>4. </a:t>
+            </a:r>
+            <a:r>
+              <a:rPr lang="ko-KR" altLang="en-US" sz="3200" dirty="0" smtClean="0">
+                <a:latin typeface="Yoon 윤고딕 530_TT" panose="02090603020101020101" pitchFamily="18" charset="-127"/>
+                <a:ea typeface="Yoon 윤고딕 530_TT" panose="02090603020101020101" pitchFamily="18" charset="-127"/>
+              </a:rPr>
+              <a:t>게시물 페이지</a:t>
+            </a:r>
+            <a:endParaRPr lang="ko-KR" altLang="en-US" sz="3200" dirty="0">
+              <a:latin typeface="Yoon 윤고딕 530_TT" panose="02090603020101020101" pitchFamily="18" charset="-127"/>
+              <a:ea typeface="Yoon 윤고딕 530_TT" panose="02090603020101020101" pitchFamily="18" charset="-127"/>
+            </a:endParaRPr>
+          </a:p>
+        </p:txBody>
+      </p:sp>
+      <p:pic>
+        <p:nvPicPr>
+          <p:cNvPr id="2" name="그림 1"/>
+          <p:cNvPicPr>
+            <a:picLocks noChangeAspect="1"/>
+          </p:cNvPicPr>
+          <p:nvPr/>
+        </p:nvPicPr>
+        <p:blipFill>
+          <a:blip r:embed="rId2"/>
+          <a:stretch>
+            <a:fillRect/>
+          </a:stretch>
+        </p:blipFill>
+        <p:spPr>
+          <a:xfrm>
+            <a:off x="484736" y="1835973"/>
+            <a:ext cx="5332303" cy="3629025"/>
+          </a:xfrm>
+          <a:prstGeom prst="rect">
+            <a:avLst/>
+          </a:prstGeom>
+        </p:spPr>
+      </p:pic>
+      <p:pic>
+        <p:nvPicPr>
+          <p:cNvPr id="9" name="그림 8"/>
+          <p:cNvPicPr>
+            <a:picLocks noChangeAspect="1"/>
+          </p:cNvPicPr>
+          <p:nvPr/>
+        </p:nvPicPr>
+        <p:blipFill>
+          <a:blip r:embed="rId3"/>
+          <a:stretch>
+            <a:fillRect/>
+          </a:stretch>
+        </p:blipFill>
+        <p:spPr>
+          <a:xfrm>
+            <a:off x="6458196" y="1113897"/>
+            <a:ext cx="5207147" cy="5462856"/>
+          </a:xfrm>
+          <a:prstGeom prst="rect">
+            <a:avLst/>
+          </a:prstGeom>
+        </p:spPr>
+      </p:pic>
+      <p:sp>
+        <p:nvSpPr>
+          <p:cNvPr id="19" name="TextBox 18"/>
+          <p:cNvSpPr txBox="1"/>
+          <p:nvPr/>
+        </p:nvSpPr>
+        <p:spPr>
+          <a:xfrm>
+            <a:off x="6315520" y="745717"/>
+            <a:ext cx="2210963" cy="307777"/>
+          </a:xfrm>
+          <a:prstGeom prst="rect">
+            <a:avLst/>
+          </a:prstGeom>
+          <a:noFill/>
+        </p:spPr>
+        <p:txBody>
+          <a:bodyPr wrap="square" rtlCol="0">
+            <a:spAutoFit/>
+          </a:bodyPr>
+          <a:lstStyle/>
+          <a:p>
+            <a:r>
+              <a:rPr lang="en-US" altLang="ko-KR" sz="1400" dirty="0" smtClean="0">
+                <a:latin typeface="Yoon 윤고딕 530_TT" panose="02090603020101020101" pitchFamily="18" charset="-127"/>
+                <a:ea typeface="Yoon 윤고딕 530_TT" panose="02090603020101020101" pitchFamily="18" charset="-127"/>
+              </a:rPr>
+              <a:t>[</a:t>
+            </a:r>
+            <a:r>
+              <a:rPr lang="ko-KR" altLang="en-US" sz="1400" dirty="0" smtClean="0">
+                <a:latin typeface="Yoon 윤고딕 530_TT" panose="02090603020101020101" pitchFamily="18" charset="-127"/>
+                <a:ea typeface="Yoon 윤고딕 530_TT" panose="02090603020101020101" pitchFamily="18" charset="-127"/>
+              </a:rPr>
+              <a:t>제출유형 </a:t>
+            </a:r>
+            <a:r>
+              <a:rPr lang="ko-KR" altLang="en-US" sz="1400" dirty="0" err="1" smtClean="0">
+                <a:latin typeface="Yoon 윤고딕 530_TT" panose="02090603020101020101" pitchFamily="18" charset="-127"/>
+                <a:ea typeface="Yoon 윤고딕 530_TT" panose="02090603020101020101" pitchFamily="18" charset="-127"/>
+              </a:rPr>
+              <a:t>요약뷰</a:t>
+            </a:r>
+            <a:r>
+              <a:rPr lang="en-US" altLang="ko-KR" sz="1400" dirty="0" smtClean="0">
+                <a:latin typeface="Yoon 윤고딕 530_TT" panose="02090603020101020101" pitchFamily="18" charset="-127"/>
+                <a:ea typeface="Yoon 윤고딕 530_TT" panose="02090603020101020101" pitchFamily="18" charset="-127"/>
+              </a:rPr>
+              <a:t>]</a:t>
+            </a:r>
+            <a:endParaRPr lang="ko-KR" altLang="en-US" sz="1100" dirty="0">
+              <a:latin typeface="Yoon 윤고딕 530_TT" panose="02090603020101020101" pitchFamily="18" charset="-127"/>
+              <a:ea typeface="Yoon 윤고딕 530_TT" panose="02090603020101020101" pitchFamily="18" charset="-127"/>
+            </a:endParaRPr>
+          </a:p>
+        </p:txBody>
+      </p:sp>
+      <p:sp>
+        <p:nvSpPr>
+          <p:cNvPr id="28" name="TextBox 27"/>
+          <p:cNvSpPr txBox="1"/>
+          <p:nvPr/>
+        </p:nvSpPr>
+        <p:spPr>
+          <a:xfrm>
+            <a:off x="484736" y="1516321"/>
+            <a:ext cx="2210963" cy="307777"/>
+          </a:xfrm>
+          <a:prstGeom prst="rect">
+            <a:avLst/>
+          </a:prstGeom>
+          <a:noFill/>
+        </p:spPr>
+        <p:txBody>
+          <a:bodyPr wrap="square" rtlCol="0">
+            <a:spAutoFit/>
+          </a:bodyPr>
+          <a:lstStyle/>
+          <a:p>
+            <a:r>
+              <a:rPr lang="en-US" altLang="ko-KR" sz="1400" dirty="0" smtClean="0">
+                <a:latin typeface="Yoon 윤고딕 530_TT" panose="02090603020101020101" pitchFamily="18" charset="-127"/>
+                <a:ea typeface="Yoon 윤고딕 530_TT" panose="02090603020101020101" pitchFamily="18" charset="-127"/>
+              </a:rPr>
+              <a:t>[</a:t>
+            </a:r>
+            <a:r>
+              <a:rPr lang="ko-KR" altLang="en-US" sz="1400" dirty="0" smtClean="0">
+                <a:latin typeface="Yoon 윤고딕 530_TT" panose="02090603020101020101" pitchFamily="18" charset="-127"/>
+                <a:ea typeface="Yoon 윤고딕 530_TT" panose="02090603020101020101" pitchFamily="18" charset="-127"/>
+              </a:rPr>
+              <a:t>게시물 상세</a:t>
+            </a:r>
+            <a:r>
+              <a:rPr lang="en-US" altLang="ko-KR" sz="1400" dirty="0" smtClean="0">
+                <a:latin typeface="Yoon 윤고딕 530_TT" panose="02090603020101020101" pitchFamily="18" charset="-127"/>
+                <a:ea typeface="Yoon 윤고딕 530_TT" panose="02090603020101020101" pitchFamily="18" charset="-127"/>
+              </a:rPr>
+              <a:t>]</a:t>
+            </a:r>
+            <a:endParaRPr lang="ko-KR" altLang="en-US" sz="1100" dirty="0">
+              <a:latin typeface="Yoon 윤고딕 530_TT" panose="02090603020101020101" pitchFamily="18" charset="-127"/>
+              <a:ea typeface="Yoon 윤고딕 530_TT" panose="02090603020101020101" pitchFamily="18" charset="-127"/>
+            </a:endParaRPr>
+          </a:p>
+        </p:txBody>
+      </p:sp>
+    </p:spTree>
+    <p:extLst>
+      <p:ext uri="{BB962C8B-B14F-4D97-AF65-F5344CB8AC3E}">
+        <p14:creationId xmlns:p14="http://schemas.microsoft.com/office/powerpoint/2010/main" val="569532321"/>
+      </p:ext>
+    </p:extLst>
+  </p:cSld>
+  <p:clrMapOvr>
+    <a:masterClrMapping/>
+  </p:clrMapOvr>
+</p:sld>
+</file>
+
+<file path=ppt/slides/slide19.xml><?xml version="1.0" encoding="utf-8"?>
+<p:sld xmlns:a="http://schemas.openxmlformats.org/drawingml/2006/main" xmlns:r="http://schemas.openxmlformats.org/officeDocument/2006/relationships" xmlns:p="http://schemas.openxmlformats.org/presentationml/2006/main">
+  <p:cSld>
+    <p:spTree>
+      <p:nvGrpSpPr>
+        <p:cNvPr id="1" name=""/>
+        <p:cNvGrpSpPr/>
+        <p:nvPr/>
+      </p:nvGrpSpPr>
+      <p:grpSpPr>
+        <a:xfrm>
+          <a:off x="0" y="0"/>
+          <a:ext cx="0" cy="0"/>
+          <a:chOff x="0" y="0"/>
+          <a:chExt cx="0" cy="0"/>
+        </a:xfrm>
+      </p:grpSpPr>
+      <p:sp>
+        <p:nvSpPr>
+          <p:cNvPr id="38" name="TextBox 37"/>
+          <p:cNvSpPr txBox="1"/>
+          <p:nvPr/>
+        </p:nvSpPr>
+        <p:spPr>
+          <a:xfrm>
+            <a:off x="659078" y="4275572"/>
+            <a:ext cx="9553701" cy="2029231"/>
+          </a:xfrm>
+          <a:prstGeom prst="rect">
+            <a:avLst/>
+          </a:prstGeom>
+          <a:noFill/>
+          <a:ln>
+            <a:solidFill>
+              <a:schemeClr val="bg1">
+                <a:lumMod val="85000"/>
+              </a:schemeClr>
+            </a:solidFill>
+            <a:prstDash val="sysDot"/>
+          </a:ln>
+        </p:spPr>
+        <p:txBody>
+          <a:bodyPr wrap="square" rtlCol="0">
+            <a:spAutoFit/>
+          </a:bodyPr>
+          <a:lstStyle/>
+          <a:p>
+            <a:endParaRPr lang="ko-KR" altLang="en-US" dirty="0"/>
+          </a:p>
+        </p:txBody>
+      </p:sp>
+      <p:sp>
+        <p:nvSpPr>
+          <p:cNvPr id="37" name="TextBox 36"/>
+          <p:cNvSpPr txBox="1"/>
+          <p:nvPr/>
+        </p:nvSpPr>
+        <p:spPr>
+          <a:xfrm>
+            <a:off x="659078" y="1996260"/>
+            <a:ext cx="9553701" cy="2029231"/>
+          </a:xfrm>
+          <a:prstGeom prst="rect">
+            <a:avLst/>
+          </a:prstGeom>
+          <a:noFill/>
+          <a:ln>
+            <a:solidFill>
+              <a:schemeClr val="bg1">
+                <a:lumMod val="85000"/>
+              </a:schemeClr>
+            </a:solidFill>
+            <a:prstDash val="sysDot"/>
+          </a:ln>
+        </p:spPr>
+        <p:txBody>
+          <a:bodyPr wrap="square" rtlCol="0">
+            <a:spAutoFit/>
+          </a:bodyPr>
+          <a:lstStyle/>
+          <a:p>
+            <a:endParaRPr lang="ko-KR" altLang="en-US" dirty="0"/>
+          </a:p>
+        </p:txBody>
+      </p:sp>
+      <p:cxnSp>
+        <p:nvCxnSpPr>
+          <p:cNvPr id="7" name="직선 화살표 연결선 6"/>
+          <p:cNvCxnSpPr/>
+          <p:nvPr/>
+        </p:nvCxnSpPr>
+        <p:spPr>
+          <a:xfrm>
+            <a:off x="9393382" y="3230088"/>
+            <a:ext cx="0" cy="1555668"/>
+          </a:xfrm>
+          <a:prstGeom prst="straightConnector1">
+            <a:avLst/>
+          </a:prstGeom>
+          <a:ln>
+            <a:headEnd type="triangle" w="med" len="med"/>
+            <a:tailEnd type="triangle" w="med" len="med"/>
+          </a:ln>
+        </p:spPr>
+        <p:style>
+          <a:lnRef idx="1">
+            <a:schemeClr val="accent1"/>
+          </a:lnRef>
+          <a:fillRef idx="0">
+            <a:schemeClr val="accent1"/>
+          </a:fillRef>
+          <a:effectRef idx="0">
+            <a:schemeClr val="accent1"/>
+          </a:effectRef>
+          <a:fontRef idx="minor">
+            <a:schemeClr val="tx1"/>
+          </a:fontRef>
+        </p:style>
+      </p:cxnSp>
+      <p:grpSp>
+        <p:nvGrpSpPr>
+          <p:cNvPr id="6" name="그룹 5"/>
+          <p:cNvGrpSpPr/>
+          <p:nvPr/>
+        </p:nvGrpSpPr>
+        <p:grpSpPr>
+          <a:xfrm>
+            <a:off x="10082150" y="226354"/>
+            <a:ext cx="1850739" cy="656709"/>
+            <a:chOff x="1556238" y="1972407"/>
+            <a:chExt cx="3859824" cy="899866"/>
+          </a:xfrm>
+        </p:grpSpPr>
+        <p:sp>
+          <p:nvSpPr>
+            <p:cNvPr id="4" name="TextBox 3"/>
+            <p:cNvSpPr txBox="1"/>
+            <p:nvPr/>
+          </p:nvSpPr>
+          <p:spPr>
+            <a:xfrm>
+              <a:off x="1556238" y="2555972"/>
+              <a:ext cx="3859824" cy="316301"/>
+            </a:xfrm>
+            <a:prstGeom prst="rect">
+              <a:avLst/>
+            </a:prstGeom>
+            <a:noFill/>
+          </p:spPr>
+          <p:txBody>
+            <a:bodyPr wrap="square" rtlCol="0">
+              <a:spAutoFit/>
+            </a:bodyPr>
+            <a:lstStyle/>
+            <a:p>
+              <a:pPr algn="dist"/>
+              <a:r>
+                <a:rPr lang="en-US" altLang="ko-KR" sz="900" dirty="0" smtClean="0">
+                  <a:latin typeface="Yoon 윤고딕 530_TT" panose="02090603020101020101" pitchFamily="18" charset="-127"/>
+                  <a:ea typeface="Yoon 윤고딕 530_TT" panose="02090603020101020101" pitchFamily="18" charset="-127"/>
+                </a:rPr>
+                <a:t>NEXT LECTURE MANAGER</a:t>
+              </a:r>
+              <a:endParaRPr lang="ko-KR" altLang="en-US" sz="900" dirty="0">
+                <a:latin typeface="Yoon 윤고딕 530_TT" panose="02090603020101020101" pitchFamily="18" charset="-127"/>
+                <a:ea typeface="Yoon 윤고딕 530_TT" panose="02090603020101020101" pitchFamily="18" charset="-127"/>
+              </a:endParaRPr>
+            </a:p>
+          </p:txBody>
+        </p:sp>
+        <p:sp>
+          <p:nvSpPr>
+            <p:cNvPr id="5" name="TextBox 4"/>
+            <p:cNvSpPr txBox="1"/>
+            <p:nvPr/>
+          </p:nvSpPr>
+          <p:spPr>
+            <a:xfrm>
+              <a:off x="1556238" y="1972407"/>
+              <a:ext cx="3859824" cy="632605"/>
+            </a:xfrm>
+            <a:prstGeom prst="rect">
+              <a:avLst/>
+            </a:prstGeom>
+            <a:noFill/>
+          </p:spPr>
+          <p:txBody>
+            <a:bodyPr wrap="square" rtlCol="0">
+              <a:spAutoFit/>
+            </a:bodyPr>
+            <a:lstStyle/>
+            <a:p>
+              <a:pPr algn="dist"/>
+              <a:r>
+                <a:rPr lang="en-US" altLang="ko-KR" sz="2400" dirty="0" smtClean="0">
+                  <a:latin typeface="Yoon 윤고딕 530_TT" panose="02090603020101020101" pitchFamily="18" charset="-127"/>
+                  <a:ea typeface="Yoon 윤고딕 530_TT" panose="02090603020101020101" pitchFamily="18" charset="-127"/>
+                </a:rPr>
+                <a:t>NEXUS</a:t>
+              </a:r>
+              <a:endParaRPr lang="ko-KR" altLang="en-US" sz="2400" dirty="0">
+                <a:latin typeface="Yoon 윤고딕 530_TT" panose="02090603020101020101" pitchFamily="18" charset="-127"/>
+                <a:ea typeface="Yoon 윤고딕 530_TT" panose="02090603020101020101" pitchFamily="18" charset="-127"/>
+              </a:endParaRPr>
+            </a:p>
+          </p:txBody>
+        </p:sp>
+      </p:grpSp>
+      <p:sp>
+        <p:nvSpPr>
+          <p:cNvPr id="8" name="TextBox 7"/>
+          <p:cNvSpPr txBox="1"/>
+          <p:nvPr/>
+        </p:nvSpPr>
+        <p:spPr>
+          <a:xfrm>
+            <a:off x="342233" y="883063"/>
+            <a:ext cx="2792854" cy="584775"/>
+          </a:xfrm>
+          <a:prstGeom prst="rect">
+            <a:avLst/>
+          </a:prstGeom>
+          <a:noFill/>
+        </p:spPr>
+        <p:txBody>
+          <a:bodyPr wrap="square" rtlCol="0">
+            <a:spAutoFit/>
+          </a:bodyPr>
+          <a:lstStyle/>
+          <a:p>
+            <a:r>
+              <a:rPr lang="en-US" altLang="ko-KR" sz="3200" dirty="0">
+                <a:latin typeface="Yoon 윤고딕 530_TT" panose="02090603020101020101" pitchFamily="18" charset="-127"/>
+                <a:ea typeface="Yoon 윤고딕 530_TT" panose="02090603020101020101" pitchFamily="18" charset="-127"/>
+              </a:rPr>
+              <a:t>1</a:t>
+            </a:r>
+            <a:r>
+              <a:rPr lang="en-US" altLang="ko-KR" sz="3200" dirty="0" smtClean="0">
+                <a:latin typeface="Yoon 윤고딕 530_TT" panose="02090603020101020101" pitchFamily="18" charset="-127"/>
+                <a:ea typeface="Yoon 윤고딕 530_TT" panose="02090603020101020101" pitchFamily="18" charset="-127"/>
+              </a:rPr>
+              <a:t>. Server</a:t>
+            </a:r>
+            <a:endParaRPr lang="ko-KR" altLang="en-US" sz="3200" dirty="0">
+              <a:latin typeface="Yoon 윤고딕 530_TT" panose="02090603020101020101" pitchFamily="18" charset="-127"/>
+              <a:ea typeface="Yoon 윤고딕 530_TT" panose="02090603020101020101" pitchFamily="18" charset="-127"/>
+            </a:endParaRPr>
+          </a:p>
+        </p:txBody>
+      </p:sp>
+      <p:sp>
+        <p:nvSpPr>
+          <p:cNvPr id="13" name="TextBox 12"/>
+          <p:cNvSpPr txBox="1"/>
+          <p:nvPr/>
+        </p:nvSpPr>
+        <p:spPr>
+          <a:xfrm>
+            <a:off x="1481358" y="2504496"/>
+            <a:ext cx="1509412" cy="584775"/>
+          </a:xfrm>
+          <a:prstGeom prst="rect">
+            <a:avLst/>
+          </a:prstGeom>
+          <a:noFill/>
+        </p:spPr>
+        <p:txBody>
+          <a:bodyPr wrap="square" rtlCol="0">
+            <a:spAutoFit/>
+          </a:bodyPr>
+          <a:lstStyle/>
+          <a:p>
+            <a:r>
+              <a:rPr lang="en-US" altLang="ko-KR" sz="3200" dirty="0" err="1" smtClean="0">
+                <a:latin typeface="Yoon 윤고딕 530_TT" panose="02090603020101020101" pitchFamily="18" charset="-127"/>
+                <a:ea typeface="Yoon 윤고딕 530_TT" panose="02090603020101020101" pitchFamily="18" charset="-127"/>
+              </a:rPr>
+              <a:t>nGinx</a:t>
+            </a:r>
+            <a:endParaRPr lang="ko-KR" altLang="en-US" sz="3200" dirty="0">
+              <a:latin typeface="Yoon 윤고딕 530_TT" panose="02090603020101020101" pitchFamily="18" charset="-127"/>
+              <a:ea typeface="Yoon 윤고딕 530_TT" panose="02090603020101020101" pitchFamily="18" charset="-127"/>
+            </a:endParaRPr>
+          </a:p>
+        </p:txBody>
+      </p:sp>
+      <p:sp>
+        <p:nvSpPr>
+          <p:cNvPr id="14" name="TextBox 13"/>
+          <p:cNvSpPr txBox="1"/>
+          <p:nvPr/>
+        </p:nvSpPr>
+        <p:spPr>
+          <a:xfrm>
+            <a:off x="3916085" y="3766211"/>
+            <a:ext cx="2804726" cy="400110"/>
+          </a:xfrm>
+          <a:prstGeom prst="rect">
+            <a:avLst/>
+          </a:prstGeom>
+          <a:noFill/>
+        </p:spPr>
+        <p:txBody>
+          <a:bodyPr wrap="square" rtlCol="0">
+            <a:spAutoFit/>
+          </a:bodyPr>
+          <a:lstStyle/>
+          <a:p>
+            <a:pPr algn="ctr"/>
+            <a:r>
+              <a:rPr lang="en-US" altLang="ko-KR" sz="2000" dirty="0" smtClean="0">
+                <a:latin typeface="Yoon 윤고딕 530_TT" panose="02090603020101020101" pitchFamily="18" charset="-127"/>
+                <a:ea typeface="Yoon 윤고딕 530_TT" panose="02090603020101020101" pitchFamily="18" charset="-127"/>
+              </a:rPr>
+              <a:t>Spring-boot </a:t>
+            </a:r>
+            <a:r>
+              <a:rPr lang="en-US" altLang="ko-KR" sz="2000" dirty="0" err="1" smtClean="0">
+                <a:latin typeface="Yoon 윤고딕 530_TT" panose="02090603020101020101" pitchFamily="18" charset="-127"/>
+                <a:ea typeface="Yoon 윤고딕 530_TT" panose="02090603020101020101" pitchFamily="18" charset="-127"/>
+              </a:rPr>
+              <a:t>Api</a:t>
+            </a:r>
+            <a:r>
+              <a:rPr lang="en-US" altLang="ko-KR" sz="2000" dirty="0" smtClean="0">
+                <a:latin typeface="Yoon 윤고딕 530_TT" panose="02090603020101020101" pitchFamily="18" charset="-127"/>
+                <a:ea typeface="Yoon 윤고딕 530_TT" panose="02090603020101020101" pitchFamily="18" charset="-127"/>
+              </a:rPr>
+              <a:t> Server</a:t>
+            </a:r>
+            <a:endParaRPr lang="ko-KR" altLang="en-US" sz="2000" dirty="0">
+              <a:latin typeface="Yoon 윤고딕 530_TT" panose="02090603020101020101" pitchFamily="18" charset="-127"/>
+              <a:ea typeface="Yoon 윤고딕 530_TT" panose="02090603020101020101" pitchFamily="18" charset="-127"/>
+            </a:endParaRPr>
+          </a:p>
+        </p:txBody>
+      </p:sp>
+      <p:sp>
+        <p:nvSpPr>
+          <p:cNvPr id="16" name="TextBox 15"/>
+          <p:cNvSpPr txBox="1"/>
+          <p:nvPr/>
+        </p:nvSpPr>
+        <p:spPr>
+          <a:xfrm>
+            <a:off x="9029201" y="2584954"/>
+            <a:ext cx="2903688" cy="400110"/>
+          </a:xfrm>
+          <a:prstGeom prst="rect">
+            <a:avLst/>
+          </a:prstGeom>
+          <a:noFill/>
+        </p:spPr>
+        <p:txBody>
+          <a:bodyPr wrap="square" rtlCol="0">
+            <a:spAutoFit/>
+          </a:bodyPr>
+          <a:lstStyle/>
+          <a:p>
+            <a:r>
+              <a:rPr lang="en-US" altLang="ko-KR" sz="2000" dirty="0" err="1" smtClean="0">
+                <a:latin typeface="Yoon 윤고딕 530_TT" panose="02090603020101020101" pitchFamily="18" charset="-127"/>
+                <a:ea typeface="Yoon 윤고딕 530_TT" panose="02090603020101020101" pitchFamily="18" charset="-127"/>
+              </a:rPr>
+              <a:t>Mysql</a:t>
+            </a:r>
+            <a:r>
+              <a:rPr lang="en-US" altLang="ko-KR" sz="2000" dirty="0" smtClean="0">
+                <a:latin typeface="Yoon 윤고딕 530_TT" panose="02090603020101020101" pitchFamily="18" charset="-127"/>
+                <a:ea typeface="Yoon 윤고딕 530_TT" panose="02090603020101020101" pitchFamily="18" charset="-127"/>
+              </a:rPr>
+              <a:t> DB</a:t>
+            </a:r>
+            <a:endParaRPr lang="ko-KR" altLang="en-US" sz="2000" dirty="0">
+              <a:latin typeface="Yoon 윤고딕 530_TT" panose="02090603020101020101" pitchFamily="18" charset="-127"/>
+              <a:ea typeface="Yoon 윤고딕 530_TT" panose="02090603020101020101" pitchFamily="18" charset="-127"/>
+            </a:endParaRPr>
+          </a:p>
+        </p:txBody>
+      </p:sp>
+      <p:sp>
+        <p:nvSpPr>
+          <p:cNvPr id="19" name="TextBox 18"/>
+          <p:cNvSpPr txBox="1"/>
+          <p:nvPr/>
+        </p:nvSpPr>
+        <p:spPr>
+          <a:xfrm>
+            <a:off x="7213804" y="3610365"/>
+            <a:ext cx="1815397" cy="646331"/>
+          </a:xfrm>
+          <a:prstGeom prst="rect">
+            <a:avLst/>
+          </a:prstGeom>
+          <a:noFill/>
+        </p:spPr>
+        <p:txBody>
+          <a:bodyPr wrap="square" rtlCol="0">
+            <a:spAutoFit/>
+          </a:bodyPr>
+          <a:lstStyle/>
+          <a:p>
+            <a:r>
+              <a:rPr lang="en-US" altLang="ko-KR" dirty="0" smtClean="0">
+                <a:latin typeface="Yoon 윤고딕 530_TT" panose="02090603020101020101" pitchFamily="18" charset="-127"/>
+                <a:ea typeface="Yoon 윤고딕 530_TT" panose="02090603020101020101" pitchFamily="18" charset="-127"/>
+              </a:rPr>
+              <a:t>JPA(Hibernate)</a:t>
+            </a:r>
+          </a:p>
+          <a:p>
+            <a:r>
+              <a:rPr lang="en-US" altLang="ko-KR" dirty="0" err="1" smtClean="0">
+                <a:latin typeface="Yoon 윤고딕 530_TT" panose="02090603020101020101" pitchFamily="18" charset="-127"/>
+                <a:ea typeface="Yoon 윤고딕 530_TT" panose="02090603020101020101" pitchFamily="18" charset="-127"/>
+              </a:rPr>
+              <a:t>EhCache</a:t>
+            </a:r>
+            <a:endParaRPr lang="ko-KR" altLang="en-US" dirty="0">
+              <a:latin typeface="Yoon 윤고딕 530_TT" panose="02090603020101020101" pitchFamily="18" charset="-127"/>
+              <a:ea typeface="Yoon 윤고딕 530_TT" panose="02090603020101020101" pitchFamily="18" charset="-127"/>
+            </a:endParaRPr>
+          </a:p>
+        </p:txBody>
+      </p:sp>
+      <p:sp>
+        <p:nvSpPr>
+          <p:cNvPr id="22" name="TextBox 21"/>
+          <p:cNvSpPr txBox="1"/>
+          <p:nvPr/>
+        </p:nvSpPr>
+        <p:spPr>
+          <a:xfrm>
+            <a:off x="9052951" y="4881998"/>
+            <a:ext cx="2903688" cy="400110"/>
+          </a:xfrm>
+          <a:prstGeom prst="rect">
+            <a:avLst/>
+          </a:prstGeom>
+          <a:noFill/>
+        </p:spPr>
+        <p:txBody>
+          <a:bodyPr wrap="square" rtlCol="0">
+            <a:spAutoFit/>
+          </a:bodyPr>
+          <a:lstStyle/>
+          <a:p>
+            <a:r>
+              <a:rPr lang="en-US" altLang="ko-KR" sz="2000" dirty="0" smtClean="0">
+                <a:latin typeface="Yoon 윤고딕 530_TT" panose="02090603020101020101" pitchFamily="18" charset="-127"/>
+                <a:ea typeface="Yoon 윤고딕 530_TT" panose="02090603020101020101" pitchFamily="18" charset="-127"/>
+              </a:rPr>
+              <a:t>H2 DB</a:t>
+            </a:r>
+            <a:endParaRPr lang="ko-KR" altLang="en-US" sz="2000" dirty="0">
+              <a:latin typeface="Yoon 윤고딕 530_TT" panose="02090603020101020101" pitchFamily="18" charset="-127"/>
+              <a:ea typeface="Yoon 윤고딕 530_TT" panose="02090603020101020101" pitchFamily="18" charset="-127"/>
+            </a:endParaRPr>
+          </a:p>
+        </p:txBody>
+      </p:sp>
+      <p:sp>
+        <p:nvSpPr>
+          <p:cNvPr id="23" name="TextBox 22"/>
+          <p:cNvSpPr txBox="1"/>
+          <p:nvPr/>
+        </p:nvSpPr>
+        <p:spPr>
+          <a:xfrm>
+            <a:off x="1464896" y="4671852"/>
+            <a:ext cx="1914985" cy="338554"/>
+          </a:xfrm>
+          <a:prstGeom prst="rect">
+            <a:avLst/>
+          </a:prstGeom>
+          <a:noFill/>
+        </p:spPr>
+        <p:txBody>
+          <a:bodyPr wrap="square" rtlCol="0">
+            <a:spAutoFit/>
+          </a:bodyPr>
+          <a:lstStyle/>
+          <a:p>
+            <a:r>
+              <a:rPr lang="en-US" altLang="ko-KR" sz="1600" dirty="0" smtClean="0">
+                <a:latin typeface="Yoon 윤고딕 530_TT" panose="02090603020101020101" pitchFamily="18" charset="-127"/>
+                <a:ea typeface="Yoon 윤고딕 530_TT" panose="02090603020101020101" pitchFamily="18" charset="-127"/>
+              </a:rPr>
+              <a:t>Node-express</a:t>
+            </a:r>
+          </a:p>
+        </p:txBody>
+      </p:sp>
+      <p:sp>
+        <p:nvSpPr>
+          <p:cNvPr id="24" name="TextBox 23"/>
+          <p:cNvSpPr txBox="1"/>
+          <p:nvPr/>
+        </p:nvSpPr>
+        <p:spPr>
+          <a:xfrm>
+            <a:off x="342233" y="1786112"/>
+            <a:ext cx="2804726" cy="400110"/>
+          </a:xfrm>
+          <a:prstGeom prst="rect">
+            <a:avLst/>
+          </a:prstGeom>
+          <a:noFill/>
+        </p:spPr>
+        <p:txBody>
+          <a:bodyPr wrap="square" rtlCol="0">
+            <a:spAutoFit/>
+          </a:bodyPr>
+          <a:lstStyle/>
+          <a:p>
+            <a:r>
+              <a:rPr lang="ko-KR" altLang="en-US" sz="2000" dirty="0" smtClean="0">
+                <a:latin typeface="Yoon 윤고딕 530_TT" panose="02090603020101020101" pitchFamily="18" charset="-127"/>
+                <a:ea typeface="Yoon 윤고딕 530_TT" panose="02090603020101020101" pitchFamily="18" charset="-127"/>
+              </a:rPr>
+              <a:t>배포환경</a:t>
+            </a:r>
+            <a:endParaRPr lang="ko-KR" altLang="en-US" sz="2000" dirty="0">
+              <a:latin typeface="Yoon 윤고딕 530_TT" panose="02090603020101020101" pitchFamily="18" charset="-127"/>
+              <a:ea typeface="Yoon 윤고딕 530_TT" panose="02090603020101020101" pitchFamily="18" charset="-127"/>
+            </a:endParaRPr>
+          </a:p>
+        </p:txBody>
+      </p:sp>
+      <p:sp>
+        <p:nvSpPr>
+          <p:cNvPr id="25" name="TextBox 24"/>
+          <p:cNvSpPr txBox="1"/>
+          <p:nvPr/>
+        </p:nvSpPr>
+        <p:spPr>
+          <a:xfrm>
+            <a:off x="186044" y="5787143"/>
+            <a:ext cx="2804726" cy="400110"/>
+          </a:xfrm>
+          <a:prstGeom prst="rect">
+            <a:avLst/>
+          </a:prstGeom>
+          <a:noFill/>
+        </p:spPr>
+        <p:txBody>
+          <a:bodyPr wrap="square" rtlCol="0">
+            <a:spAutoFit/>
+          </a:bodyPr>
+          <a:lstStyle/>
+          <a:p>
+            <a:r>
+              <a:rPr lang="ko-KR" altLang="en-US" sz="2000" dirty="0" smtClean="0">
+                <a:latin typeface="Yoon 윤고딕 530_TT" panose="02090603020101020101" pitchFamily="18" charset="-127"/>
+                <a:ea typeface="Yoon 윤고딕 530_TT" panose="02090603020101020101" pitchFamily="18" charset="-127"/>
+              </a:rPr>
+              <a:t>개발환경</a:t>
+            </a:r>
+            <a:endParaRPr lang="ko-KR" altLang="en-US" sz="2000" dirty="0">
+              <a:latin typeface="Yoon 윤고딕 530_TT" panose="02090603020101020101" pitchFamily="18" charset="-127"/>
+              <a:ea typeface="Yoon 윤고딕 530_TT" panose="02090603020101020101" pitchFamily="18" charset="-127"/>
+            </a:endParaRPr>
+          </a:p>
+        </p:txBody>
+      </p:sp>
+      <p:sp>
+        <p:nvSpPr>
+          <p:cNvPr id="26" name="TextBox 25"/>
+          <p:cNvSpPr txBox="1"/>
+          <p:nvPr/>
+        </p:nvSpPr>
+        <p:spPr>
+          <a:xfrm>
+            <a:off x="9506030" y="3746312"/>
+            <a:ext cx="2804726" cy="523220"/>
+          </a:xfrm>
+          <a:prstGeom prst="rect">
+            <a:avLst/>
+          </a:prstGeom>
+          <a:noFill/>
+        </p:spPr>
+        <p:txBody>
+          <a:bodyPr wrap="square" rtlCol="0">
+            <a:spAutoFit/>
+          </a:bodyPr>
+          <a:lstStyle/>
+          <a:p>
+            <a:r>
+              <a:rPr lang="en-US" altLang="ko-KR" sz="1400" dirty="0" err="1" smtClean="0">
+                <a:latin typeface="Yoon 윤고딕 530_TT" panose="02090603020101020101" pitchFamily="18" charset="-127"/>
+                <a:ea typeface="Yoon 윤고딕 530_TT" panose="02090603020101020101" pitchFamily="18" charset="-127"/>
+              </a:rPr>
+              <a:t>Next.Dbdump</a:t>
+            </a:r>
+            <a:r>
+              <a:rPr lang="en-US" altLang="ko-KR" sz="1400" dirty="0" smtClean="0">
+                <a:latin typeface="Yoon 윤고딕 530_TT" panose="02090603020101020101" pitchFamily="18" charset="-127"/>
+                <a:ea typeface="Yoon 윤고딕 530_TT" panose="02090603020101020101" pitchFamily="18" charset="-127"/>
+              </a:rPr>
+              <a:t> (</a:t>
+            </a:r>
+            <a:r>
+              <a:rPr lang="ko-KR" altLang="en-US" sz="1400" dirty="0" smtClean="0">
+                <a:latin typeface="Yoon 윤고딕 530_TT" panose="02090603020101020101" pitchFamily="18" charset="-127"/>
+                <a:ea typeface="Yoon 윤고딕 530_TT" panose="02090603020101020101" pitchFamily="18" charset="-127"/>
+              </a:rPr>
+              <a:t>자체제작</a:t>
+            </a:r>
+            <a:r>
+              <a:rPr lang="en-US" altLang="ko-KR" sz="1400" dirty="0" smtClean="0">
+                <a:latin typeface="Yoon 윤고딕 530_TT" panose="02090603020101020101" pitchFamily="18" charset="-127"/>
+                <a:ea typeface="Yoon 윤고딕 530_TT" panose="02090603020101020101" pitchFamily="18" charset="-127"/>
+              </a:rPr>
+              <a:t>)</a:t>
+            </a:r>
+          </a:p>
+          <a:p>
+            <a:r>
+              <a:rPr lang="en-US" altLang="ko-KR" sz="1400" dirty="0" smtClean="0">
+                <a:latin typeface="Yoon 윤고딕 530_TT" panose="02090603020101020101" pitchFamily="18" charset="-127"/>
+                <a:ea typeface="Yoon 윤고딕 530_TT" panose="02090603020101020101" pitchFamily="18" charset="-127"/>
+              </a:rPr>
+              <a:t>Csv </a:t>
+            </a:r>
+            <a:r>
+              <a:rPr lang="ko-KR" altLang="en-US" sz="1400" dirty="0" smtClean="0">
+                <a:latin typeface="Yoon 윤고딕 530_TT" panose="02090603020101020101" pitchFamily="18" charset="-127"/>
+                <a:ea typeface="Yoon 윤고딕 530_TT" panose="02090603020101020101" pitchFamily="18" charset="-127"/>
+              </a:rPr>
+              <a:t>데이터 공유</a:t>
+            </a:r>
+            <a:endParaRPr lang="ko-KR" altLang="en-US" sz="1400" dirty="0">
+              <a:latin typeface="Yoon 윤고딕 530_TT" panose="02090603020101020101" pitchFamily="18" charset="-127"/>
+              <a:ea typeface="Yoon 윤고딕 530_TT" panose="02090603020101020101" pitchFamily="18" charset="-127"/>
+            </a:endParaRPr>
+          </a:p>
+        </p:txBody>
+      </p:sp>
+      <p:sp>
+        <p:nvSpPr>
+          <p:cNvPr id="27" name="TextBox 26"/>
+          <p:cNvSpPr txBox="1"/>
+          <p:nvPr/>
+        </p:nvSpPr>
+        <p:spPr>
+          <a:xfrm>
+            <a:off x="186044" y="6267729"/>
+            <a:ext cx="3193837" cy="369332"/>
+          </a:xfrm>
+          <a:prstGeom prst="rect">
+            <a:avLst/>
+          </a:prstGeom>
+          <a:noFill/>
+        </p:spPr>
+        <p:txBody>
+          <a:bodyPr wrap="square" rtlCol="0">
+            <a:spAutoFit/>
+          </a:bodyPr>
+          <a:lstStyle/>
+          <a:p>
+            <a:r>
+              <a:rPr lang="ko-KR" altLang="en-US" dirty="0" smtClean="0">
+                <a:latin typeface="Yoon 윤고딕 530_TT" panose="02090603020101020101" pitchFamily="18" charset="-127"/>
+                <a:ea typeface="Yoon 윤고딕 530_TT" panose="02090603020101020101" pitchFamily="18" charset="-127"/>
+              </a:rPr>
+              <a:t>버전관리 </a:t>
+            </a:r>
+            <a:r>
+              <a:rPr lang="en-US" altLang="ko-KR" dirty="0" smtClean="0">
+                <a:latin typeface="Yoon 윤고딕 530_TT" panose="02090603020101020101" pitchFamily="18" charset="-127"/>
+                <a:ea typeface="Yoon 윤고딕 530_TT" panose="02090603020101020101" pitchFamily="18" charset="-127"/>
+              </a:rPr>
+              <a:t>: GIT (</a:t>
+            </a:r>
+            <a:r>
+              <a:rPr lang="en-US" altLang="ko-KR" dirty="0" err="1" smtClean="0">
+                <a:latin typeface="Yoon 윤고딕 530_TT" panose="02090603020101020101" pitchFamily="18" charset="-127"/>
+                <a:ea typeface="Yoon 윤고딕 530_TT" panose="02090603020101020101" pitchFamily="18" charset="-127"/>
+              </a:rPr>
+              <a:t>GitHUB</a:t>
+            </a:r>
+            <a:r>
+              <a:rPr lang="en-US" altLang="ko-KR" dirty="0" smtClean="0">
+                <a:latin typeface="Yoon 윤고딕 530_TT" panose="02090603020101020101" pitchFamily="18" charset="-127"/>
+                <a:ea typeface="Yoon 윤고딕 530_TT" panose="02090603020101020101" pitchFamily="18" charset="-127"/>
+              </a:rPr>
+              <a:t>)</a:t>
+            </a:r>
+            <a:endParaRPr lang="ko-KR" altLang="en-US" dirty="0">
+              <a:latin typeface="Yoon 윤고딕 530_TT" panose="02090603020101020101" pitchFamily="18" charset="-127"/>
+              <a:ea typeface="Yoon 윤고딕 530_TT" panose="02090603020101020101" pitchFamily="18" charset="-127"/>
+            </a:endParaRPr>
+          </a:p>
+        </p:txBody>
+      </p:sp>
+      <p:sp>
+        <p:nvSpPr>
+          <p:cNvPr id="28" name="TextBox 27"/>
+          <p:cNvSpPr txBox="1"/>
+          <p:nvPr/>
+        </p:nvSpPr>
+        <p:spPr>
+          <a:xfrm>
+            <a:off x="623453" y="2186222"/>
+            <a:ext cx="1815397" cy="369332"/>
+          </a:xfrm>
+          <a:prstGeom prst="rect">
+            <a:avLst/>
+          </a:prstGeom>
+          <a:noFill/>
+        </p:spPr>
+        <p:txBody>
+          <a:bodyPr wrap="square" rtlCol="0">
+            <a:spAutoFit/>
+          </a:bodyPr>
+          <a:lstStyle/>
+          <a:p>
+            <a:r>
+              <a:rPr lang="en-US" altLang="ko-KR" dirty="0" smtClean="0">
+                <a:latin typeface="Yoon 윤고딕 530_TT" panose="02090603020101020101" pitchFamily="18" charset="-127"/>
+                <a:ea typeface="Yoon 윤고딕 530_TT" panose="02090603020101020101" pitchFamily="18" charset="-127"/>
+              </a:rPr>
+              <a:t>JENKINS</a:t>
+            </a:r>
+            <a:endParaRPr lang="ko-KR" altLang="en-US" dirty="0">
+              <a:latin typeface="Yoon 윤고딕 530_TT" panose="02090603020101020101" pitchFamily="18" charset="-127"/>
+              <a:ea typeface="Yoon 윤고딕 530_TT" panose="02090603020101020101" pitchFamily="18" charset="-127"/>
+            </a:endParaRPr>
+          </a:p>
+        </p:txBody>
+      </p:sp>
+      <p:cxnSp>
+        <p:nvCxnSpPr>
+          <p:cNvPr id="29" name="직선 화살표 연결선 28"/>
+          <p:cNvCxnSpPr/>
+          <p:nvPr/>
+        </p:nvCxnSpPr>
+        <p:spPr>
+          <a:xfrm>
+            <a:off x="1738660" y="2370888"/>
+            <a:ext cx="8022857" cy="0"/>
+          </a:xfrm>
+          <a:prstGeom prst="straightConnector1">
+            <a:avLst/>
+          </a:prstGeom>
+          <a:ln>
+            <a:tailEnd type="triangle"/>
+          </a:ln>
+        </p:spPr>
+        <p:style>
+          <a:lnRef idx="1">
+            <a:schemeClr val="accent1"/>
+          </a:lnRef>
+          <a:fillRef idx="0">
+            <a:schemeClr val="accent1"/>
+          </a:fillRef>
+          <a:effectRef idx="0">
+            <a:schemeClr val="accent1"/>
+          </a:effectRef>
+          <a:fontRef idx="minor">
+            <a:schemeClr val="tx1"/>
+          </a:fontRef>
+        </p:style>
+      </p:cxnSp>
+      <p:sp>
+        <p:nvSpPr>
+          <p:cNvPr id="31" name="TextBox 30"/>
+          <p:cNvSpPr txBox="1"/>
+          <p:nvPr/>
+        </p:nvSpPr>
+        <p:spPr>
+          <a:xfrm>
+            <a:off x="606992" y="5314136"/>
+            <a:ext cx="1815397" cy="369332"/>
+          </a:xfrm>
+          <a:prstGeom prst="rect">
+            <a:avLst/>
+          </a:prstGeom>
+          <a:noFill/>
+        </p:spPr>
+        <p:txBody>
+          <a:bodyPr wrap="square" rtlCol="0">
+            <a:spAutoFit/>
+          </a:bodyPr>
+          <a:lstStyle/>
+          <a:p>
+            <a:r>
+              <a:rPr lang="en-US" altLang="ko-KR" dirty="0" smtClean="0">
+                <a:latin typeface="Yoon 윤고딕 530_TT" panose="02090603020101020101" pitchFamily="18" charset="-127"/>
+                <a:ea typeface="Yoon 윤고딕 530_TT" panose="02090603020101020101" pitchFamily="18" charset="-127"/>
+              </a:rPr>
+              <a:t>Grunt</a:t>
+            </a:r>
+            <a:endParaRPr lang="ko-KR" altLang="en-US" dirty="0">
+              <a:latin typeface="Yoon 윤고딕 530_TT" panose="02090603020101020101" pitchFamily="18" charset="-127"/>
+              <a:ea typeface="Yoon 윤고딕 530_TT" panose="02090603020101020101" pitchFamily="18" charset="-127"/>
+            </a:endParaRPr>
+          </a:p>
+        </p:txBody>
+      </p:sp>
+      <p:cxnSp>
+        <p:nvCxnSpPr>
+          <p:cNvPr id="32" name="직선 화살표 연결선 31"/>
+          <p:cNvCxnSpPr/>
+          <p:nvPr/>
+        </p:nvCxnSpPr>
+        <p:spPr>
+          <a:xfrm>
+            <a:off x="1722199" y="5498802"/>
+            <a:ext cx="8022857" cy="0"/>
+          </a:xfrm>
+          <a:prstGeom prst="straightConnector1">
+            <a:avLst/>
+          </a:prstGeom>
+          <a:ln>
+            <a:tailEnd type="triangle"/>
+          </a:ln>
+        </p:spPr>
+        <p:style>
+          <a:lnRef idx="1">
+            <a:schemeClr val="accent1"/>
+          </a:lnRef>
+          <a:fillRef idx="0">
+            <a:schemeClr val="accent1"/>
+          </a:fillRef>
+          <a:effectRef idx="0">
+            <a:schemeClr val="accent1"/>
+          </a:effectRef>
+          <a:fontRef idx="minor">
+            <a:schemeClr val="tx1"/>
+          </a:fontRef>
+        </p:style>
+      </p:cxnSp>
+      <p:sp>
+        <p:nvSpPr>
+          <p:cNvPr id="34" name="TextBox 33"/>
+          <p:cNvSpPr txBox="1"/>
+          <p:nvPr/>
+        </p:nvSpPr>
+        <p:spPr>
+          <a:xfrm>
+            <a:off x="4410750" y="4179866"/>
+            <a:ext cx="1815397" cy="338554"/>
+          </a:xfrm>
+          <a:prstGeom prst="rect">
+            <a:avLst/>
+          </a:prstGeom>
+          <a:noFill/>
+        </p:spPr>
+        <p:txBody>
+          <a:bodyPr wrap="square" rtlCol="0">
+            <a:spAutoFit/>
+          </a:bodyPr>
+          <a:lstStyle/>
+          <a:p>
+            <a:pPr algn="ctr"/>
+            <a:r>
+              <a:rPr lang="en-US" altLang="ko-KR" sz="1600" dirty="0" smtClean="0">
+                <a:latin typeface="Yoon 윤고딕 530_TT" panose="02090603020101020101" pitchFamily="18" charset="-127"/>
+                <a:ea typeface="Yoon 윤고딕 530_TT" panose="02090603020101020101" pitchFamily="18" charset="-127"/>
+              </a:rPr>
+              <a:t>Build by Maven</a:t>
+            </a:r>
+            <a:endParaRPr lang="ko-KR" altLang="en-US" sz="1600" dirty="0">
+              <a:latin typeface="Yoon 윤고딕 530_TT" panose="02090603020101020101" pitchFamily="18" charset="-127"/>
+              <a:ea typeface="Yoon 윤고딕 530_TT" panose="02090603020101020101" pitchFamily="18" charset="-127"/>
+            </a:endParaRPr>
+          </a:p>
+        </p:txBody>
+      </p:sp>
+    </p:spTree>
+    <p:extLst>
+      <p:ext uri="{BB962C8B-B14F-4D97-AF65-F5344CB8AC3E}">
+        <p14:creationId xmlns:p14="http://schemas.microsoft.com/office/powerpoint/2010/main" val="802386695"/>
+      </p:ext>
+    </p:extLst>
+  </p:cSld>
+  <p:clrMapOvr>
+    <a:masterClrMapping/>
+  </p:clrMapOvr>
+</p:sld>
+</file>
+
+<file path=ppt/slides/slide2.xml><?xml version="1.0" encoding="utf-8"?>
+<p:sld xmlns:a="http://schemas.openxmlformats.org/drawingml/2006/main" xmlns:r="http://schemas.openxmlformats.org/officeDocument/2006/relationships" xmlns:p="http://schemas.openxmlformats.org/presentationml/2006/main">
+  <p:cSld>
+    <p:spTree>
+      <p:nvGrpSpPr>
+        <p:cNvPr id="1" name=""/>
+        <p:cNvGrpSpPr/>
+        <p:nvPr/>
+      </p:nvGrpSpPr>
+      <p:grpSpPr>
+        <a:xfrm>
+          <a:off x="0" y="0"/>
+          <a:ext cx="0" cy="0"/>
+          <a:chOff x="0" y="0"/>
+          <a:chExt cx="0" cy="0"/>
+        </a:xfrm>
+      </p:grpSpPr>
+      <p:grpSp>
+        <p:nvGrpSpPr>
+          <p:cNvPr id="6" name="그룹 5"/>
+          <p:cNvGrpSpPr/>
+          <p:nvPr/>
+        </p:nvGrpSpPr>
+        <p:grpSpPr>
+          <a:xfrm>
+            <a:off x="10082150" y="226354"/>
+            <a:ext cx="1850739" cy="656709"/>
+            <a:chOff x="1556238" y="1972407"/>
+            <a:chExt cx="3859824" cy="899866"/>
+          </a:xfrm>
+        </p:grpSpPr>
+        <p:sp>
+          <p:nvSpPr>
+            <p:cNvPr id="4" name="TextBox 3"/>
+            <p:cNvSpPr txBox="1"/>
+            <p:nvPr/>
+          </p:nvSpPr>
+          <p:spPr>
+            <a:xfrm>
+              <a:off x="1556238" y="2555972"/>
+              <a:ext cx="3859824" cy="316301"/>
+            </a:xfrm>
+            <a:prstGeom prst="rect">
+              <a:avLst/>
+            </a:prstGeom>
+            <a:noFill/>
+          </p:spPr>
+          <p:txBody>
+            <a:bodyPr wrap="square" rtlCol="0">
+              <a:spAutoFit/>
+            </a:bodyPr>
+            <a:lstStyle/>
+            <a:p>
+              <a:pPr algn="dist"/>
+              <a:r>
+                <a:rPr lang="en-US" altLang="ko-KR" sz="900" dirty="0" smtClean="0">
+                  <a:latin typeface="Yoon 윤고딕 530_TT" panose="02090603020101020101" pitchFamily="18" charset="-127"/>
+                  <a:ea typeface="Yoon 윤고딕 530_TT" panose="02090603020101020101" pitchFamily="18" charset="-127"/>
+                </a:rPr>
+                <a:t>NEXT LECTURE MANAGER</a:t>
+              </a:r>
+              <a:endParaRPr lang="ko-KR" altLang="en-US" sz="900" dirty="0">
+                <a:latin typeface="Yoon 윤고딕 530_TT" panose="02090603020101020101" pitchFamily="18" charset="-127"/>
+                <a:ea typeface="Yoon 윤고딕 530_TT" panose="02090603020101020101" pitchFamily="18" charset="-127"/>
+              </a:endParaRPr>
+            </a:p>
+          </p:txBody>
+        </p:sp>
+        <p:sp>
+          <p:nvSpPr>
+            <p:cNvPr id="5" name="TextBox 4"/>
+            <p:cNvSpPr txBox="1"/>
+            <p:nvPr/>
+          </p:nvSpPr>
+          <p:spPr>
+            <a:xfrm>
+              <a:off x="1556238" y="1972407"/>
+              <a:ext cx="3859824" cy="632605"/>
+            </a:xfrm>
+            <a:prstGeom prst="rect">
+              <a:avLst/>
+            </a:prstGeom>
+            <a:noFill/>
+          </p:spPr>
+          <p:txBody>
+            <a:bodyPr wrap="square" rtlCol="0">
+              <a:spAutoFit/>
+            </a:bodyPr>
+            <a:lstStyle/>
+            <a:p>
+              <a:pPr algn="dist"/>
+              <a:r>
+                <a:rPr lang="en-US" altLang="ko-KR" sz="2400" dirty="0" smtClean="0">
+                  <a:latin typeface="Yoon 윤고딕 530_TT" panose="02090603020101020101" pitchFamily="18" charset="-127"/>
+                  <a:ea typeface="Yoon 윤고딕 530_TT" panose="02090603020101020101" pitchFamily="18" charset="-127"/>
+                </a:rPr>
+                <a:t>NEXUS</a:t>
+              </a:r>
+              <a:endParaRPr lang="ko-KR" altLang="en-US" sz="2400" dirty="0">
+                <a:latin typeface="Yoon 윤고딕 530_TT" panose="02090603020101020101" pitchFamily="18" charset="-127"/>
+                <a:ea typeface="Yoon 윤고딕 530_TT" panose="02090603020101020101" pitchFamily="18" charset="-127"/>
+              </a:endParaRPr>
+            </a:p>
+          </p:txBody>
+        </p:sp>
+      </p:grpSp>
+      <p:sp>
+        <p:nvSpPr>
+          <p:cNvPr id="8" name="TextBox 7"/>
+          <p:cNvSpPr txBox="1"/>
+          <p:nvPr/>
+        </p:nvSpPr>
+        <p:spPr>
+          <a:xfrm>
+            <a:off x="1434762" y="1821213"/>
+            <a:ext cx="2923481" cy="584775"/>
+          </a:xfrm>
+          <a:prstGeom prst="rect">
+            <a:avLst/>
+          </a:prstGeom>
+          <a:noFill/>
+        </p:spPr>
+        <p:txBody>
+          <a:bodyPr wrap="square" rtlCol="0">
+            <a:spAutoFit/>
+          </a:bodyPr>
+          <a:lstStyle/>
+          <a:p>
+            <a:r>
+              <a:rPr lang="en-US" altLang="ko-KR" sz="3200" dirty="0" smtClean="0">
+                <a:latin typeface="Yoon 윤고딕 530_TT" panose="02090603020101020101" pitchFamily="18" charset="-127"/>
+                <a:ea typeface="Yoon 윤고딕 530_TT" panose="02090603020101020101" pitchFamily="18" charset="-127"/>
+              </a:rPr>
+              <a:t>1. </a:t>
+            </a:r>
+            <a:r>
+              <a:rPr lang="ko-KR" altLang="en-US" sz="3200" dirty="0" smtClean="0">
+                <a:latin typeface="Yoon 윤고딕 530_TT" panose="02090603020101020101" pitchFamily="18" charset="-127"/>
+                <a:ea typeface="Yoon 윤고딕 530_TT" panose="02090603020101020101" pitchFamily="18" charset="-127"/>
+              </a:rPr>
+              <a:t>소개</a:t>
+            </a:r>
+            <a:endParaRPr lang="ko-KR" altLang="en-US" sz="3200" dirty="0">
+              <a:latin typeface="Yoon 윤고딕 530_TT" panose="02090603020101020101" pitchFamily="18" charset="-127"/>
+              <a:ea typeface="Yoon 윤고딕 530_TT" panose="02090603020101020101" pitchFamily="18" charset="-127"/>
+            </a:endParaRPr>
+          </a:p>
+        </p:txBody>
+      </p:sp>
+      <p:sp>
+        <p:nvSpPr>
+          <p:cNvPr id="21" name="TextBox 20"/>
+          <p:cNvSpPr txBox="1"/>
+          <p:nvPr/>
+        </p:nvSpPr>
+        <p:spPr>
+          <a:xfrm>
+            <a:off x="1434761" y="2899889"/>
+            <a:ext cx="5322299" cy="584775"/>
+          </a:xfrm>
+          <a:prstGeom prst="rect">
+            <a:avLst/>
+          </a:prstGeom>
+          <a:noFill/>
+        </p:spPr>
+        <p:txBody>
+          <a:bodyPr wrap="square" rtlCol="0">
+            <a:spAutoFit/>
+          </a:bodyPr>
+          <a:lstStyle/>
+          <a:p>
+            <a:r>
+              <a:rPr lang="en-US" altLang="ko-KR" sz="3200" dirty="0" smtClean="0">
+                <a:latin typeface="Yoon 윤고딕 530_TT" panose="02090603020101020101" pitchFamily="18" charset="-127"/>
+                <a:ea typeface="Yoon 윤고딕 530_TT" panose="02090603020101020101" pitchFamily="18" charset="-127"/>
+              </a:rPr>
+              <a:t>2. </a:t>
+            </a:r>
+            <a:r>
+              <a:rPr lang="ko-KR" altLang="en-US" sz="3200" dirty="0" smtClean="0">
+                <a:latin typeface="Yoon 윤고딕 530_TT" panose="02090603020101020101" pitchFamily="18" charset="-127"/>
+                <a:ea typeface="Yoon 윤고딕 530_TT" panose="02090603020101020101" pitchFamily="18" charset="-127"/>
+              </a:rPr>
+              <a:t>서비스 사용 설명 </a:t>
+            </a:r>
+            <a:r>
+              <a:rPr lang="en-US" altLang="ko-KR" sz="3200" dirty="0" smtClean="0">
+                <a:latin typeface="Yoon 윤고딕 530_TT" panose="02090603020101020101" pitchFamily="18" charset="-127"/>
+                <a:ea typeface="Yoon 윤고딕 530_TT" panose="02090603020101020101" pitchFamily="18" charset="-127"/>
+              </a:rPr>
+              <a:t>(</a:t>
+            </a:r>
+            <a:r>
+              <a:rPr lang="ko-KR" altLang="en-US" sz="3200" dirty="0" smtClean="0">
+                <a:latin typeface="Yoon 윤고딕 530_TT" panose="02090603020101020101" pitchFamily="18" charset="-127"/>
+                <a:ea typeface="Yoon 윤고딕 530_TT" panose="02090603020101020101" pitchFamily="18" charset="-127"/>
+              </a:rPr>
+              <a:t>데모</a:t>
+            </a:r>
+            <a:r>
+              <a:rPr lang="en-US" altLang="ko-KR" sz="3200" dirty="0" smtClean="0">
+                <a:latin typeface="Yoon 윤고딕 530_TT" panose="02090603020101020101" pitchFamily="18" charset="-127"/>
+                <a:ea typeface="Yoon 윤고딕 530_TT" panose="02090603020101020101" pitchFamily="18" charset="-127"/>
+              </a:rPr>
+              <a:t>)</a:t>
+            </a:r>
+            <a:endParaRPr lang="ko-KR" altLang="en-US" sz="3200" dirty="0">
+              <a:latin typeface="Yoon 윤고딕 530_TT" panose="02090603020101020101" pitchFamily="18" charset="-127"/>
+              <a:ea typeface="Yoon 윤고딕 530_TT" panose="02090603020101020101" pitchFamily="18" charset="-127"/>
+            </a:endParaRPr>
+          </a:p>
+        </p:txBody>
+      </p:sp>
+      <p:sp>
+        <p:nvSpPr>
+          <p:cNvPr id="23" name="TextBox 22"/>
+          <p:cNvSpPr txBox="1"/>
+          <p:nvPr/>
+        </p:nvSpPr>
+        <p:spPr>
+          <a:xfrm>
+            <a:off x="1434761" y="3978565"/>
+            <a:ext cx="5322299" cy="584775"/>
+          </a:xfrm>
+          <a:prstGeom prst="rect">
+            <a:avLst/>
+          </a:prstGeom>
+          <a:noFill/>
+        </p:spPr>
+        <p:txBody>
+          <a:bodyPr wrap="square" rtlCol="0">
+            <a:spAutoFit/>
+          </a:bodyPr>
+          <a:lstStyle/>
+          <a:p>
+            <a:r>
+              <a:rPr lang="en-US" altLang="ko-KR" sz="3200" dirty="0" smtClean="0">
+                <a:latin typeface="Yoon 윤고딕 530_TT" panose="02090603020101020101" pitchFamily="18" charset="-127"/>
+                <a:ea typeface="Yoon 윤고딕 530_TT" panose="02090603020101020101" pitchFamily="18" charset="-127"/>
+              </a:rPr>
+              <a:t>3. </a:t>
+            </a:r>
+            <a:r>
+              <a:rPr lang="ko-KR" altLang="en-US" sz="3200" dirty="0" smtClean="0">
+                <a:latin typeface="Yoon 윤고딕 530_TT" panose="02090603020101020101" pitchFamily="18" charset="-127"/>
+                <a:ea typeface="Yoon 윤고딕 530_TT" panose="02090603020101020101" pitchFamily="18" charset="-127"/>
+              </a:rPr>
+              <a:t>사용된 기술</a:t>
+            </a:r>
+            <a:endParaRPr lang="ko-KR" altLang="en-US" sz="3200" dirty="0">
+              <a:latin typeface="Yoon 윤고딕 530_TT" panose="02090603020101020101" pitchFamily="18" charset="-127"/>
+              <a:ea typeface="Yoon 윤고딕 530_TT" panose="02090603020101020101" pitchFamily="18" charset="-127"/>
+            </a:endParaRPr>
+          </a:p>
+        </p:txBody>
+      </p:sp>
     </p:spTree>
     <p:extLst>
       <p:ext uri="{BB962C8B-B14F-4D97-AF65-F5344CB8AC3E}">
         <p14:creationId xmlns:p14="http://schemas.microsoft.com/office/powerpoint/2010/main" val="2094810493"/>
+      </p:ext>
+    </p:extLst>
+  </p:cSld>
+  <p:clrMapOvr>
+    <a:masterClrMapping/>
+  </p:clrMapOvr>
+</p:sld>
+</file>
+
+<file path=ppt/slides/slide20.xml><?xml version="1.0" encoding="utf-8"?>
+<p:sld xmlns:a="http://schemas.openxmlformats.org/drawingml/2006/main" xmlns:r="http://schemas.openxmlformats.org/officeDocument/2006/relationships" xmlns:p="http://schemas.openxmlformats.org/presentationml/2006/main">
+  <p:cSld>
+    <p:spTree>
+      <p:nvGrpSpPr>
+        <p:cNvPr id="1" name=""/>
+        <p:cNvGrpSpPr/>
+        <p:nvPr/>
+      </p:nvGrpSpPr>
+      <p:grpSpPr>
+        <a:xfrm>
+          <a:off x="0" y="0"/>
+          <a:ext cx="0" cy="0"/>
+          <a:chOff x="0" y="0"/>
+          <a:chExt cx="0" cy="0"/>
+        </a:xfrm>
+      </p:grpSpPr>
+      <p:grpSp>
+        <p:nvGrpSpPr>
+          <p:cNvPr id="6" name="그룹 5"/>
+          <p:cNvGrpSpPr/>
+          <p:nvPr/>
+        </p:nvGrpSpPr>
+        <p:grpSpPr>
+          <a:xfrm>
+            <a:off x="10082150" y="226354"/>
+            <a:ext cx="1850739" cy="656709"/>
+            <a:chOff x="1556238" y="1972407"/>
+            <a:chExt cx="3859824" cy="899866"/>
+          </a:xfrm>
+        </p:grpSpPr>
+        <p:sp>
+          <p:nvSpPr>
+            <p:cNvPr id="4" name="TextBox 3"/>
+            <p:cNvSpPr txBox="1"/>
+            <p:nvPr/>
+          </p:nvSpPr>
+          <p:spPr>
+            <a:xfrm>
+              <a:off x="1556238" y="2555972"/>
+              <a:ext cx="3859824" cy="316301"/>
+            </a:xfrm>
+            <a:prstGeom prst="rect">
+              <a:avLst/>
+            </a:prstGeom>
+            <a:noFill/>
+          </p:spPr>
+          <p:txBody>
+            <a:bodyPr wrap="square" rtlCol="0">
+              <a:spAutoFit/>
+            </a:bodyPr>
+            <a:lstStyle/>
+            <a:p>
+              <a:pPr algn="dist"/>
+              <a:r>
+                <a:rPr lang="en-US" altLang="ko-KR" sz="900" dirty="0" smtClean="0">
+                  <a:latin typeface="Yoon 윤고딕 530_TT" panose="02090603020101020101" pitchFamily="18" charset="-127"/>
+                  <a:ea typeface="Yoon 윤고딕 530_TT" panose="02090603020101020101" pitchFamily="18" charset="-127"/>
+                </a:rPr>
+                <a:t>NEXT LECTURE MANAGER</a:t>
+              </a:r>
+              <a:endParaRPr lang="ko-KR" altLang="en-US" sz="900" dirty="0">
+                <a:latin typeface="Yoon 윤고딕 530_TT" panose="02090603020101020101" pitchFamily="18" charset="-127"/>
+                <a:ea typeface="Yoon 윤고딕 530_TT" panose="02090603020101020101" pitchFamily="18" charset="-127"/>
+              </a:endParaRPr>
+            </a:p>
+          </p:txBody>
+        </p:sp>
+        <p:sp>
+          <p:nvSpPr>
+            <p:cNvPr id="5" name="TextBox 4"/>
+            <p:cNvSpPr txBox="1"/>
+            <p:nvPr/>
+          </p:nvSpPr>
+          <p:spPr>
+            <a:xfrm>
+              <a:off x="1556238" y="1972407"/>
+              <a:ext cx="3859824" cy="632605"/>
+            </a:xfrm>
+            <a:prstGeom prst="rect">
+              <a:avLst/>
+            </a:prstGeom>
+            <a:noFill/>
+          </p:spPr>
+          <p:txBody>
+            <a:bodyPr wrap="square" rtlCol="0">
+              <a:spAutoFit/>
+            </a:bodyPr>
+            <a:lstStyle/>
+            <a:p>
+              <a:pPr algn="dist"/>
+              <a:r>
+                <a:rPr lang="en-US" altLang="ko-KR" sz="2400" dirty="0" smtClean="0">
+                  <a:latin typeface="Yoon 윤고딕 530_TT" panose="02090603020101020101" pitchFamily="18" charset="-127"/>
+                  <a:ea typeface="Yoon 윤고딕 530_TT" panose="02090603020101020101" pitchFamily="18" charset="-127"/>
+                </a:rPr>
+                <a:t>NEXUS</a:t>
+              </a:r>
+              <a:endParaRPr lang="ko-KR" altLang="en-US" sz="2400" dirty="0">
+                <a:latin typeface="Yoon 윤고딕 530_TT" panose="02090603020101020101" pitchFamily="18" charset="-127"/>
+                <a:ea typeface="Yoon 윤고딕 530_TT" panose="02090603020101020101" pitchFamily="18" charset="-127"/>
+              </a:endParaRPr>
+            </a:p>
+          </p:txBody>
+        </p:sp>
+      </p:grpSp>
+      <p:sp>
+        <p:nvSpPr>
+          <p:cNvPr id="24" name="TextBox 23"/>
+          <p:cNvSpPr txBox="1"/>
+          <p:nvPr/>
+        </p:nvSpPr>
+        <p:spPr>
+          <a:xfrm>
+            <a:off x="773877" y="1805929"/>
+            <a:ext cx="2804726" cy="400110"/>
+          </a:xfrm>
+          <a:prstGeom prst="rect">
+            <a:avLst/>
+          </a:prstGeom>
+          <a:noFill/>
+        </p:spPr>
+        <p:txBody>
+          <a:bodyPr wrap="square" rtlCol="0">
+            <a:spAutoFit/>
+          </a:bodyPr>
+          <a:lstStyle/>
+          <a:p>
+            <a:r>
+              <a:rPr lang="en-US" altLang="ko-KR" sz="2000" dirty="0" err="1" smtClean="0">
+                <a:latin typeface="Yoon 윤고딕 530_TT" panose="02090603020101020101" pitchFamily="18" charset="-127"/>
+                <a:ea typeface="Yoon 윤고딕 530_TT" panose="02090603020101020101" pitchFamily="18" charset="-127"/>
+              </a:rPr>
+              <a:t>SinglePageApplication</a:t>
+            </a:r>
+            <a:endParaRPr lang="ko-KR" altLang="en-US" sz="2000" dirty="0">
+              <a:latin typeface="Yoon 윤고딕 530_TT" panose="02090603020101020101" pitchFamily="18" charset="-127"/>
+              <a:ea typeface="Yoon 윤고딕 530_TT" panose="02090603020101020101" pitchFamily="18" charset="-127"/>
+            </a:endParaRPr>
+          </a:p>
+        </p:txBody>
+      </p:sp>
+      <p:sp>
+        <p:nvSpPr>
+          <p:cNvPr id="30" name="TextBox 29"/>
+          <p:cNvSpPr txBox="1"/>
+          <p:nvPr/>
+        </p:nvSpPr>
+        <p:spPr>
+          <a:xfrm>
+            <a:off x="342233" y="883063"/>
+            <a:ext cx="2792854" cy="584775"/>
+          </a:xfrm>
+          <a:prstGeom prst="rect">
+            <a:avLst/>
+          </a:prstGeom>
+          <a:noFill/>
+        </p:spPr>
+        <p:txBody>
+          <a:bodyPr wrap="square" rtlCol="0">
+            <a:spAutoFit/>
+          </a:bodyPr>
+          <a:lstStyle/>
+          <a:p>
+            <a:r>
+              <a:rPr lang="en-US" altLang="ko-KR" sz="3200" dirty="0" smtClean="0">
+                <a:latin typeface="Yoon 윤고딕 530_TT" panose="02090603020101020101" pitchFamily="18" charset="-127"/>
+                <a:ea typeface="Yoon 윤고딕 530_TT" panose="02090603020101020101" pitchFamily="18" charset="-127"/>
+              </a:rPr>
+              <a:t>2. Client</a:t>
+            </a:r>
+            <a:endParaRPr lang="ko-KR" altLang="en-US" sz="3200" dirty="0">
+              <a:latin typeface="Yoon 윤고딕 530_TT" panose="02090603020101020101" pitchFamily="18" charset="-127"/>
+              <a:ea typeface="Yoon 윤고딕 530_TT" panose="02090603020101020101" pitchFamily="18" charset="-127"/>
+            </a:endParaRPr>
+          </a:p>
+        </p:txBody>
+      </p:sp>
+      <p:sp>
+        <p:nvSpPr>
+          <p:cNvPr id="33" name="TextBox 32"/>
+          <p:cNvSpPr txBox="1"/>
+          <p:nvPr/>
+        </p:nvSpPr>
+        <p:spPr>
+          <a:xfrm>
+            <a:off x="4010161" y="1805929"/>
+            <a:ext cx="1357918" cy="400110"/>
+          </a:xfrm>
+          <a:prstGeom prst="rect">
+            <a:avLst/>
+          </a:prstGeom>
+          <a:noFill/>
+        </p:spPr>
+        <p:txBody>
+          <a:bodyPr wrap="square" rtlCol="0">
+            <a:spAutoFit/>
+          </a:bodyPr>
+          <a:lstStyle/>
+          <a:p>
+            <a:r>
+              <a:rPr lang="en-US" altLang="ko-KR" sz="2000" dirty="0" err="1" smtClean="0">
+                <a:latin typeface="Yoon 윤고딕 530_TT" panose="02090603020101020101" pitchFamily="18" charset="-127"/>
+                <a:ea typeface="Yoon 윤고딕 530_TT" panose="02090603020101020101" pitchFamily="18" charset="-127"/>
+              </a:rPr>
+              <a:t>AngularJs</a:t>
+            </a:r>
+            <a:endParaRPr lang="ko-KR" altLang="en-US" sz="2000" dirty="0">
+              <a:latin typeface="Yoon 윤고딕 530_TT" panose="02090603020101020101" pitchFamily="18" charset="-127"/>
+              <a:ea typeface="Yoon 윤고딕 530_TT" panose="02090603020101020101" pitchFamily="18" charset="-127"/>
+            </a:endParaRPr>
+          </a:p>
+        </p:txBody>
+      </p:sp>
+      <p:sp>
+        <p:nvSpPr>
+          <p:cNvPr id="37" name="TextBox 36"/>
+          <p:cNvSpPr txBox="1"/>
+          <p:nvPr/>
+        </p:nvSpPr>
+        <p:spPr>
+          <a:xfrm>
+            <a:off x="5585535" y="1586591"/>
+            <a:ext cx="1357918" cy="400110"/>
+          </a:xfrm>
+          <a:prstGeom prst="rect">
+            <a:avLst/>
+          </a:prstGeom>
+          <a:noFill/>
+        </p:spPr>
+        <p:txBody>
+          <a:bodyPr wrap="square" rtlCol="0">
+            <a:spAutoFit/>
+          </a:bodyPr>
+          <a:lstStyle/>
+          <a:p>
+            <a:r>
+              <a:rPr lang="en-US" altLang="ko-KR" sz="2000" dirty="0" smtClean="0">
+                <a:latin typeface="Yoon 윤고딕 530_TT" panose="02090603020101020101" pitchFamily="18" charset="-127"/>
+                <a:ea typeface="Yoon 윤고딕 530_TT" panose="02090603020101020101" pitchFamily="18" charset="-127"/>
+              </a:rPr>
+              <a:t>UI-Router</a:t>
+            </a:r>
+            <a:endParaRPr lang="ko-KR" altLang="en-US" sz="2000" dirty="0">
+              <a:latin typeface="Yoon 윤고딕 530_TT" panose="02090603020101020101" pitchFamily="18" charset="-127"/>
+              <a:ea typeface="Yoon 윤고딕 530_TT" panose="02090603020101020101" pitchFamily="18" charset="-127"/>
+            </a:endParaRPr>
+          </a:p>
+        </p:txBody>
+      </p:sp>
+      <p:sp>
+        <p:nvSpPr>
+          <p:cNvPr id="38" name="TextBox 37"/>
+          <p:cNvSpPr txBox="1"/>
+          <p:nvPr/>
+        </p:nvSpPr>
+        <p:spPr>
+          <a:xfrm>
+            <a:off x="5585535" y="2005984"/>
+            <a:ext cx="2375065" cy="400110"/>
+          </a:xfrm>
+          <a:prstGeom prst="rect">
+            <a:avLst/>
+          </a:prstGeom>
+          <a:noFill/>
+        </p:spPr>
+        <p:txBody>
+          <a:bodyPr wrap="square" rtlCol="0">
+            <a:spAutoFit/>
+          </a:bodyPr>
+          <a:lstStyle/>
+          <a:p>
+            <a:r>
+              <a:rPr lang="en-US" altLang="ko-KR" sz="2000" dirty="0" smtClean="0">
+                <a:latin typeface="Yoon 윤고딕 530_TT" panose="02090603020101020101" pitchFamily="18" charset="-127"/>
+                <a:ea typeface="Yoon 윤고딕 530_TT" panose="02090603020101020101" pitchFamily="18" charset="-127"/>
+              </a:rPr>
+              <a:t>Angular </a:t>
+            </a:r>
+            <a:r>
+              <a:rPr lang="en-US" altLang="ko-KR" sz="2000" dirty="0" err="1" smtClean="0">
+                <a:latin typeface="Yoon 윤고딕 530_TT" panose="02090603020101020101" pitchFamily="18" charset="-127"/>
+                <a:ea typeface="Yoon 윤고딕 530_TT" panose="02090603020101020101" pitchFamily="18" charset="-127"/>
+              </a:rPr>
+              <a:t>Meterial</a:t>
+            </a:r>
+            <a:endParaRPr lang="ko-KR" altLang="en-US" sz="2000" dirty="0">
+              <a:latin typeface="Yoon 윤고딕 530_TT" panose="02090603020101020101" pitchFamily="18" charset="-127"/>
+              <a:ea typeface="Yoon 윤고딕 530_TT" panose="02090603020101020101" pitchFamily="18" charset="-127"/>
+            </a:endParaRPr>
+          </a:p>
+        </p:txBody>
+      </p:sp>
+      <p:sp>
+        <p:nvSpPr>
+          <p:cNvPr id="39" name="TextBox 38"/>
+          <p:cNvSpPr txBox="1"/>
+          <p:nvPr/>
+        </p:nvSpPr>
+        <p:spPr>
+          <a:xfrm>
+            <a:off x="3436100" y="2544130"/>
+            <a:ext cx="5882418" cy="400110"/>
+          </a:xfrm>
+          <a:prstGeom prst="rect">
+            <a:avLst/>
+          </a:prstGeom>
+          <a:noFill/>
+        </p:spPr>
+        <p:txBody>
+          <a:bodyPr wrap="square" rtlCol="0">
+            <a:spAutoFit/>
+          </a:bodyPr>
+          <a:lstStyle/>
+          <a:p>
+            <a:r>
+              <a:rPr lang="ko-KR" altLang="en-US" sz="2000" dirty="0" err="1" smtClean="0">
+                <a:latin typeface="Yoon 윤고딕 530_TT" panose="02090603020101020101" pitchFamily="18" charset="-127"/>
+                <a:ea typeface="Yoon 윤고딕 530_TT" panose="02090603020101020101" pitchFamily="18" charset="-127"/>
+              </a:rPr>
+              <a:t>빌드도구</a:t>
+            </a:r>
+            <a:r>
+              <a:rPr lang="ko-KR" altLang="en-US" sz="2000" dirty="0" smtClean="0">
+                <a:latin typeface="Yoon 윤고딕 530_TT" panose="02090603020101020101" pitchFamily="18" charset="-127"/>
+                <a:ea typeface="Yoon 윤고딕 530_TT" panose="02090603020101020101" pitchFamily="18" charset="-127"/>
+              </a:rPr>
+              <a:t> </a:t>
+            </a:r>
+            <a:r>
+              <a:rPr lang="en-US" altLang="ko-KR" sz="2000" dirty="0" smtClean="0">
+                <a:latin typeface="Yoon 윤고딕 530_TT" panose="02090603020101020101" pitchFamily="18" charset="-127"/>
+                <a:ea typeface="Yoon 윤고딕 530_TT" panose="02090603020101020101" pitchFamily="18" charset="-127"/>
+              </a:rPr>
+              <a:t>: Grunt (</a:t>
+            </a:r>
+            <a:r>
+              <a:rPr lang="en-US" altLang="ko-KR" sz="2000" dirty="0" err="1" smtClean="0">
+                <a:latin typeface="Yoon 윤고딕 530_TT" panose="02090603020101020101" pitchFamily="18" charset="-127"/>
+                <a:ea typeface="Yoon 윤고딕 530_TT" panose="02090603020101020101" pitchFamily="18" charset="-127"/>
+              </a:rPr>
+              <a:t>Yoman</a:t>
+            </a:r>
+            <a:r>
+              <a:rPr lang="en-US" altLang="ko-KR" sz="2000" dirty="0" smtClean="0">
+                <a:latin typeface="Yoon 윤고딕 530_TT" panose="02090603020101020101" pitchFamily="18" charset="-127"/>
+                <a:ea typeface="Yoon 윤고딕 530_TT" panose="02090603020101020101" pitchFamily="18" charset="-127"/>
+              </a:rPr>
+              <a:t> + custom setting)</a:t>
+            </a:r>
+            <a:endParaRPr lang="ko-KR" altLang="en-US" sz="2000" dirty="0">
+              <a:latin typeface="Yoon 윤고딕 530_TT" panose="02090603020101020101" pitchFamily="18" charset="-127"/>
+              <a:ea typeface="Yoon 윤고딕 530_TT" panose="02090603020101020101" pitchFamily="18" charset="-127"/>
+            </a:endParaRPr>
+          </a:p>
+        </p:txBody>
+      </p:sp>
+      <p:sp>
+        <p:nvSpPr>
+          <p:cNvPr id="40" name="TextBox 39"/>
+          <p:cNvSpPr txBox="1"/>
+          <p:nvPr/>
+        </p:nvSpPr>
+        <p:spPr>
+          <a:xfrm>
+            <a:off x="7960600" y="1953425"/>
+            <a:ext cx="1357918" cy="400110"/>
+          </a:xfrm>
+          <a:prstGeom prst="rect">
+            <a:avLst/>
+          </a:prstGeom>
+          <a:noFill/>
+        </p:spPr>
+        <p:txBody>
+          <a:bodyPr wrap="square" rtlCol="0">
+            <a:spAutoFit/>
+          </a:bodyPr>
+          <a:lstStyle/>
+          <a:p>
+            <a:r>
+              <a:rPr lang="en-US" altLang="ko-KR" sz="2000" dirty="0" smtClean="0">
+                <a:latin typeface="Yoon 윤고딕 530_TT" panose="02090603020101020101" pitchFamily="18" charset="-127"/>
+                <a:ea typeface="Yoon 윤고딕 530_TT" panose="02090603020101020101" pitchFamily="18" charset="-127"/>
+              </a:rPr>
+              <a:t>Less</a:t>
+            </a:r>
+            <a:endParaRPr lang="ko-KR" altLang="en-US" sz="2000" dirty="0">
+              <a:latin typeface="Yoon 윤고딕 530_TT" panose="02090603020101020101" pitchFamily="18" charset="-127"/>
+              <a:ea typeface="Yoon 윤고딕 530_TT" panose="02090603020101020101" pitchFamily="18" charset="-127"/>
+            </a:endParaRPr>
+          </a:p>
+        </p:txBody>
+      </p:sp>
+      <p:sp>
+        <p:nvSpPr>
+          <p:cNvPr id="42" name="TextBox 41"/>
+          <p:cNvSpPr txBox="1"/>
+          <p:nvPr/>
+        </p:nvSpPr>
+        <p:spPr>
+          <a:xfrm>
+            <a:off x="583871" y="2860401"/>
+            <a:ext cx="1411183" cy="400110"/>
+          </a:xfrm>
+          <a:prstGeom prst="rect">
+            <a:avLst/>
+          </a:prstGeom>
+          <a:noFill/>
+        </p:spPr>
+        <p:txBody>
+          <a:bodyPr wrap="square" rtlCol="0">
+            <a:spAutoFit/>
+          </a:bodyPr>
+          <a:lstStyle/>
+          <a:p>
+            <a:r>
+              <a:rPr lang="ko-KR" altLang="en-US" sz="2000" smtClean="0">
+                <a:latin typeface="Yoon 윤고딕 530_TT" panose="02090603020101020101" pitchFamily="18" charset="-127"/>
+                <a:ea typeface="Yoon 윤고딕 530_TT" panose="02090603020101020101" pitchFamily="18" charset="-127"/>
+              </a:rPr>
+              <a:t>반응형</a:t>
+            </a:r>
+            <a:endParaRPr lang="ko-KR" altLang="en-US" sz="2000" dirty="0">
+              <a:latin typeface="Yoon 윤고딕 530_TT" panose="02090603020101020101" pitchFamily="18" charset="-127"/>
+              <a:ea typeface="Yoon 윤고딕 530_TT" panose="02090603020101020101" pitchFamily="18" charset="-127"/>
+            </a:endParaRPr>
+          </a:p>
+        </p:txBody>
+      </p:sp>
+    </p:spTree>
+    <p:extLst>
+      <p:ext uri="{BB962C8B-B14F-4D97-AF65-F5344CB8AC3E}">
+        <p14:creationId xmlns:p14="http://schemas.microsoft.com/office/powerpoint/2010/main" val="1160708875"/>
+      </p:ext>
+    </p:extLst>
+  </p:cSld>
+  <p:clrMapOvr>
+    <a:masterClrMapping/>
+  </p:clrMapOvr>
+</p:sld>
+</file>
+
+<file path=ppt/slides/slide21.xml><?xml version="1.0" encoding="utf-8"?>
+<p:sld xmlns:a="http://schemas.openxmlformats.org/drawingml/2006/main" xmlns:r="http://schemas.openxmlformats.org/officeDocument/2006/relationships" xmlns:p="http://schemas.openxmlformats.org/presentationml/2006/main">
+  <p:cSld>
+    <p:spTree>
+      <p:nvGrpSpPr>
+        <p:cNvPr id="1" name=""/>
+        <p:cNvGrpSpPr/>
+        <p:nvPr/>
+      </p:nvGrpSpPr>
+      <p:grpSpPr>
+        <a:xfrm>
+          <a:off x="0" y="0"/>
+          <a:ext cx="0" cy="0"/>
+          <a:chOff x="0" y="0"/>
+          <a:chExt cx="0" cy="0"/>
+        </a:xfrm>
+      </p:grpSpPr>
+      <p:grpSp>
+        <p:nvGrpSpPr>
+          <p:cNvPr id="6" name="그룹 5"/>
+          <p:cNvGrpSpPr/>
+          <p:nvPr/>
+        </p:nvGrpSpPr>
+        <p:grpSpPr>
+          <a:xfrm>
+            <a:off x="10082150" y="226354"/>
+            <a:ext cx="1850739" cy="656709"/>
+            <a:chOff x="1556238" y="1972407"/>
+            <a:chExt cx="3859824" cy="899866"/>
+          </a:xfrm>
+        </p:grpSpPr>
+        <p:sp>
+          <p:nvSpPr>
+            <p:cNvPr id="4" name="TextBox 3"/>
+            <p:cNvSpPr txBox="1"/>
+            <p:nvPr/>
+          </p:nvSpPr>
+          <p:spPr>
+            <a:xfrm>
+              <a:off x="1556238" y="2555972"/>
+              <a:ext cx="3859824" cy="316301"/>
+            </a:xfrm>
+            <a:prstGeom prst="rect">
+              <a:avLst/>
+            </a:prstGeom>
+            <a:noFill/>
+          </p:spPr>
+          <p:txBody>
+            <a:bodyPr wrap="square" rtlCol="0">
+              <a:spAutoFit/>
+            </a:bodyPr>
+            <a:lstStyle/>
+            <a:p>
+              <a:pPr algn="dist"/>
+              <a:r>
+                <a:rPr lang="en-US" altLang="ko-KR" sz="900" dirty="0" smtClean="0">
+                  <a:latin typeface="Yoon 윤고딕 530_TT" panose="02090603020101020101" pitchFamily="18" charset="-127"/>
+                  <a:ea typeface="Yoon 윤고딕 530_TT" panose="02090603020101020101" pitchFamily="18" charset="-127"/>
+                </a:rPr>
+                <a:t>NEXT LECTURE MANAGER</a:t>
+              </a:r>
+              <a:endParaRPr lang="ko-KR" altLang="en-US" sz="900" dirty="0">
+                <a:latin typeface="Yoon 윤고딕 530_TT" panose="02090603020101020101" pitchFamily="18" charset="-127"/>
+                <a:ea typeface="Yoon 윤고딕 530_TT" panose="02090603020101020101" pitchFamily="18" charset="-127"/>
+              </a:endParaRPr>
+            </a:p>
+          </p:txBody>
+        </p:sp>
+        <p:sp>
+          <p:nvSpPr>
+            <p:cNvPr id="5" name="TextBox 4"/>
+            <p:cNvSpPr txBox="1"/>
+            <p:nvPr/>
+          </p:nvSpPr>
+          <p:spPr>
+            <a:xfrm>
+              <a:off x="1556238" y="1972407"/>
+              <a:ext cx="3859824" cy="632605"/>
+            </a:xfrm>
+            <a:prstGeom prst="rect">
+              <a:avLst/>
+            </a:prstGeom>
+            <a:noFill/>
+          </p:spPr>
+          <p:txBody>
+            <a:bodyPr wrap="square" rtlCol="0">
+              <a:spAutoFit/>
+            </a:bodyPr>
+            <a:lstStyle/>
+            <a:p>
+              <a:pPr algn="dist"/>
+              <a:r>
+                <a:rPr lang="en-US" altLang="ko-KR" sz="2400" dirty="0" smtClean="0">
+                  <a:latin typeface="Yoon 윤고딕 530_TT" panose="02090603020101020101" pitchFamily="18" charset="-127"/>
+                  <a:ea typeface="Yoon 윤고딕 530_TT" panose="02090603020101020101" pitchFamily="18" charset="-127"/>
+                </a:rPr>
+                <a:t>NEXUS</a:t>
+              </a:r>
+              <a:endParaRPr lang="ko-KR" altLang="en-US" sz="2400" dirty="0">
+                <a:latin typeface="Yoon 윤고딕 530_TT" panose="02090603020101020101" pitchFamily="18" charset="-127"/>
+                <a:ea typeface="Yoon 윤고딕 530_TT" panose="02090603020101020101" pitchFamily="18" charset="-127"/>
+              </a:endParaRPr>
+            </a:p>
+          </p:txBody>
+        </p:sp>
+      </p:grpSp>
+    </p:spTree>
+    <p:extLst>
+      <p:ext uri="{BB962C8B-B14F-4D97-AF65-F5344CB8AC3E}">
+        <p14:creationId xmlns:p14="http://schemas.microsoft.com/office/powerpoint/2010/main" val="4235729800"/>
       </p:ext>
     </p:extLst>
   </p:cSld>
